--- a/Governance and Compliance.pptx
+++ b/Governance and Compliance.pptx
@@ -19,6 +19,14 @@
     <p:sldId id="267" r:id="rId13"/>
     <p:sldId id="268" r:id="rId14"/>
     <p:sldId id="269" r:id="rId15"/>
+    <p:sldId id="270" r:id="rId16"/>
+    <p:sldId id="271" r:id="rId17"/>
+    <p:sldId id="272" r:id="rId18"/>
+    <p:sldId id="273" r:id="rId19"/>
+    <p:sldId id="274" r:id="rId20"/>
+    <p:sldId id="275" r:id="rId21"/>
+    <p:sldId id="276" r:id="rId22"/>
+    <p:sldId id="277" r:id="rId23"/>
   </p:sldIdLst>
   <p:sldSz cx="12192000" cy="6858000"/>
   <p:notesSz cx="6858000" cy="9144000"/>
@@ -117,7 +125,822 @@
       </a:defRPr>
     </a:lvl9pPr>
   </p:defaultTextStyle>
+  <p:extLst>
+    <p:ext uri="{EFAFB233-063F-42B5-8137-9DF3F51BA10A}">
+      <p15:sldGuideLst xmlns:p15="http://schemas.microsoft.com/office/powerpoint/2012/main"/>
+    </p:ext>
+  </p:extLst>
 </p:presentation>
+</file>
+
+<file path=ppt/ink/ink1.xml><?xml version="1.0" encoding="utf-8"?>
+<inkml:ink xmlns:inkml="http://www.w3.org/2003/InkML">
+  <inkml:definitions>
+    <inkml:context xml:id="ctx0">
+      <inkml:inkSource xml:id="inkSrc0">
+        <inkml:traceFormat>
+          <inkml:channel name="X" type="integer" min="-2.14748E9" max="2.14748E9" units="cm"/>
+          <inkml:channel name="Y" type="integer" min="-2.14748E9" max="2.14748E9" units="cm"/>
+          <inkml:channel name="F" type="integer" max="32767" units="dev"/>
+        </inkml:traceFormat>
+        <inkml:channelProperties>
+          <inkml:channelProperty channel="X" name="resolution" value="1000" units="1/cm"/>
+          <inkml:channelProperty channel="Y" name="resolution" value="1000" units="1/cm"/>
+          <inkml:channelProperty channel="F" name="resolution" value="0" units="1/dev"/>
+        </inkml:channelProperties>
+      </inkml:inkSource>
+      <inkml:timestamp xml:id="ts0" timeString="2023-02-18T04:22:14.137"/>
+    </inkml:context>
+    <inkml:brush xml:id="br0">
+      <inkml:brushProperty name="width" value="0.05" units="cm"/>
+      <inkml:brushProperty name="height" value="0.05" units="cm"/>
+    </inkml:brush>
+  </inkml:definitions>
+  <inkml:trace contextRef="#ctx0" brushRef="#br0">1731 430 24575,'-3'-3'0,"0"-1"0,1 1 0,-1-1 0,1 1 0,0-1 0,0 0 0,-1-5 0,-7-12 0,-3-3 0,-1 2 0,-2 0 0,-27-31 0,33 42 0,-1 0 0,0 1 0,-1 1 0,0 0 0,-1 0 0,0 1 0,-25-11 0,7 7 0,-1 1 0,-1 2 0,1 2 0,-2 1 0,1 1 0,-52-1 0,32 7 0,-1 2 0,1 2 0,-71 17 0,53-4 0,-123 53 0,85-29 0,92-34 0,0 1 0,0 0 0,1 1 0,1 1 0,-17 14 0,6-5 0,-6 6 0,0 1 0,2 2 0,1 2 0,1 0 0,2 2 0,1 1 0,-33 59 0,35-48 0,1 1 0,3 1 0,1 1 0,3 1 0,-18 97 0,22-75 0,-5 124 0,17-168 0,0 0 0,2 0 0,0 0 0,2 0 0,1-1 0,1 1 0,20 46 0,-10-39 0,1-1 0,2-1 0,37 47 0,-18-33 0,68 63 0,-71-78 6,1-1-1,2-2 1,1-2-1,48 25 1,-30-23-93,2-3 0,95 27 0,-31-22-15,0-6-1,208 14 1,105-30 102,-345-13 0,-1-5 0,158-36 0,-217 36 14,0 0 0,-1-2 1,-1-1-1,0-1 0,-1-2 0,0-1 1,-1-1-1,28-25 0,-27 17 45,-2 0 0,-1-1 0,-1-2 0,-1-1-1,-1-1 1,32-60 0,-20 22-59,-4-2 0,-3-2 0,-3 0 0,-4-1 0,-2-2 0,8-76 0,-23 115 0,-2 1 0,-1 0 0,-2-1 0,-1 1 0,-2 0 0,-1 0 0,-14-48 0,6 43 0,-1 0 0,-3 0 0,-1 1 0,-2 2 0,-41-62 0,26 53 0,-3 1 0,-1 2 0,-2 2 0,-2 1 0,-1 3 0,-2 1 0,-2 3 0,-1 1 0,-81-39 0,83 50 0,-1 1 0,-1 3 0,0 1 0,-1 3 0,-1 2 0,-76-8 0,-106 8 0,83 6 0,128 5 0,-39-3 0,-100 7 0,143-1 0,0 0 0,0 1 0,1 1 0,-1 1 0,1 1 0,0 0 0,0 1 0,1 1 0,0 0 0,-17 12 0,15-5 0,0 0 0,1 2 0,0 0 0,2 0 0,0 2 0,1 0 0,-19 33 0,-66 157 0,67-135 0,-32 68 0,-4 7 0,-50 159 0,110-279 0,1 1 0,1 0 0,1 0 0,2 0 0,1 0 0,2 1 0,1-1 0,1 0 0,1 1 0,2-1 0,1-1 0,1 1 0,14 35 0,-2-19 0,1-1 0,1-1 0,3-1 0,43 59 0,-22-44 0,1-2 0,76 69 0,-95-101 0,2-1 0,0-2 0,2 0 0,0-2 0,1-1 0,1-2 0,61 22 0,-40-22 0,1-2 0,0-3 0,1-2 0,75 3 0,-24-10 0,0-4 0,106-17 0,204-53 0,-357 60 0,60-21 0,-99 26 0,-1-1 0,0-1 0,-1-1 0,1-1 0,-2-1 0,25-19 0,-5-3 0,-2-1 0,37-47 0,53-86 0,-98 129 0,-2-1 0,-2-2 0,-2 0 0,-1-2 0,-3 0 0,-1-1 0,-3-1 0,18-94 0,-14 23 0,22-206 0,-39 297 0,-2 0 0,0 0 0,-2 0 0,0 0 0,-2 0 0,-1 1 0,-1-1 0,-1 2 0,-1-1 0,-2 1 0,0 1 0,-1-1 0,-2 2 0,0 0 0,-1 1 0,-1 0 0,-1 2 0,-1-1 0,-36-28 0,16 19 0,-2 1 0,-1 3 0,-1 1 0,-1 2 0,-1 2 0,-1 2 0,-71-19 0,18 14 0,-2 3 0,-157-9 0,42 17 0,-275 20 0,291 18-1365,165-19-5461</inkml:trace>
+</inkml:ink>
+</file>
+
+<file path=ppt/ink/ink10.xml><?xml version="1.0" encoding="utf-8"?>
+<inkml:ink xmlns:inkml="http://www.w3.org/2003/InkML">
+  <inkml:definitions>
+    <inkml:context xml:id="ctx0">
+      <inkml:inkSource xml:id="inkSrc0">
+        <inkml:traceFormat>
+          <inkml:channel name="X" type="integer" min="-2.14748E9" max="2.14748E9" units="cm"/>
+          <inkml:channel name="Y" type="integer" min="-2.14748E9" max="2.14748E9" units="cm"/>
+          <inkml:channel name="F" type="integer" max="32767" units="dev"/>
+        </inkml:traceFormat>
+        <inkml:channelProperties>
+          <inkml:channelProperty channel="X" name="resolution" value="1000" units="1/cm"/>
+          <inkml:channelProperty channel="Y" name="resolution" value="1000" units="1/cm"/>
+          <inkml:channelProperty channel="F" name="resolution" value="0" units="1/dev"/>
+        </inkml:channelProperties>
+      </inkml:inkSource>
+      <inkml:timestamp xml:id="ts0" timeString="2023-02-18T04:21:58.215"/>
+    </inkml:context>
+    <inkml:brush xml:id="br0">
+      <inkml:brushProperty name="width" value="0.05" units="cm"/>
+      <inkml:brushProperty name="height" value="0.05" units="cm"/>
+    </inkml:brush>
+  </inkml:definitions>
+  <inkml:trace contextRef="#ctx0" brushRef="#br0">0 391 24575,'15'-3'0,"25"-8"0,39-12 0,50-12 0,55-8 0,47-6-4646,28 0 4646,-1-1 0,-25 4-559,-44 9 559,-51 10-155,-50 10-2676</inkml:trace>
+</inkml:ink>
+</file>
+
+<file path=ppt/ink/ink11.xml><?xml version="1.0" encoding="utf-8"?>
+<inkml:ink xmlns:inkml="http://www.w3.org/2003/InkML">
+  <inkml:definitions>
+    <inkml:context xml:id="ctx0">
+      <inkml:inkSource xml:id="inkSrc0">
+        <inkml:traceFormat>
+          <inkml:channel name="X" type="integer" min="-2.14748E9" max="2.14748E9" units="cm"/>
+          <inkml:channel name="Y" type="integer" min="-2.14748E9" max="2.14748E9" units="cm"/>
+          <inkml:channel name="F" type="integer" max="32767" units="dev"/>
+        </inkml:traceFormat>
+        <inkml:channelProperties>
+          <inkml:channelProperty channel="X" name="resolution" value="1000" units="1/cm"/>
+          <inkml:channelProperty channel="Y" name="resolution" value="1000" units="1/cm"/>
+          <inkml:channelProperty channel="F" name="resolution" value="0" units="1/dev"/>
+        </inkml:channelProperties>
+      </inkml:inkSource>
+      <inkml:timestamp xml:id="ts0" timeString="2023-02-18T04:21:58.969"/>
+    </inkml:context>
+    <inkml:brush xml:id="br0">
+      <inkml:brushProperty name="width" value="0.05" units="cm"/>
+      <inkml:brushProperty name="height" value="0.05" units="cm"/>
+    </inkml:brush>
+  </inkml:definitions>
+  <inkml:trace contextRef="#ctx0" brushRef="#br0">0 188 24575,'4'-1'0,"0"0"0,0 0 0,-1-1 0,1 1 0,0-1 0,-1 0 0,0 0 0,1 0 0,5-5 0,5-2 0,226-140 0,-223 141 0,-17 8 0,0 0 0,0 0 0,0 0 0,0 0 0,0 0 0,0 0 0,0 0 0,1 0 0,-1 0 0,0 0 0,0 0 0,0 0 0,0 0 0,0 0 0,0 0 0,0 0 0,0 1 0,0-1 0,0 0 0,0 0 0,0 0 0,0 0 0,0 0 0,1 0 0,-1 0 0,0 0 0,0 0 0,0 1 0,0-1 0,0 0 0,0 0 0,0 0 0,0 0 0,0 0 0,0 0 0,0 0 0,0 1 0,-1-1 0,1 0 0,0 0 0,0 0 0,0 0 0,0 0 0,0 0 0,0 0 0,0 0 0,0 0 0,0 0 0,0 1 0,0-1 0,0 0 0,0 0 0,0 0 0,-1 0 0,1 0 0,0 0 0,0 0 0,0 0 0,0 0 0,0 0 0,0 0 0,0 0 0,0 0 0,-1 0 0,-22 27 0,20-25 0,-54 58 0,-89 122 0,139-171 0,0 0 0,1 0 0,0 1 0,1-1 0,-6 20 0,10-26 0,-1 1 0,1-1 0,0 1 0,1-1 0,-1 1 0,1 0 0,0-1 0,1 1 0,-1 0 0,1-1 0,0 1 0,1-1 0,-1 1 0,1-1 0,3 6 0,6 7 0,1 0 0,1-1 0,0-1 0,1 0 0,24 21 0,-6-7 0,52 53 0,108 117 0,-188-195 0,0 0 0,0-1 0,-1 1 0,0 1 0,5 9 0,-7-13 0,-1 0 0,1 0 0,-1 0 0,0 0 0,0 1 0,0-1 0,0 0 0,0 0 0,0 0 0,0 0 0,-1 0 0,1 0 0,-1 0 0,1 0 0,-1 0 0,0 0 0,0-1 0,1 1 0,-2 0 0,0 2 0,-5 6 6,-1-1 0,0 0 0,0-1 0,-1 1-1,-13 9 1,-55 34-168,32-23-1076,21-12-5588</inkml:trace>
+</inkml:ink>
+</file>
+
+<file path=ppt/ink/ink12.xml><?xml version="1.0" encoding="utf-8"?>
+<inkml:ink xmlns:inkml="http://www.w3.org/2003/InkML">
+  <inkml:definitions>
+    <inkml:context xml:id="ctx0">
+      <inkml:inkSource xml:id="inkSrc0">
+        <inkml:traceFormat>
+          <inkml:channel name="X" type="integer" min="-2.14748E9" max="2.14748E9" units="cm"/>
+          <inkml:channel name="Y" type="integer" min="-2.14748E9" max="2.14748E9" units="cm"/>
+          <inkml:channel name="F" type="integer" max="32767" units="dev"/>
+        </inkml:traceFormat>
+        <inkml:channelProperties>
+          <inkml:channelProperty channel="X" name="resolution" value="1000" units="1/cm"/>
+          <inkml:channelProperty channel="Y" name="resolution" value="1000" units="1/cm"/>
+          <inkml:channelProperty channel="F" name="resolution" value="0" units="1/dev"/>
+        </inkml:channelProperties>
+      </inkml:inkSource>
+      <inkml:timestamp xml:id="ts0" timeString="2023-02-18T04:21:59.660"/>
+    </inkml:context>
+    <inkml:brush xml:id="br0">
+      <inkml:brushProperty name="width" value="0.05" units="cm"/>
+      <inkml:brushProperty name="height" value="0.05" units="cm"/>
+    </inkml:brush>
+  </inkml:definitions>
+  <inkml:trace contextRef="#ctx0" brushRef="#br0">122 1 24575,'-3'0'0,"1"1"0,0-1 0,0 1 0,-1 0 0,1 0 0,0 0 0,0 0 0,0 0 0,0 0 0,0 0 0,0 1 0,0-1 0,0 1 0,1-1 0,-1 1 0,0 0 0,1 0 0,0 0 0,-1 0 0,1 0 0,0 0 0,0 0 0,-2 4 0,-1 3 0,0 1 0,1 1 0,-4 18 0,2-2 0,2 1 0,-1 40 0,4-56 0,1 1 0,0-1 0,0 0 0,2 0 0,-1-1 0,2 1 0,-1 0 0,7 13 0,-7-20 0,1 1 0,-1-1 0,1 1 0,0-1 0,0 0 0,1-1 0,-1 1 0,1-1 0,0 0 0,9 6 0,-5-5 0,0 0 0,0-1 0,1 0 0,-1-1 0,1 0 0,11 2 0,5-1 0,1-1 0,0-1 0,-1-2 0,34-3 0,-24 0 0,0-2 0,57-15 0,-73 14 0,-1 0 0,1-2 0,-2 0 0,1-1 0,-1-1 0,18-13 0,-32 21 0,-1-1 0,0 1 0,0-1 0,1 0 0,-1 0 0,-1 0 0,1 0 0,0-1 0,-1 1 0,0-1 0,0 0 0,0 1 0,0-1 0,-1 0 0,1 0 0,-1 0 0,0 0 0,0-1 0,-1 1 0,1 0 0,-1 0 0,0 0 0,0-1 0,0 1 0,0 0 0,-1 0 0,0 0 0,0 0 0,0-1 0,0 1 0,-1 1 0,1-1 0,-3-4 0,1 2 0,1 1 0,-1-1 0,0 1 0,0 0 0,-1 0 0,1 0 0,-1 0 0,0 1 0,-1-1 0,1 1 0,-1 0 0,0 1 0,1-1 0,-2 1 0,1 0 0,0 0 0,-1 0 0,1 1 0,-1 0 0,0 0 0,0 0 0,0 1 0,-7-1 0,-34-3 0,0 3 0,0 2 0,-62 7 0,62 0 0,1 3 0,0 1 0,1 2 0,-63 28 0,100-38-273,1 0 0,-1 1 0,1 0 0,-10 7 0,5 0-6553</inkml:trace>
+</inkml:ink>
+</file>
+
+<file path=ppt/ink/ink13.xml><?xml version="1.0" encoding="utf-8"?>
+<inkml:ink xmlns:inkml="http://www.w3.org/2003/InkML">
+  <inkml:definitions>
+    <inkml:context xml:id="ctx0">
+      <inkml:inkSource xml:id="inkSrc0">
+        <inkml:traceFormat>
+          <inkml:channel name="X" type="integer" min="-2.14748E9" max="2.14748E9" units="cm"/>
+          <inkml:channel name="Y" type="integer" min="-2.14748E9" max="2.14748E9" units="cm"/>
+          <inkml:channel name="F" type="integer" max="32767" units="dev"/>
+        </inkml:traceFormat>
+        <inkml:channelProperties>
+          <inkml:channelProperty channel="X" name="resolution" value="1000" units="1/cm"/>
+          <inkml:channelProperty channel="Y" name="resolution" value="1000" units="1/cm"/>
+          <inkml:channelProperty channel="F" name="resolution" value="0" units="1/dev"/>
+        </inkml:channelProperties>
+      </inkml:inkSource>
+      <inkml:timestamp xml:id="ts0" timeString="2023-02-18T04:22:00.269"/>
+    </inkml:context>
+    <inkml:brush xml:id="br0">
+      <inkml:brushProperty name="width" value="0.05" units="cm"/>
+      <inkml:brushProperty name="height" value="0.05" units="cm"/>
+    </inkml:brush>
+  </inkml:definitions>
+  <inkml:trace contextRef="#ctx0" brushRef="#br0">18 1055 24575,'-2'0'0,"-4"0"0,-3 0 0,10-7 0,37-25 0,49-35 0,52-35 0,40-28 0,17-9-1935,-1 2 1935,-18 11 0,-29 18 0,-38 24 0,-34 25 0,-31 19 0,-23 16-6256</inkml:trace>
+</inkml:ink>
+</file>
+
+<file path=ppt/ink/ink14.xml><?xml version="1.0" encoding="utf-8"?>
+<inkml:ink xmlns:inkml="http://www.w3.org/2003/InkML">
+  <inkml:definitions>
+    <inkml:context xml:id="ctx0">
+      <inkml:inkSource xml:id="inkSrc0">
+        <inkml:traceFormat>
+          <inkml:channel name="X" type="integer" min="-2.14748E9" max="2.14748E9" units="cm"/>
+          <inkml:channel name="Y" type="integer" min="-2.14748E9" max="2.14748E9" units="cm"/>
+          <inkml:channel name="F" type="integer" max="32767" units="dev"/>
+        </inkml:traceFormat>
+        <inkml:channelProperties>
+          <inkml:channelProperty channel="X" name="resolution" value="1000" units="1/cm"/>
+          <inkml:channelProperty channel="Y" name="resolution" value="1000" units="1/cm"/>
+          <inkml:channelProperty channel="F" name="resolution" value="0" units="1/dev"/>
+        </inkml:channelProperties>
+      </inkml:inkSource>
+      <inkml:timestamp xml:id="ts0" timeString="2023-02-18T04:22:00.641"/>
+    </inkml:context>
+    <inkml:brush xml:id="br0">
+      <inkml:brushProperty name="width" value="0.05" units="cm"/>
+      <inkml:brushProperty name="height" value="0.05" units="cm"/>
+    </inkml:brush>
+  </inkml:definitions>
+  <inkml:trace contextRef="#ctx0" brushRef="#br0">0 800 24575,'15'-8'0,"30"-19"0,39-23 0,43-25 0,37-25 0,23-13-2119,-1-4 2119,-22 8 0,-36 19 0,-40 24 508,-35 22-7088</inkml:trace>
+</inkml:ink>
+</file>
+
+<file path=ppt/ink/ink15.xml><?xml version="1.0" encoding="utf-8"?>
+<inkml:ink xmlns:inkml="http://www.w3.org/2003/InkML">
+  <inkml:definitions>
+    <inkml:context xml:id="ctx0">
+      <inkml:inkSource xml:id="inkSrc0">
+        <inkml:traceFormat>
+          <inkml:channel name="X" type="integer" min="-2.14748E9" max="2.14748E9" units="cm"/>
+          <inkml:channel name="Y" type="integer" min="-2.14748E9" max="2.14748E9" units="cm"/>
+          <inkml:channel name="F" type="integer" max="32767" units="dev"/>
+        </inkml:traceFormat>
+        <inkml:channelProperties>
+          <inkml:channelProperty channel="X" name="resolution" value="1000" units="1/cm"/>
+          <inkml:channelProperty channel="Y" name="resolution" value="1000" units="1/cm"/>
+          <inkml:channelProperty channel="F" name="resolution" value="0" units="1/dev"/>
+        </inkml:channelProperties>
+      </inkml:inkSource>
+      <inkml:timestamp xml:id="ts0" timeString="2023-02-18T04:21:45.680"/>
+    </inkml:context>
+    <inkml:brush xml:id="br0">
+      <inkml:brushProperty name="width" value="0.05" units="cm"/>
+      <inkml:brushProperty name="height" value="0.05" units="cm"/>
+    </inkml:brush>
+  </inkml:definitions>
+  <inkml:trace contextRef="#ctx0" brushRef="#br0">0 1 24575,'15'430'0,"0"30"0,-15-448 41,1-1 1,5 20-1,-1 3-1530,-3-21-5337</inkml:trace>
+</inkml:ink>
+</file>
+
+<file path=ppt/ink/ink16.xml><?xml version="1.0" encoding="utf-8"?>
+<inkml:ink xmlns:inkml="http://www.w3.org/2003/InkML">
+  <inkml:definitions>
+    <inkml:context xml:id="ctx0">
+      <inkml:inkSource xml:id="inkSrc0">
+        <inkml:traceFormat>
+          <inkml:channel name="X" type="integer" min="-2.14748E9" max="2.14748E9" units="cm"/>
+          <inkml:channel name="Y" type="integer" min="-2.14748E9" max="2.14748E9" units="cm"/>
+          <inkml:channel name="F" type="integer" max="32767" units="dev"/>
+        </inkml:traceFormat>
+        <inkml:channelProperties>
+          <inkml:channelProperty channel="X" name="resolution" value="1000" units="1/cm"/>
+          <inkml:channelProperty channel="Y" name="resolution" value="1000" units="1/cm"/>
+          <inkml:channelProperty channel="F" name="resolution" value="0" units="1/dev"/>
+        </inkml:channelProperties>
+      </inkml:inkSource>
+      <inkml:timestamp xml:id="ts0" timeString="2023-02-18T04:21:47.873"/>
+    </inkml:context>
+    <inkml:brush xml:id="br0">
+      <inkml:brushProperty name="width" value="0.05" units="cm"/>
+      <inkml:brushProperty name="height" value="0.05" units="cm"/>
+    </inkml:brush>
+  </inkml:definitions>
+  <inkml:trace contextRef="#ctx0" brushRef="#br0">0 280 24575,'0'3'0,"1"0"0,0 0 0,-1 0 0,1-1 0,0 1 0,0 0 0,1 0 0,-1-1 0,0 1 0,1 0 0,0-1 0,-1 0 0,1 1 0,0-1 0,0 0 0,0 0 0,1 0 0,-1 0 0,0 0 0,1-1 0,0 1 0,3 1 0,4 2 0,0 0 0,0-1 0,1-1 0,19 5 0,14-2 0,0-2 0,1-2 0,51-4 0,-28 0 0,106 1 0,-171 1 0,0 0 0,0 0 0,0-1 0,-1 1 0,1 0 0,0-1 0,0 0 0,-1 0 0,5-1 0,-6 1 0,0 0 0,0 0 0,0 0 0,0 0 0,1 0 0,-1 0 0,-1 0 0,1 0 0,0 0 0,0 0 0,0-1 0,-1 1 0,1 0 0,0-1 0,-1 1 0,1-1 0,-1 1 0,0 0 0,1-3 0,1-11 0,-1 1 0,-1-1 0,0 1 0,-1-1 0,-1 1 0,0 0 0,-5-19 0,1 10 0,-2 1 0,0 1 0,-20-39 0,26 55 0,-1 0 0,0 0 0,0 1 0,0-1 0,-1 1 0,1-1 0,-1 1 0,0 0 0,0 1 0,0-1 0,-1 1 0,1 0 0,-1 0 0,0 0 0,0 0 0,0 1 0,0 0 0,0 0 0,-1 0 0,1 1 0,-1 0 0,1 0 0,-1 0 0,1 1 0,-7 0 0,-34 0 0,-66 4 0,99-2 0,1 0 0,-1 0 0,1 1 0,0 1 0,0 0 0,-19 9 0,23-7 0,1-1 0,1 1 0,-1 1 0,1-1 0,0 1 0,0 0 0,1 0 0,0 1 0,-6 11 0,-13 17 0,10-17-682,-16 30-1,25-40-6143</inkml:trace>
+</inkml:ink>
+</file>
+
+<file path=ppt/ink/ink17.xml><?xml version="1.0" encoding="utf-8"?>
+<inkml:ink xmlns:inkml="http://www.w3.org/2003/InkML">
+  <inkml:definitions>
+    <inkml:context xml:id="ctx0">
+      <inkml:inkSource xml:id="inkSrc0">
+        <inkml:traceFormat>
+          <inkml:channel name="X" type="integer" min="-2.14748E9" max="2.14748E9" units="cm"/>
+          <inkml:channel name="Y" type="integer" min="-2.14748E9" max="2.14748E9" units="cm"/>
+          <inkml:channel name="F" type="integer" max="32767" units="dev"/>
+        </inkml:traceFormat>
+        <inkml:channelProperties>
+          <inkml:channelProperty channel="X" name="resolution" value="1000" units="1/cm"/>
+          <inkml:channelProperty channel="Y" name="resolution" value="1000" units="1/cm"/>
+          <inkml:channelProperty channel="F" name="resolution" value="0" units="1/dev"/>
+        </inkml:channelProperties>
+      </inkml:inkSource>
+      <inkml:timestamp xml:id="ts0" timeString="2023-02-18T04:21:50.505"/>
+    </inkml:context>
+    <inkml:brush xml:id="br0">
+      <inkml:brushProperty name="width" value="0.05" units="cm"/>
+      <inkml:brushProperty name="height" value="0.05" units="cm"/>
+    </inkml:brush>
+  </inkml:definitions>
+  <inkml:trace contextRef="#ctx0" brushRef="#br0">1 40 24575,'0'-2'0,"0"-4"0,0-3 0,0-2 0,0 3 0,0 5 0,0 6 0</inkml:trace>
+</inkml:ink>
+</file>
+
+<file path=ppt/ink/ink18.xml><?xml version="1.0" encoding="utf-8"?>
+<inkml:ink xmlns:inkml="http://www.w3.org/2003/InkML">
+  <inkml:definitions>
+    <inkml:context xml:id="ctx0">
+      <inkml:inkSource xml:id="inkSrc0">
+        <inkml:traceFormat>
+          <inkml:channel name="X" type="integer" min="-2.14748E9" max="2.14748E9" units="cm"/>
+          <inkml:channel name="Y" type="integer" min="-2.14748E9" max="2.14748E9" units="cm"/>
+          <inkml:channel name="F" type="integer" max="32767" units="dev"/>
+        </inkml:traceFormat>
+        <inkml:channelProperties>
+          <inkml:channelProperty channel="X" name="resolution" value="1000" units="1/cm"/>
+          <inkml:channelProperty channel="Y" name="resolution" value="1000" units="1/cm"/>
+          <inkml:channelProperty channel="F" name="resolution" value="0" units="1/dev"/>
+        </inkml:channelProperties>
+      </inkml:inkSource>
+      <inkml:timestamp xml:id="ts0" timeString="2023-02-18T04:21:51.495"/>
+    </inkml:context>
+    <inkml:brush xml:id="br0">
+      <inkml:brushProperty name="width" value="0.05" units="cm"/>
+      <inkml:brushProperty name="height" value="0.05" units="cm"/>
+    </inkml:brush>
+  </inkml:definitions>
+  <inkml:trace contextRef="#ctx0" brushRef="#br0">0 0 24575,'5'0'0,"12"0"0,2 0-8191</inkml:trace>
+</inkml:ink>
+</file>
+
+<file path=ppt/ink/ink19.xml><?xml version="1.0" encoding="utf-8"?>
+<inkml:ink xmlns:inkml="http://www.w3.org/2003/InkML">
+  <inkml:definitions>
+    <inkml:context xml:id="ctx0">
+      <inkml:inkSource xml:id="inkSrc0">
+        <inkml:traceFormat>
+          <inkml:channel name="X" type="integer" min="-2.14748E9" max="2.14748E9" units="cm"/>
+          <inkml:channel name="Y" type="integer" min="-2.14748E9" max="2.14748E9" units="cm"/>
+          <inkml:channel name="F" type="integer" max="32767" units="dev"/>
+        </inkml:traceFormat>
+        <inkml:channelProperties>
+          <inkml:channelProperty channel="X" name="resolution" value="1000" units="1/cm"/>
+          <inkml:channelProperty channel="Y" name="resolution" value="1000" units="1/cm"/>
+          <inkml:channelProperty channel="F" name="resolution" value="0" units="1/dev"/>
+        </inkml:channelProperties>
+      </inkml:inkSource>
+      <inkml:timestamp xml:id="ts0" timeString="2023-02-18T04:21:52.577"/>
+    </inkml:context>
+    <inkml:brush xml:id="br0">
+      <inkml:brushProperty name="width" value="0.05" units="cm"/>
+      <inkml:brushProperty name="height" value="0.05" units="cm"/>
+    </inkml:brush>
+  </inkml:definitions>
+  <inkml:trace contextRef="#ctx0" brushRef="#br0">1 1 24575,'2'0'0,"16"0"0,23 0 0,26 0 0,7 0 0,8 0 0,7 0 0,-3 0 0,-12 0 0,-16 0 0,-18 0-8191</inkml:trace>
+</inkml:ink>
+</file>
+
+<file path=ppt/ink/ink2.xml><?xml version="1.0" encoding="utf-8"?>
+<inkml:ink xmlns:inkml="http://www.w3.org/2003/InkML">
+  <inkml:definitions>
+    <inkml:context xml:id="ctx0">
+      <inkml:inkSource xml:id="inkSrc0">
+        <inkml:traceFormat>
+          <inkml:channel name="X" type="integer" min="-2.14748E9" max="2.14748E9" units="cm"/>
+          <inkml:channel name="Y" type="integer" min="-2.14748E9" max="2.14748E9" units="cm"/>
+          <inkml:channel name="F" type="integer" max="32767" units="dev"/>
+        </inkml:traceFormat>
+        <inkml:channelProperties>
+          <inkml:channelProperty channel="X" name="resolution" value="1000" units="1/cm"/>
+          <inkml:channelProperty channel="Y" name="resolution" value="1000" units="1/cm"/>
+          <inkml:channelProperty channel="F" name="resolution" value="0" units="1/dev"/>
+        </inkml:channelProperties>
+      </inkml:inkSource>
+      <inkml:timestamp xml:id="ts0" timeString="2023-02-18T04:22:30.005"/>
+    </inkml:context>
+    <inkml:brush xml:id="br0">
+      <inkml:brushProperty name="width" value="0.05" units="cm"/>
+      <inkml:brushProperty name="height" value="0.05" units="cm"/>
+    </inkml:brush>
+  </inkml:definitions>
+  <inkml:trace contextRef="#ctx0" brushRef="#br0">0 249 24575,'45'-51'0,"7"-7"0,-29 37 0,1 2 0,40-27 0,-50 38 0,1 0 0,0 0 0,0 1 0,1 1 0,-1 1 0,25-5 0,-37 9 0,0 1 0,0 0 0,0 0 0,0 0 0,0 0 0,0 1 0,0-1 0,0 1 0,0 0 0,0-1 0,0 1 0,-1 1 0,1-1 0,0 0 0,-1 1 0,1-1 0,-1 1 0,1 0 0,-1 0 0,0 0 0,1 0 0,-1 0 0,0 1 0,-1-1 0,1 0 0,0 1 0,2 5 0,3 6 0,0 1 0,-2-1 0,1 1 0,2 17 0,-5-23 0,5 25 0,-1 1 0,-1 0 0,-3 0 0,0 0 0,-2 0 0,-2 1 0,-1-1 0,-2 0 0,-1 0 0,-2 0 0,-1-1 0,-20 51 0,-9 3 0,-75 132 0,-68 72 0,132-220 0,46-68 0,6-5 0,2-3 0,59-39 0,134-67 0,-78 62-455,1 5 0,202-41 0,-267 72-6371</inkml:trace>
+</inkml:ink>
+</file>
+
+<file path=ppt/ink/ink20.xml><?xml version="1.0" encoding="utf-8"?>
+<inkml:ink xmlns:inkml="http://www.w3.org/2003/InkML">
+  <inkml:definitions>
+    <inkml:context xml:id="ctx0">
+      <inkml:inkSource xml:id="inkSrc0">
+        <inkml:traceFormat>
+          <inkml:channel name="X" type="integer" min="-2.14748E9" max="2.14748E9" units="cm"/>
+          <inkml:channel name="Y" type="integer" min="-2.14748E9" max="2.14748E9" units="cm"/>
+          <inkml:channel name="F" type="integer" max="32767" units="dev"/>
+        </inkml:traceFormat>
+        <inkml:channelProperties>
+          <inkml:channelProperty channel="X" name="resolution" value="1000" units="1/cm"/>
+          <inkml:channelProperty channel="Y" name="resolution" value="1000" units="1/cm"/>
+          <inkml:channelProperty channel="F" name="resolution" value="0" units="1/dev"/>
+        </inkml:channelProperties>
+      </inkml:inkSource>
+      <inkml:timestamp xml:id="ts0" timeString="2023-02-18T04:21:53.577"/>
+    </inkml:context>
+    <inkml:brush xml:id="br0">
+      <inkml:brushProperty name="width" value="0.05" units="cm"/>
+      <inkml:brushProperty name="height" value="0.05" units="cm"/>
+    </inkml:brush>
+  </inkml:definitions>
+  <inkml:trace contextRef="#ctx0" brushRef="#br0">0 1 24575,'10'0'0,"28"0"0,55 0 0,73 0 0,39 0 0,41 0-2783,36 0 2783,-15 0 0,-48 0 0,-33 0 0,-32 0 144,-37 0-144,-36 0 0,-31 0-5552</inkml:trace>
+</inkml:ink>
+</file>
+
+<file path=ppt/ink/ink21.xml><?xml version="1.0" encoding="utf-8"?>
+<inkml:ink xmlns:inkml="http://www.w3.org/2003/InkML">
+  <inkml:definitions>
+    <inkml:context xml:id="ctx0">
+      <inkml:inkSource xml:id="inkSrc0">
+        <inkml:traceFormat>
+          <inkml:channel name="X" type="integer" min="-2.14748E9" max="2.14748E9" units="cm"/>
+          <inkml:channel name="Y" type="integer" min="-2.14748E9" max="2.14748E9" units="cm"/>
+          <inkml:channel name="F" type="integer" max="32767" units="dev"/>
+        </inkml:traceFormat>
+        <inkml:channelProperties>
+          <inkml:channelProperty channel="X" name="resolution" value="1000" units="1/cm"/>
+          <inkml:channelProperty channel="Y" name="resolution" value="1000" units="1/cm"/>
+          <inkml:channelProperty channel="F" name="resolution" value="0" units="1/dev"/>
+        </inkml:channelProperties>
+      </inkml:inkSource>
+      <inkml:timestamp xml:id="ts0" timeString="2023-02-18T04:22:04.874"/>
+    </inkml:context>
+    <inkml:brush xml:id="br0">
+      <inkml:brushProperty name="width" value="0.05" units="cm"/>
+      <inkml:brushProperty name="height" value="0.05" units="cm"/>
+    </inkml:brush>
+  </inkml:definitions>
+  <inkml:trace contextRef="#ctx0" brushRef="#br0">1 1 24575,'143'251'0,"-55"-110"-760,129 160-1,-164-239 447,1-2 0,4-2 0,2-3 0,113 81 0,-111-96-52,123 57 1,-105-63-547,150 42 0,-100-46 346,143 15 1,241-6-2138,113-34 1535,101-24-799,3119-218-1483,-3350 193 3514,-148 7 240,-306 32-66,248-40 1975,-238 30 2842</inkml:trace>
+</inkml:ink>
+</file>
+
+<file path=ppt/ink/ink22.xml><?xml version="1.0" encoding="utf-8"?>
+<inkml:ink xmlns:inkml="http://www.w3.org/2003/InkML">
+  <inkml:definitions>
+    <inkml:context xml:id="ctx0">
+      <inkml:inkSource xml:id="inkSrc0">
+        <inkml:traceFormat>
+          <inkml:channel name="X" type="integer" min="-2.14748E9" max="2.14748E9" units="cm"/>
+          <inkml:channel name="Y" type="integer" min="-2.14748E9" max="2.14748E9" units="cm"/>
+          <inkml:channel name="F" type="integer" max="32767" units="dev"/>
+        </inkml:traceFormat>
+        <inkml:channelProperties>
+          <inkml:channelProperty channel="X" name="resolution" value="1000" units="1/cm"/>
+          <inkml:channelProperty channel="Y" name="resolution" value="1000" units="1/cm"/>
+          <inkml:channelProperty channel="F" name="resolution" value="0" units="1/dev"/>
+        </inkml:channelProperties>
+      </inkml:inkSource>
+      <inkml:timestamp xml:id="ts0" timeString="2023-02-18T04:22:05.548"/>
+    </inkml:context>
+    <inkml:brush xml:id="br0">
+      <inkml:brushProperty name="width" value="0.05" units="cm"/>
+      <inkml:brushProperty name="height" value="0.05" units="cm"/>
+    </inkml:brush>
+  </inkml:definitions>
+  <inkml:trace contextRef="#ctx0" brushRef="#br0">0 55 24575,'1'-2'0,"0"0"0,0 1 0,0-1 0,0 1 0,1-1 0,-1 1 0,0-1 0,1 1 0,-1 0 0,1-1 0,0 1 0,-1 0 0,1 0 0,0 0 0,-1 0 0,5-1 0,7-3 0,1-1 0,0 2 0,1 0 0,-1 0 0,1 1 0,0 1 0,-1 1 0,1 0 0,0 1 0,26 3 0,-23-1 0,-1 1 0,0 1 0,1 1 0,-2 0 0,1 2 0,-1-1 0,0 2 0,29 18 0,-26-13 0,-1 1 0,0 1 0,-1 0 0,-1 2 0,0 0 0,-1 0 0,15 23 0,-24-30 0,0 1 0,0 0 0,0 0 0,-2 0 0,1 1 0,-1-1 0,-1 1 0,0 0 0,-1 0 0,0 0 0,-1 0 0,0 1 0,-1-1 0,-1 0 0,-2 18 0,-2-9 0,-1 1 0,0-1 0,-19 40 0,-41 58 0,-153 196 0,143-212 0,47-58 0,29-44 0,-1-1 0,1 1 0,0 0 0,-1-1 0,1 1 0,0 0 0,0-1 0,0 1 0,-1 0 0,1 0 0,0-1 0,0 1 0,0 0 0,0 0 0,0 0 0,0-1 0,1 2 0,-1-2 0,0 0 0,0 0 0,0 1 0,1-1 0,-1 0 0,0 0 0,0 0 0,1 1 0,-1-1 0,0 0 0,1 0 0,-1 0 0,0 0 0,1 0 0,-1 0 0,0 0 0,0 0 0,1 0 0,-1 0 0,0 0 0,1 0 0,-1 0 0,0 0 0,1 0 0,-1 0 0,0 0 0,1 0 0,27-12 0,18-18 0,79-65 0,-59 42 0,277-180 120,20 32-1605,-328 183-5341</inkml:trace>
+</inkml:ink>
+</file>
+
+<file path=ppt/ink/ink23.xml><?xml version="1.0" encoding="utf-8"?>
+<inkml:ink xmlns:inkml="http://www.w3.org/2003/InkML">
+  <inkml:definitions>
+    <inkml:context xml:id="ctx0">
+      <inkml:inkSource xml:id="inkSrc0">
+        <inkml:traceFormat>
+          <inkml:channel name="X" type="integer" min="-2.14748E9" max="2.14748E9" units="cm"/>
+          <inkml:channel name="Y" type="integer" min="-2.14748E9" max="2.14748E9" units="cm"/>
+          <inkml:channel name="F" type="integer" max="32767" units="dev"/>
+        </inkml:traceFormat>
+        <inkml:channelProperties>
+          <inkml:channelProperty channel="X" name="resolution" value="1000" units="1/cm"/>
+          <inkml:channelProperty channel="Y" name="resolution" value="1000" units="1/cm"/>
+          <inkml:channelProperty channel="F" name="resolution" value="0" units="1/dev"/>
+        </inkml:channelProperties>
+      </inkml:inkSource>
+      <inkml:timestamp xml:id="ts0" timeString="2023-02-18T04:22:06.016"/>
+    </inkml:context>
+    <inkml:brush xml:id="br0">
+      <inkml:brushProperty name="width" value="0.05" units="cm"/>
+      <inkml:brushProperty name="height" value="0.05" units="cm"/>
+    </inkml:brush>
+  </inkml:definitions>
+  <inkml:trace contextRef="#ctx0" brushRef="#br0">0 516 24575,'8'-5'0,"29"-19"0,41-17 0,37-15 0,41-18 0,31-3-1892,-4 6 1892,-30 13 0,-41 14 0,-40 11 456,-40 12-456,-34 10 0,-28 11 0,-9 5-6755</inkml:trace>
+</inkml:ink>
+</file>
+
+<file path=ppt/ink/ink24.xml><?xml version="1.0" encoding="utf-8"?>
+<inkml:ink xmlns:inkml="http://www.w3.org/2003/InkML">
+  <inkml:definitions>
+    <inkml:context xml:id="ctx0">
+      <inkml:inkSource xml:id="inkSrc0">
+        <inkml:traceFormat>
+          <inkml:channel name="X" type="integer" min="-2.14748E9" max="2.14748E9" units="cm"/>
+          <inkml:channel name="Y" type="integer" min="-2.14748E9" max="2.14748E9" units="cm"/>
+          <inkml:channel name="F" type="integer" max="32767" units="dev"/>
+        </inkml:traceFormat>
+        <inkml:channelProperties>
+          <inkml:channelProperty channel="X" name="resolution" value="1000" units="1/cm"/>
+          <inkml:channelProperty channel="Y" name="resolution" value="1000" units="1/cm"/>
+          <inkml:channelProperty channel="F" name="resolution" value="0" units="1/dev"/>
+        </inkml:channelProperties>
+      </inkml:inkSource>
+      <inkml:timestamp xml:id="ts0" timeString="2023-02-18T04:22:06.361"/>
+    </inkml:context>
+    <inkml:brush xml:id="br0">
+      <inkml:brushProperty name="width" value="0.05" units="cm"/>
+      <inkml:brushProperty name="height" value="0.05" units="cm"/>
+    </inkml:brush>
+  </inkml:definitions>
+  <inkml:trace contextRef="#ctx0" brushRef="#br0">0 491 24575,'7'-5'0,"13"-12"0,18-15 0,17-12 0,19-11 0,24-9 0,21-5 0,4 1 0,-13 10 0,-23 12 0,-27 14-8191</inkml:trace>
+</inkml:ink>
+</file>
+
+<file path=ppt/ink/ink25.xml><?xml version="1.0" encoding="utf-8"?>
+<inkml:ink xmlns:inkml="http://www.w3.org/2003/InkML">
+  <inkml:definitions>
+    <inkml:context xml:id="ctx0">
+      <inkml:inkSource xml:id="inkSrc0">
+        <inkml:traceFormat>
+          <inkml:channel name="X" type="integer" min="-2.14748E9" max="2.14748E9" units="cm"/>
+          <inkml:channel name="Y" type="integer" min="-2.14748E9" max="2.14748E9" units="cm"/>
+          <inkml:channel name="F" type="integer" max="32767" units="dev"/>
+        </inkml:traceFormat>
+        <inkml:channelProperties>
+          <inkml:channelProperty channel="X" name="resolution" value="1000" units="1/cm"/>
+          <inkml:channelProperty channel="Y" name="resolution" value="1000" units="1/cm"/>
+          <inkml:channelProperty channel="F" name="resolution" value="0" units="1/dev"/>
+        </inkml:channelProperties>
+      </inkml:inkSource>
+      <inkml:timestamp xml:id="ts0" timeString="2023-02-18T04:22:48.469"/>
+    </inkml:context>
+    <inkml:brush xml:id="br0">
+      <inkml:brushProperty name="width" value="0.05" units="cm"/>
+      <inkml:brushProperty name="height" value="0.05" units="cm"/>
+    </inkml:brush>
+  </inkml:definitions>
+  <inkml:trace contextRef="#ctx0" brushRef="#br0">0 358 24575,'10'-5'0,"18"-12"0,24-10 0,19-13 0,11-7 0,7-5 0,-2-2 0,-8 6 0,-15 9 0,-18 11-8191</inkml:trace>
+</inkml:ink>
+</file>
+
+<file path=ppt/ink/ink26.xml><?xml version="1.0" encoding="utf-8"?>
+<inkml:ink xmlns:inkml="http://www.w3.org/2003/InkML">
+  <inkml:definitions>
+    <inkml:context xml:id="ctx0">
+      <inkml:inkSource xml:id="inkSrc0">
+        <inkml:traceFormat>
+          <inkml:channel name="X" type="integer" min="-2.14748E9" max="2.14748E9" units="cm"/>
+          <inkml:channel name="Y" type="integer" min="-2.14748E9" max="2.14748E9" units="cm"/>
+          <inkml:channel name="F" type="integer" max="32767" units="dev"/>
+        </inkml:traceFormat>
+        <inkml:channelProperties>
+          <inkml:channelProperty channel="X" name="resolution" value="1000" units="1/cm"/>
+          <inkml:channelProperty channel="Y" name="resolution" value="1000" units="1/cm"/>
+          <inkml:channelProperty channel="F" name="resolution" value="0" units="1/dev"/>
+        </inkml:channelProperties>
+      </inkml:inkSource>
+      <inkml:timestamp xml:id="ts0" timeString="2023-02-18T04:22:48.849"/>
+    </inkml:context>
+    <inkml:brush xml:id="br0">
+      <inkml:brushProperty name="width" value="0.05" units="cm"/>
+      <inkml:brushProperty name="height" value="0.05" units="cm"/>
+    </inkml:brush>
+  </inkml:definitions>
+  <inkml:trace contextRef="#ctx0" brushRef="#br0">0 428 24575,'13'-5'0,"28"-14"0,28-16 0,26-12 0,22-6 0,12-1 0,-7 4 0,-15 8 0,-19 8 0,-23 8 0,-20 5 0,-18 5 0,-10 1 0,-9 5-8191</inkml:trace>
+</inkml:ink>
+</file>
+
+<file path=ppt/ink/ink27.xml><?xml version="1.0" encoding="utf-8"?>
+<inkml:ink xmlns:inkml="http://www.w3.org/2003/InkML">
+  <inkml:definitions>
+    <inkml:context xml:id="ctx0">
+      <inkml:inkSource xml:id="inkSrc0">
+        <inkml:traceFormat>
+          <inkml:channel name="X" type="integer" min="-2.14748E9" max="2.14748E9" units="cm"/>
+          <inkml:channel name="Y" type="integer" min="-2.14748E9" max="2.14748E9" units="cm"/>
+          <inkml:channel name="F" type="integer" max="32767" units="dev"/>
+        </inkml:traceFormat>
+        <inkml:channelProperties>
+          <inkml:channelProperty channel="X" name="resolution" value="1000" units="1/cm"/>
+          <inkml:channelProperty channel="Y" name="resolution" value="1000" units="1/cm"/>
+          <inkml:channelProperty channel="F" name="resolution" value="0" units="1/dev"/>
+        </inkml:channelProperties>
+      </inkml:inkSource>
+      <inkml:timestamp xml:id="ts0" timeString="2023-02-18T04:22:50.276"/>
+    </inkml:context>
+    <inkml:brush xml:id="br0">
+      <inkml:brushProperty name="width" value="0.05" units="cm"/>
+      <inkml:brushProperty name="height" value="0.05" units="cm"/>
+    </inkml:brush>
+  </inkml:definitions>
+  <inkml:trace contextRef="#ctx0" brushRef="#br0">0 923 24575,'1'-1'0,"-1"0"0,0 0 0,0-1 0,1 1 0,-1 0 0,1 0 0,-1 0 0,1 0 0,-1 0 0,1 0 0,0 0 0,-1 0 0,1 0 0,1-1 0,4-5 0,184-240 0,-160 210 0,-10 9 0,-1-1 0,-1 0 0,-1-1 0,16-42 0,41-133 0,-59 158 0,-4 13-95,30-79-1175,-28 85-5556</inkml:trace>
+</inkml:ink>
+</file>
+
+<file path=ppt/ink/ink28.xml><?xml version="1.0" encoding="utf-8"?>
+<inkml:ink xmlns:inkml="http://www.w3.org/2003/InkML">
+  <inkml:definitions>
+    <inkml:context xml:id="ctx0">
+      <inkml:inkSource xml:id="inkSrc0">
+        <inkml:traceFormat>
+          <inkml:channel name="X" type="integer" min="-2.14748E9" max="2.14748E9" units="cm"/>
+          <inkml:channel name="Y" type="integer" min="-2.14748E9" max="2.14748E9" units="cm"/>
+          <inkml:channel name="F" type="integer" max="32767" units="dev"/>
+        </inkml:traceFormat>
+        <inkml:channelProperties>
+          <inkml:channelProperty channel="X" name="resolution" value="1000" units="1/cm"/>
+          <inkml:channelProperty channel="Y" name="resolution" value="1000" units="1/cm"/>
+          <inkml:channelProperty channel="F" name="resolution" value="0" units="1/dev"/>
+        </inkml:channelProperties>
+      </inkml:inkSource>
+      <inkml:timestamp xml:id="ts0" timeString="2023-02-18T04:22:50.811"/>
+    </inkml:context>
+    <inkml:brush xml:id="br0">
+      <inkml:brushProperty name="width" value="0.05" units="cm"/>
+      <inkml:brushProperty name="height" value="0.05" units="cm"/>
+    </inkml:brush>
+  </inkml:definitions>
+  <inkml:trace contextRef="#ctx0" brushRef="#br0">1 0 24575,'0'3'0,"7"10"0,18 18 0,17 24 0,11 17 0,9 12 0,1 0 0,-7-3 0,-11-13 0,-13-18-8191</inkml:trace>
+</inkml:ink>
+</file>
+
+<file path=ppt/ink/ink29.xml><?xml version="1.0" encoding="utf-8"?>
+<inkml:ink xmlns:inkml="http://www.w3.org/2003/InkML">
+  <inkml:definitions>
+    <inkml:context xml:id="ctx0">
+      <inkml:inkSource xml:id="inkSrc0">
+        <inkml:traceFormat>
+          <inkml:channel name="X" type="integer" min="-2.14748E9" max="2.14748E9" units="cm"/>
+          <inkml:channel name="Y" type="integer" min="-2.14748E9" max="2.14748E9" units="cm"/>
+          <inkml:channel name="F" type="integer" max="32767" units="dev"/>
+        </inkml:traceFormat>
+        <inkml:channelProperties>
+          <inkml:channelProperty channel="X" name="resolution" value="1000" units="1/cm"/>
+          <inkml:channelProperty channel="Y" name="resolution" value="1000" units="1/cm"/>
+          <inkml:channelProperty channel="F" name="resolution" value="0" units="1/dev"/>
+        </inkml:channelProperties>
+      </inkml:inkSource>
+      <inkml:timestamp xml:id="ts0" timeString="2023-02-18T04:22:51.405"/>
+    </inkml:context>
+    <inkml:brush xml:id="br0">
+      <inkml:brushProperty name="width" value="0.05" units="cm"/>
+      <inkml:brushProperty name="height" value="0.05" units="cm"/>
+    </inkml:brush>
+  </inkml:definitions>
+  <inkml:trace contextRef="#ctx0" brushRef="#br0">0 86 24575,'35'0'0,"64"-5"0,66-7 0,58-1 0,28-4-4055,-6 2 4055,-32 3 0,-46 4 353,-57 5-353,-51 3 858,-35 2-6205</inkml:trace>
+</inkml:ink>
+</file>
+
+<file path=ppt/ink/ink3.xml><?xml version="1.0" encoding="utf-8"?>
+<inkml:ink xmlns:inkml="http://www.w3.org/2003/InkML">
+  <inkml:definitions>
+    <inkml:context xml:id="ctx0">
+      <inkml:inkSource xml:id="inkSrc0">
+        <inkml:traceFormat>
+          <inkml:channel name="X" type="integer" min="-2.14748E9" max="2.14748E9" units="cm"/>
+          <inkml:channel name="Y" type="integer" min="-2.14748E9" max="2.14748E9" units="cm"/>
+          <inkml:channel name="F" type="integer" max="32767" units="dev"/>
+        </inkml:traceFormat>
+        <inkml:channelProperties>
+          <inkml:channelProperty channel="X" name="resolution" value="1000" units="1/cm"/>
+          <inkml:channelProperty channel="Y" name="resolution" value="1000" units="1/cm"/>
+          <inkml:channelProperty channel="F" name="resolution" value="0" units="1/dev"/>
+        </inkml:channelProperties>
+      </inkml:inkSource>
+      <inkml:timestamp xml:id="ts0" timeString="2023-02-18T04:22:30.697"/>
+    </inkml:context>
+    <inkml:brush xml:id="br0">
+      <inkml:brushProperty name="width" value="0.05" units="cm"/>
+      <inkml:brushProperty name="height" value="0.05" units="cm"/>
+    </inkml:brush>
+  </inkml:definitions>
+  <inkml:trace contextRef="#ctx0" brushRef="#br0">0 85 24575,'1'0'0,"0"0"0,1 0 0,-1 0 0,0 1 0,0-1 0,0 0 0,0 1 0,0-1 0,0 1 0,0-1 0,0 1 0,0 0 0,0-1 0,0 1 0,0 0 0,0 0 0,0-1 0,-1 1 0,1 0 0,0 0 0,0 0 0,-1 0 0,2 2 0,8 28 0,-8-25 0,6 34 0,-2 0 0,2 69 0,-6-73 0,-2-33 0,0 0 0,0 0 0,1 0 0,-1 1 0,1-1 0,0 0 0,0 0 0,0 0 0,1 3 0,-1-6 0,-1 0 0,0 1 0,0-1 0,1 0 0,-1 1 0,0-1 0,1 0 0,-1 0 0,0 1 0,1-1 0,-1 0 0,0 0 0,1 0 0,-1 1 0,1-1 0,-1 0 0,0 0 0,1 0 0,-1 0 0,1 0 0,-1 0 0,0 0 0,1 0 0,-1 0 0,1 0 0,0 0 0,0-1 0,1 1 0,-1-1 0,1 0 0,-1 0 0,0 1 0,1-1 0,-1 0 0,0 0 0,0 0 0,2-3 0,17-20 0,-1-2 0,-1 0 0,-1-1 0,13-31 0,-9 21 0,1-6 0,-7 15 0,0 1 0,36-49 0,-50 75 0,-1 0 0,1 0 0,0-1 0,0 1 0,0 0 0,0 0 0,0 0 0,1 0 0,-1 0 0,0 1 0,0-1 0,1 0 0,-1 0 0,0 1 0,1-1 0,-1 1 0,1-1 0,-1 1 0,0 0 0,1 0 0,-1-1 0,1 1 0,-1 0 0,3 0 0,-2 1 0,0 0 0,0 1 0,0-1 0,0 0 0,0 0 0,0 1 0,0 0 0,0-1 0,0 1 0,-1 0 0,1 0 0,-1 0 0,0 0 0,2 2 0,18 30 0,-2 2 0,18 45 0,-31-68 0,7 12-1365,-7-16-5461</inkml:trace>
+</inkml:ink>
+</file>
+
+<file path=ppt/ink/ink30.xml><?xml version="1.0" encoding="utf-8"?>
+<inkml:ink xmlns:inkml="http://www.w3.org/2003/InkML">
+  <inkml:definitions>
+    <inkml:context xml:id="ctx0">
+      <inkml:inkSource xml:id="inkSrc0">
+        <inkml:traceFormat>
+          <inkml:channel name="X" type="integer" min="-2.14748E9" max="2.14748E9" units="cm"/>
+          <inkml:channel name="Y" type="integer" min="-2.14748E9" max="2.14748E9" units="cm"/>
+          <inkml:channel name="F" type="integer" max="32767" units="dev"/>
+        </inkml:traceFormat>
+        <inkml:channelProperties>
+          <inkml:channelProperty channel="X" name="resolution" value="1000" units="1/cm"/>
+          <inkml:channelProperty channel="Y" name="resolution" value="1000" units="1/cm"/>
+          <inkml:channelProperty channel="F" name="resolution" value="0" units="1/dev"/>
+        </inkml:channelProperties>
+      </inkml:inkSource>
+      <inkml:timestamp xml:id="ts0" timeString="2023-02-18T04:22:52.481"/>
+    </inkml:context>
+    <inkml:brush xml:id="br0">
+      <inkml:brushProperty name="width" value="0.05" units="cm"/>
+      <inkml:brushProperty name="height" value="0.05" units="cm"/>
+    </inkml:brush>
+  </inkml:definitions>
+  <inkml:trace contextRef="#ctx0" brushRef="#br0">1 1 24575,'5'9'0,"14"19"0,11 20 0,4 11 0,-3 5 0,-3-3 0,-4-9 0,-7-11 0,-5-13-8191</inkml:trace>
+</inkml:ink>
+</file>
+
+<file path=ppt/ink/ink4.xml><?xml version="1.0" encoding="utf-8"?>
+<inkml:ink xmlns:inkml="http://www.w3.org/2003/InkML">
+  <inkml:definitions>
+    <inkml:context xml:id="ctx0">
+      <inkml:inkSource xml:id="inkSrc0">
+        <inkml:traceFormat>
+          <inkml:channel name="X" type="integer" min="-2.14748E9" max="2.14748E9" units="cm"/>
+          <inkml:channel name="Y" type="integer" min="-2.14748E9" max="2.14748E9" units="cm"/>
+          <inkml:channel name="F" type="integer" max="32767" units="dev"/>
+        </inkml:traceFormat>
+        <inkml:channelProperties>
+          <inkml:channelProperty channel="X" name="resolution" value="1000" units="1/cm"/>
+          <inkml:channelProperty channel="Y" name="resolution" value="1000" units="1/cm"/>
+          <inkml:channelProperty channel="F" name="resolution" value="0" units="1/dev"/>
+        </inkml:channelProperties>
+      </inkml:inkSource>
+      <inkml:timestamp xml:id="ts0" timeString="2023-02-18T04:22:31.366"/>
+    </inkml:context>
+    <inkml:brush xml:id="br0">
+      <inkml:brushProperty name="width" value="0.05" units="cm"/>
+      <inkml:brushProperty name="height" value="0.05" units="cm"/>
+    </inkml:brush>
+  </inkml:definitions>
+  <inkml:trace contextRef="#ctx0" brushRef="#br0">0 281 24575,'24'1'0,"-11"0"0,0-1 0,0 0 0,0-1 0,1-1 0,-1 0 0,-1 0 0,19-7 0,-19 4 0,-1-1 0,1 0 0,-1-1 0,0 0 0,-1-1 0,1 0 0,-2-1 0,1 0 0,12-16 0,-18 20 0,0-1 0,0 1 0,-1-1 0,1 0 0,-1 1 0,-1-1 0,1-1 0,-1 1 0,0 0 0,-1 0 0,0-1 0,0 1 0,0-1 0,0 1 0,-1-1 0,0 0 0,-1 1 0,1-1 0,-1 1 0,-1-1 0,-1-7 0,2 13 0,1-1 0,-1 0 0,0 0 0,1 1 0,-1-1 0,0 1 0,0-1 0,0 1 0,0-1 0,0 1 0,-1-1 0,1 1 0,0 0 0,-1 0 0,1-1 0,0 1 0,-1 0 0,0 0 0,1 1 0,-1-1 0,0 0 0,1 0 0,-1 1 0,0-1 0,1 1 0,-1 0 0,0-1 0,0 1 0,0 0 0,0 0 0,1 0 0,-1 0 0,0 0 0,0 1 0,0-1 0,1 0 0,-1 1 0,-3 1 0,0 0 0,0 0 0,0 0 0,0 1 0,1 0 0,-1 0 0,1 0 0,-1 1 0,1-1 0,0 1 0,0 0 0,1 0 0,-4 5 0,0 2 0,1 0 0,1 1 0,0 0 0,0 0 0,1 0 0,-2 14 0,-11 78 0,11-55 0,1-20 0,-1 8 0,1 1 0,2-1 0,2 64 0,2-93 0,0 0 0,1 0 0,0-1 0,0 1 0,1-1 0,0 1 0,0-1 0,0 0 0,1 0 0,1-1 0,5 8 0,-7-10 0,0 0 0,0-1 0,1 0 0,-1 1 0,1-1 0,0-1 0,0 1 0,0-1 0,0 1 0,0-1 0,0 0 0,1-1 0,-1 1 0,1-1 0,0 0 0,-1 0 0,1 0 0,0-1 0,7 1 0,-10-1-47,0-1 0,-1 1 0,1-1 0,0 1 0,0-1 0,0 0 0,0 0 0,-1 0 0,1 0-1,0 0 1,-1 0 0,1 0 0,-1-1 0,1 1 0,-1 0 0,0-1 0,0 1 0,1-1 0,-1 0 0,0 1 0,0-1 0,-1 0-1,1 1 1,0-1 0,0 0 0,-1 0 0,1 0 0,0-4 0,3-16-6779</inkml:trace>
+</inkml:ink>
+</file>
+
+<file path=ppt/ink/ink5.xml><?xml version="1.0" encoding="utf-8"?>
+<inkml:ink xmlns:inkml="http://www.w3.org/2003/InkML">
+  <inkml:definitions>
+    <inkml:context xml:id="ctx0">
+      <inkml:inkSource xml:id="inkSrc0">
+        <inkml:traceFormat>
+          <inkml:channel name="X" type="integer" min="-2.14748E9" max="2.14748E9" units="cm"/>
+          <inkml:channel name="Y" type="integer" min="-2.14748E9" max="2.14748E9" units="cm"/>
+          <inkml:channel name="F" type="integer" max="32767" units="dev"/>
+        </inkml:traceFormat>
+        <inkml:channelProperties>
+          <inkml:channelProperty channel="X" name="resolution" value="1000" units="1/cm"/>
+          <inkml:channelProperty channel="Y" name="resolution" value="1000" units="1/cm"/>
+          <inkml:channelProperty channel="F" name="resolution" value="0" units="1/dev"/>
+        </inkml:channelProperties>
+      </inkml:inkSource>
+      <inkml:timestamp xml:id="ts0" timeString="2023-02-18T04:22:32.075"/>
+    </inkml:context>
+    <inkml:brush xml:id="br0">
+      <inkml:brushProperty name="width" value="0.05" units="cm"/>
+      <inkml:brushProperty name="height" value="0.05" units="cm"/>
+    </inkml:brush>
+  </inkml:definitions>
+  <inkml:trace contextRef="#ctx0" brushRef="#br0">1 523 24575,'1'0'0,"0"1"0,1-1 0,-1 0 0,0 1 0,0-1 0,1 1 0,-1-1 0,0 1 0,0-1 0,0 1 0,0 0 0,0 0 0,0 0 0,0-1 0,0 1 0,0 0 0,1 2 0,14 21 0,-14-20 0,4 7 0,4 6 0,0-1 0,17 22 0,-24-34 0,0-1 0,0 0 0,0 0 0,0 0 0,0 0 0,1 0 0,-1-1 0,1 0 0,0 1 0,0-1 0,0-1 0,0 1 0,0 0 0,0-1 0,1 0 0,5 1 0,-8-2 0,0 0 0,-1 0 0,1 0 0,0 0 0,-1 0 0,1-1 0,0 1 0,-1-1 0,1 1 0,0-1 0,-1 1 0,1-1 0,-1 0 0,1 0 0,-1 0 0,0 0 0,1 0 0,-1 0 0,0 0 0,0 0 0,0 0 0,2-2 0,0-2 0,0-1 0,0 1 0,-1-1 0,4-10 0,-5 12 0,1 0 0,-1 0 0,1 0 0,-1 0 0,1 0 0,0 1 0,0-1 0,1 1 0,-1-1 0,6-4 0,-8 8 0,1-1 0,0 0 0,0 1 0,0 0 0,0-1 0,0 1 0,0-1 0,0 1 0,0 0 0,0 0 0,0 0 0,0-1 0,0 1 0,0 0 0,0 0 0,0 1 0,0-1 0,0 0 0,1 0 0,21 10 0,2-1 0,-21-9 0,0 0 0,0 0 0,0 0 0,0-1 0,-1 1 0,1-1 0,0 0 0,0-1 0,0 1 0,-1 0 0,1-1 0,-1 0 0,1 0 0,-1 0 0,0 0 0,1-1 0,4-5 0,5-4 0,-1-2 0,17-22 0,-28 36 0,19-29 0,-1 0 0,-1-1 0,-2 0 0,17-43 0,-25 51 0,0 0 0,-2-1 0,0 1 0,-2-1 0,-1 0 0,0-1 0,-1-31 0,-3 47 0,0-1 0,0 1 0,-1-1 0,0 1 0,0-1 0,-1 1 0,-4-8 0,7 14 0,-1 0 0,0 1 0,0-1 0,0 0 0,0 0 0,0 1 0,0-1 0,0 1 0,-1-1 0,1 1 0,0 0 0,-1-1 0,0 1 0,1 0 0,-1 0 0,1 0 0,-1 0 0,0 0 0,0 0 0,0 1 0,0-1 0,1 1 0,-1-1 0,0 1 0,0 0 0,0-1 0,0 1 0,0 0 0,0 0 0,0 0 0,0 1 0,0-1 0,0 0 0,0 1 0,0 0 0,-2 0 0,-1 2-195,1-1 0,0 1 0,0 0 0,0 0 0,0 0 0,-6 7 0,-6 8-6631</inkml:trace>
+</inkml:ink>
+</file>
+
+<file path=ppt/ink/ink6.xml><?xml version="1.0" encoding="utf-8"?>
+<inkml:ink xmlns:inkml="http://www.w3.org/2003/InkML">
+  <inkml:definitions>
+    <inkml:context xml:id="ctx0">
+      <inkml:inkSource xml:id="inkSrc0">
+        <inkml:traceFormat>
+          <inkml:channel name="X" type="integer" min="-2.14748E9" max="2.14748E9" units="cm"/>
+          <inkml:channel name="Y" type="integer" min="-2.14748E9" max="2.14748E9" units="cm"/>
+          <inkml:channel name="F" type="integer" max="32767" units="dev"/>
+        </inkml:traceFormat>
+        <inkml:channelProperties>
+          <inkml:channelProperty channel="X" name="resolution" value="1000" units="1/cm"/>
+          <inkml:channelProperty channel="Y" name="resolution" value="1000" units="1/cm"/>
+          <inkml:channelProperty channel="F" name="resolution" value="0" units="1/dev"/>
+        </inkml:channelProperties>
+      </inkml:inkSource>
+      <inkml:timestamp xml:id="ts0" timeString="2023-02-18T04:22:32.559"/>
+    </inkml:context>
+    <inkml:brush xml:id="br0">
+      <inkml:brushProperty name="width" value="0.05" units="cm"/>
+      <inkml:brushProperty name="height" value="0.05" units="cm"/>
+    </inkml:brush>
+  </inkml:definitions>
+  <inkml:trace contextRef="#ctx0" brushRef="#br0">3 565 24575,'-2'3'0,"18"-8"0,35-19 0,33-23 0,29-21 0,28-17 0,10-6-1196,-6 6 1196,-22 14 0,-33 16-36,-31 18-6923</inkml:trace>
+</inkml:ink>
+</file>
+
+<file path=ppt/ink/ink7.xml><?xml version="1.0" encoding="utf-8"?>
+<inkml:ink xmlns:inkml="http://www.w3.org/2003/InkML">
+  <inkml:definitions>
+    <inkml:context xml:id="ctx0">
+      <inkml:inkSource xml:id="inkSrc0">
+        <inkml:traceFormat>
+          <inkml:channel name="X" type="integer" min="-2.14748E9" max="2.14748E9" units="cm"/>
+          <inkml:channel name="Y" type="integer" min="-2.14748E9" max="2.14748E9" units="cm"/>
+          <inkml:channel name="F" type="integer" max="32767" units="dev"/>
+        </inkml:traceFormat>
+        <inkml:channelProperties>
+          <inkml:channelProperty channel="X" name="resolution" value="1000" units="1/cm"/>
+          <inkml:channelProperty channel="Y" name="resolution" value="1000" units="1/cm"/>
+          <inkml:channelProperty channel="F" name="resolution" value="0" units="1/dev"/>
+        </inkml:channelProperties>
+      </inkml:inkSource>
+      <inkml:timestamp xml:id="ts0" timeString="2023-02-18T04:22:32.936"/>
+    </inkml:context>
+    <inkml:brush xml:id="br0">
+      <inkml:brushProperty name="width" value="0.05" units="cm"/>
+      <inkml:brushProperty name="height" value="0.05" units="cm"/>
+    </inkml:brush>
+  </inkml:definitions>
+  <inkml:trace contextRef="#ctx0" brushRef="#br0">1 797 24575,'8'0'0,"19"-8"0,33-14 0,31-16 0,24-14 0,31-19 0,27-13-1567,22-14 1567,14-6-1347,-3 1 1347,-21 11 0,-39 19 0,-42 22-5277</inkml:trace>
+</inkml:ink>
+</file>
+
+<file path=ppt/ink/ink8.xml><?xml version="1.0" encoding="utf-8"?>
+<inkml:ink xmlns:inkml="http://www.w3.org/2003/InkML">
+  <inkml:definitions>
+    <inkml:context xml:id="ctx0">
+      <inkml:inkSource xml:id="inkSrc0">
+        <inkml:traceFormat>
+          <inkml:channel name="X" type="integer" min="-2.14748E9" max="2.14748E9" units="cm"/>
+          <inkml:channel name="Y" type="integer" min="-2.14748E9" max="2.14748E9" units="cm"/>
+          <inkml:channel name="F" type="integer" max="32767" units="dev"/>
+        </inkml:traceFormat>
+        <inkml:channelProperties>
+          <inkml:channelProperty channel="X" name="resolution" value="1000" units="1/cm"/>
+          <inkml:channelProperty channel="Y" name="resolution" value="1000" units="1/cm"/>
+          <inkml:channelProperty channel="F" name="resolution" value="0" units="1/dev"/>
+        </inkml:channelProperties>
+      </inkml:inkSource>
+      <inkml:timestamp xml:id="ts0" timeString="2023-02-18T04:22:35.210"/>
+    </inkml:context>
+    <inkml:brush xml:id="br0">
+      <inkml:brushProperty name="width" value="0.05" units="cm"/>
+      <inkml:brushProperty name="height" value="0.05" units="cm"/>
+    </inkml:brush>
+  </inkml:definitions>
+  <inkml:trace contextRef="#ctx0" brushRef="#br0">1534 6 24575,'0'0'0,"0"0"0,0-1 0,0 1 0,0 0 0,0-1 0,0 1 0,-1 0 0,1 0 0,0-1 0,0 1 0,0 0 0,-1-1 0,1 1 0,0 0 0,0 0 0,-1 0 0,1-1 0,0 1 0,0 0 0,-1 0 0,1 0 0,0 0 0,-1-1 0,1 1 0,0 0 0,-1 0 0,1 0 0,0 0 0,-1 0 0,1 0 0,0 0 0,-1 0 0,-15 0 0,14 0 0,-49 6 0,0 1 0,-77 23 0,73-16 0,-290 78-287,235-57 148,-114 53-1,192-73 140,0 1 0,-55 38 0,76-46 0,1 0 0,0 1 0,0 0 0,1 1 0,0 0 0,1 1 0,0 0 0,1 0 0,0 0 0,-9 22 0,8-11 0,1 1 0,1 0 0,1 0 0,2 0 0,-2 26 0,4 121 333,2-141-194,2 71-88,25 153 1,-17-200-54,1 0 0,3-1 1,2-1-1,37 78 0,-23-71 2,3 0 0,2-3 0,2-1 0,3-2 0,2-1 0,63 57 0,-84-89 0,1-1 0,0-1 0,1-1 0,1-1 0,30 13 0,-19-13 0,1-1 0,0-2 0,46 9 0,16-6 0,0-4 0,110-2 0,146-7 0,-4-22 0,-334 18 0,14-1 0,1-1 0,-1-1 0,0-2 0,45-16 0,-70 21 0,-1-1 0,0 0 0,0 0 0,0 0 0,0 0 0,0-1 0,-1 0 0,0 0 0,0-1 0,0 1 0,0-1 0,-1 0 0,1 1 0,-1-2 0,3-6 0,1-6 0,0-1 0,-1 1 0,4-25 0,-5 23 0,16-75 0,15-147 0,-33 196 0,-1 0 0,-3 1 0,-1-1 0,-3 0 0,-15-66 0,9 72 0,-1 1 0,-2 0 0,-2 1 0,-2 0 0,-1 2 0,-28-40 0,26 46 0,-2 1 0,0 2 0,-2 0 0,-1 2 0,-2 0 0,0 2 0,-38-24 0,-18-2 0,-3 3 0,-1 4 0,-2 4 0,-128-36 0,126 51 0,-1 3 0,-177-14 0,-193 25 0,458 9 0,1 1 0,0-1 0,-1 1 0,1 0 0,0 0 0,-1 0 0,1 1 0,0 0 0,0 0 0,0 0 0,-6 4 0,-1 2 0,1 1 0,-14 15 0,10-10 0,-35 33 0,-186 198 0,206-209 0,1 1 0,2 1 0,1 1 0,2 1 0,-24 59 0,24-34 10,3 0-1,3 2 1,-11 85-1,-1 208-1572,26-265 1356,5-1 1,4 0-1,29 153 1,-25-199 182,3 0 0,1-1 1,3-1-1,2 0 1,2-1-1,1-1 1,3-2-1,53 72 1,-65-99 20,0-1-1,0 0 1,2 0 0,0-2 0,0 0 0,1 0-1,22 11 1,-26-17 32,1 0 0,0 0 0,1-2 0,0 0 0,-1 0 0,1-1 0,0-1 0,1 0 0,-1-1 0,23-1 0,-6-4 90,-1 0 0,1-2 0,-1-2 0,-1 0 0,0-2 1,0-1-1,51-28 0,-23 6 52,-3-3 0,86-71 0,-100 74-377,-3-2 1,0-2 0,-2-1 0,-2-1 0,32-52-1,-21 12-5949</inkml:trace>
+</inkml:ink>
+</file>
+
+<file path=ppt/ink/ink9.xml><?xml version="1.0" encoding="utf-8"?>
+<inkml:ink xmlns:inkml="http://www.w3.org/2003/InkML">
+  <inkml:definitions>
+    <inkml:context xml:id="ctx0">
+      <inkml:inkSource xml:id="inkSrc0">
+        <inkml:traceFormat>
+          <inkml:channel name="X" type="integer" min="-2.14748E9" max="2.14748E9" units="cm"/>
+          <inkml:channel name="Y" type="integer" min="-2.14748E9" max="2.14748E9" units="cm"/>
+          <inkml:channel name="F" type="integer" max="32767" units="dev"/>
+        </inkml:traceFormat>
+        <inkml:channelProperties>
+          <inkml:channelProperty channel="X" name="resolution" value="1000" units="1/cm"/>
+          <inkml:channelProperty channel="Y" name="resolution" value="1000" units="1/cm"/>
+          <inkml:channelProperty channel="F" name="resolution" value="0" units="1/dev"/>
+        </inkml:channelProperties>
+      </inkml:inkSource>
+      <inkml:timestamp xml:id="ts0" timeString="2023-02-18T04:22:38.963"/>
+    </inkml:context>
+    <inkml:brush xml:id="br0">
+      <inkml:brushProperty name="width" value="0.05" units="cm"/>
+      <inkml:brushProperty name="height" value="0.05" units="cm"/>
+    </inkml:brush>
+  </inkml:definitions>
+  <inkml:trace contextRef="#ctx0" brushRef="#br0">15795 1812 24575,'0'0'0,"0"-1"0,0 1 0,0-1 0,-1 1 0,1-1 0,0 1 0,0-1 0,0 1 0,-1-1 0,1 1 0,0-1 0,-1 1 0,1 0 0,0-1 0,-1 1 0,1 0 0,-1-1 0,1 1 0,0 0 0,-1-1 0,1 1 0,-1 0 0,1 0 0,-1-1 0,1 1 0,-1 0 0,-21-12 0,-31-12 0,30 14 0,-370-142-673,-10 22 1,-221-32 327,487 137 230,-1 6 0,-231-3 0,61 27 63,-140-1 333,-1-19-124,-252-54-975,-1-29 201,172 26 565,-167-27-1308,-783-101-2227,812 106 3042,13-57 599,625 142 77,-344-89 5006,-629-83-5671,-11 62-474,992 117 995,-845-46-66,353 57 1154,5 41 0,324-22-39,-255 75 0,401-90-894,0 2-1,0 2 1,-47 28 0,-96 80 9,99-63-151,-164 134 0,-291 354 0,44-64 0,466-462 0,-18 17 0,-63 70 0,107-109 0,3-7 0,6-14 0,14-28 0,22-37 0,14-32 0,-54 104 0,-9 17 0,-14 20 0,19-24 0,-178 262 0,176-258 0,0-2 0,1 1 0,-1 0 0,1 0 0,0 0 0,0 0 0,-2 9 0,4-12 0,0-1 0,0 1 0,0 0 0,0 0 0,0 0 0,0-1 0,0 1 0,0 0 0,1 0 0,-1 0 0,0-1 0,0 1 0,1 0 0,-1 0 0,0-1 0,1 1 0,-1 0 0,1 0 0,0 0 0,0 0 0,1 0 0,-1 0 0,0 0 0,1-1 0,-1 1 0,0 0 0,1 0 0,-1-1 0,1 1 0,-1-1 0,4 1 0,17 1 0,0 0 0,0-2 0,0 0 0,0-2 0,34-6 0,-13 2 0,94-11-1365,-90 11-5461</inkml:trace>
+</inkml:ink>
 </file>
 
 <file path=ppt/slideLayouts/slideLayout1.xml><?xml version="1.0" encoding="utf-8"?>
@@ -269,7 +1092,7 @@
           <a:p>
             <a:fld id="{4AE9F335-C84B-4238-8E01-DD7C2E749166}" type="datetimeFigureOut">
               <a:rPr lang="en-IN" smtClean="0"/>
-              <a:t>12-02-2023</a:t>
+              <a:t>18-02-2023</a:t>
             </a:fld>
             <a:endParaRPr lang="en-IN"/>
           </a:p>
@@ -469,7 +1292,7 @@
           <a:p>
             <a:fld id="{4AE9F335-C84B-4238-8E01-DD7C2E749166}" type="datetimeFigureOut">
               <a:rPr lang="en-IN" smtClean="0"/>
-              <a:t>12-02-2023</a:t>
+              <a:t>18-02-2023</a:t>
             </a:fld>
             <a:endParaRPr lang="en-IN"/>
           </a:p>
@@ -679,7 +1502,7 @@
           <a:p>
             <a:fld id="{4AE9F335-C84B-4238-8E01-DD7C2E749166}" type="datetimeFigureOut">
               <a:rPr lang="en-IN" smtClean="0"/>
-              <a:t>12-02-2023</a:t>
+              <a:t>18-02-2023</a:t>
             </a:fld>
             <a:endParaRPr lang="en-IN"/>
           </a:p>
@@ -879,7 +1702,7 @@
           <a:p>
             <a:fld id="{4AE9F335-C84B-4238-8E01-DD7C2E749166}" type="datetimeFigureOut">
               <a:rPr lang="en-IN" smtClean="0"/>
-              <a:t>12-02-2023</a:t>
+              <a:t>18-02-2023</a:t>
             </a:fld>
             <a:endParaRPr lang="en-IN"/>
           </a:p>
@@ -1155,7 +1978,7 @@
           <a:p>
             <a:fld id="{4AE9F335-C84B-4238-8E01-DD7C2E749166}" type="datetimeFigureOut">
               <a:rPr lang="en-IN" smtClean="0"/>
-              <a:t>12-02-2023</a:t>
+              <a:t>18-02-2023</a:t>
             </a:fld>
             <a:endParaRPr lang="en-IN"/>
           </a:p>
@@ -1423,7 +2246,7 @@
           <a:p>
             <a:fld id="{4AE9F335-C84B-4238-8E01-DD7C2E749166}" type="datetimeFigureOut">
               <a:rPr lang="en-IN" smtClean="0"/>
-              <a:t>12-02-2023</a:t>
+              <a:t>18-02-2023</a:t>
             </a:fld>
             <a:endParaRPr lang="en-IN"/>
           </a:p>
@@ -1838,7 +2661,7 @@
           <a:p>
             <a:fld id="{4AE9F335-C84B-4238-8E01-DD7C2E749166}" type="datetimeFigureOut">
               <a:rPr lang="en-IN" smtClean="0"/>
-              <a:t>12-02-2023</a:t>
+              <a:t>18-02-2023</a:t>
             </a:fld>
             <a:endParaRPr lang="en-IN"/>
           </a:p>
@@ -1980,7 +2803,7 @@
           <a:p>
             <a:fld id="{4AE9F335-C84B-4238-8E01-DD7C2E749166}" type="datetimeFigureOut">
               <a:rPr lang="en-IN" smtClean="0"/>
-              <a:t>12-02-2023</a:t>
+              <a:t>18-02-2023</a:t>
             </a:fld>
             <a:endParaRPr lang="en-IN"/>
           </a:p>
@@ -2093,7 +2916,7 @@
           <a:p>
             <a:fld id="{4AE9F335-C84B-4238-8E01-DD7C2E749166}" type="datetimeFigureOut">
               <a:rPr lang="en-IN" smtClean="0"/>
-              <a:t>12-02-2023</a:t>
+              <a:t>18-02-2023</a:t>
             </a:fld>
             <a:endParaRPr lang="en-IN"/>
           </a:p>
@@ -2406,7 +3229,7 @@
           <a:p>
             <a:fld id="{4AE9F335-C84B-4238-8E01-DD7C2E749166}" type="datetimeFigureOut">
               <a:rPr lang="en-IN" smtClean="0"/>
-              <a:t>12-02-2023</a:t>
+              <a:t>18-02-2023</a:t>
             </a:fld>
             <a:endParaRPr lang="en-IN"/>
           </a:p>
@@ -2695,7 +3518,7 @@
           <a:p>
             <a:fld id="{4AE9F335-C84B-4238-8E01-DD7C2E749166}" type="datetimeFigureOut">
               <a:rPr lang="en-IN" smtClean="0"/>
-              <a:t>12-02-2023</a:t>
+              <a:t>18-02-2023</a:t>
             </a:fld>
             <a:endParaRPr lang="en-IN"/>
           </a:p>
@@ -2938,7 +3761,7 @@
           <a:p>
             <a:fld id="{4AE9F335-C84B-4238-8E01-DD7C2E749166}" type="datetimeFigureOut">
               <a:rPr lang="en-IN" smtClean="0"/>
-              <a:t>12-02-2023</a:t>
+              <a:t>18-02-2023</a:t>
             </a:fld>
             <a:endParaRPr lang="en-IN"/>
           </a:p>
@@ -4283,6 +5106,2037 @@
 </p:sld>
 </file>
 
+<file path=ppt/slides/slide15.xml><?xml version="1.0" encoding="utf-8"?>
+<p:sld xmlns:a="http://schemas.openxmlformats.org/drawingml/2006/main" xmlns:r="http://schemas.openxmlformats.org/officeDocument/2006/relationships" xmlns:p="http://schemas.openxmlformats.org/presentationml/2006/main">
+  <p:cSld>
+    <p:spTree>
+      <p:nvGrpSpPr>
+        <p:cNvPr id="1" name=""/>
+        <p:cNvGrpSpPr/>
+        <p:nvPr/>
+      </p:nvGrpSpPr>
+      <p:grpSpPr>
+        <a:xfrm>
+          <a:off x="0" y="0"/>
+          <a:ext cx="0" cy="0"/>
+          <a:chOff x="0" y="0"/>
+          <a:chExt cx="0" cy="0"/>
+        </a:xfrm>
+      </p:grpSpPr>
+      <p:sp>
+        <p:nvSpPr>
+          <p:cNvPr id="2" name="Title 1">
+            <a:extLst>
+              <a:ext uri="{FF2B5EF4-FFF2-40B4-BE49-F238E27FC236}">
+                <a16:creationId xmlns:a16="http://schemas.microsoft.com/office/drawing/2014/main" id="{5F5D9469-B806-4FD2-1EC6-16E50217CE6B}"/>
+              </a:ext>
+            </a:extLst>
+          </p:cNvPr>
+          <p:cNvSpPr>
+            <a:spLocks noGrp="1"/>
+          </p:cNvSpPr>
+          <p:nvPr>
+            <p:ph type="ctrTitle"/>
+          </p:nvPr>
+        </p:nvSpPr>
+        <p:spPr/>
+        <p:txBody>
+          <a:bodyPr/>
+          <a:lstStyle/>
+          <a:p>
+            <a:r>
+              <a:rPr lang="en-US" dirty="0"/>
+              <a:t>Users and Groups</a:t>
+            </a:r>
+            <a:endParaRPr lang="en-IN" dirty="0"/>
+          </a:p>
+        </p:txBody>
+      </p:sp>
+      <p:sp>
+        <p:nvSpPr>
+          <p:cNvPr id="3" name="Subtitle 2">
+            <a:extLst>
+              <a:ext uri="{FF2B5EF4-FFF2-40B4-BE49-F238E27FC236}">
+                <a16:creationId xmlns:a16="http://schemas.microsoft.com/office/drawing/2014/main" id="{2EF2C201-9F70-4FAE-76C6-64D5EDDF02C4}"/>
+              </a:ext>
+            </a:extLst>
+          </p:cNvPr>
+          <p:cNvSpPr>
+            <a:spLocks noGrp="1"/>
+          </p:cNvSpPr>
+          <p:nvPr>
+            <p:ph type="subTitle" idx="1"/>
+          </p:nvPr>
+        </p:nvSpPr>
+        <p:spPr/>
+        <p:txBody>
+          <a:bodyPr/>
+          <a:lstStyle/>
+          <a:p>
+            <a:endParaRPr lang="en-IN"/>
+          </a:p>
+        </p:txBody>
+      </p:sp>
+    </p:spTree>
+    <p:extLst>
+      <p:ext uri="{BB962C8B-B14F-4D97-AF65-F5344CB8AC3E}">
+        <p14:creationId xmlns:p14="http://schemas.microsoft.com/office/powerpoint/2010/main" val="2357061186"/>
+      </p:ext>
+    </p:extLst>
+  </p:cSld>
+  <p:clrMapOvr>
+    <a:masterClrMapping/>
+  </p:clrMapOvr>
+</p:sld>
+</file>
+
+<file path=ppt/slides/slide16.xml><?xml version="1.0" encoding="utf-8"?>
+<p:sld xmlns:a="http://schemas.openxmlformats.org/drawingml/2006/main" xmlns:r="http://schemas.openxmlformats.org/officeDocument/2006/relationships" xmlns:p="http://schemas.openxmlformats.org/presentationml/2006/main">
+  <p:cSld>
+    <p:spTree>
+      <p:nvGrpSpPr>
+        <p:cNvPr id="1" name=""/>
+        <p:cNvGrpSpPr/>
+        <p:nvPr/>
+      </p:nvGrpSpPr>
+      <p:grpSpPr>
+        <a:xfrm>
+          <a:off x="0" y="0"/>
+          <a:ext cx="0" cy="0"/>
+          <a:chOff x="0" y="0"/>
+          <a:chExt cx="0" cy="0"/>
+        </a:xfrm>
+      </p:grpSpPr>
+      <p:sp>
+        <p:nvSpPr>
+          <p:cNvPr id="2" name="Title 1">
+            <a:extLst>
+              <a:ext uri="{FF2B5EF4-FFF2-40B4-BE49-F238E27FC236}">
+                <a16:creationId xmlns:a16="http://schemas.microsoft.com/office/drawing/2014/main" id="{D04492D4-143F-C9CF-EFCF-3A8178FCBA45}"/>
+              </a:ext>
+            </a:extLst>
+          </p:cNvPr>
+          <p:cNvSpPr>
+            <a:spLocks noGrp="1"/>
+          </p:cNvSpPr>
+          <p:nvPr>
+            <p:ph type="title"/>
+          </p:nvPr>
+        </p:nvSpPr>
+        <p:spPr/>
+        <p:txBody>
+          <a:bodyPr/>
+          <a:lstStyle/>
+          <a:p>
+            <a:r>
+              <a:rPr lang="en-US" dirty="0"/>
+              <a:t>User Accounts</a:t>
+            </a:r>
+            <a:endParaRPr lang="en-IN" dirty="0"/>
+          </a:p>
+        </p:txBody>
+      </p:sp>
+      <p:sp>
+        <p:nvSpPr>
+          <p:cNvPr id="3" name="Content Placeholder 2">
+            <a:extLst>
+              <a:ext uri="{FF2B5EF4-FFF2-40B4-BE49-F238E27FC236}">
+                <a16:creationId xmlns:a16="http://schemas.microsoft.com/office/drawing/2014/main" id="{8892D5AC-F232-36B9-3573-C740BD305308}"/>
+              </a:ext>
+            </a:extLst>
+          </p:cNvPr>
+          <p:cNvSpPr>
+            <a:spLocks noGrp="1"/>
+          </p:cNvSpPr>
+          <p:nvPr>
+            <p:ph idx="1"/>
+          </p:nvPr>
+        </p:nvSpPr>
+        <p:spPr/>
+        <p:txBody>
+          <a:bodyPr/>
+          <a:lstStyle/>
+          <a:p>
+            <a:r>
+              <a:rPr lang="en-US" dirty="0"/>
+              <a:t>All users who require access to resources must have a user account.</a:t>
+            </a:r>
+          </a:p>
+          <a:p>
+            <a:r>
+              <a:rPr lang="en-US" dirty="0"/>
+              <a:t>Types of identity:</a:t>
+            </a:r>
+          </a:p>
+          <a:p>
+            <a:pPr lvl="1"/>
+            <a:r>
+              <a:rPr lang="en-US" dirty="0"/>
+              <a:t>Cloud Identity (Azure Active Directory) – Users only exists in Azure AD</a:t>
+            </a:r>
+          </a:p>
+          <a:p>
+            <a:pPr lvl="1"/>
+            <a:r>
+              <a:rPr lang="en-US" dirty="0"/>
+              <a:t>Directory-synchronized Identity (Windows Server AD) – Users brought using synchronization activity</a:t>
+            </a:r>
+            <a:endParaRPr lang="en-IN" dirty="0"/>
+          </a:p>
+          <a:p>
+            <a:pPr lvl="1"/>
+            <a:r>
+              <a:rPr lang="en-IN" dirty="0"/>
+              <a:t>Guest Users – Users from outside Azure.</a:t>
+            </a:r>
+            <a:endParaRPr lang="en-US" dirty="0"/>
+          </a:p>
+        </p:txBody>
+      </p:sp>
+    </p:spTree>
+    <p:extLst>
+      <p:ext uri="{BB962C8B-B14F-4D97-AF65-F5344CB8AC3E}">
+        <p14:creationId xmlns:p14="http://schemas.microsoft.com/office/powerpoint/2010/main" val="928147376"/>
+      </p:ext>
+    </p:extLst>
+  </p:cSld>
+  <p:clrMapOvr>
+    <a:masterClrMapping/>
+  </p:clrMapOvr>
+</p:sld>
+</file>
+
+<file path=ppt/slides/slide17.xml><?xml version="1.0" encoding="utf-8"?>
+<p:sld xmlns:a="http://schemas.openxmlformats.org/drawingml/2006/main" xmlns:r="http://schemas.openxmlformats.org/officeDocument/2006/relationships" xmlns:p="http://schemas.openxmlformats.org/presentationml/2006/main">
+  <p:cSld>
+    <p:spTree>
+      <p:nvGrpSpPr>
+        <p:cNvPr id="1" name=""/>
+        <p:cNvGrpSpPr/>
+        <p:nvPr/>
+      </p:nvGrpSpPr>
+      <p:grpSpPr>
+        <a:xfrm>
+          <a:off x="0" y="0"/>
+          <a:ext cx="0" cy="0"/>
+          <a:chOff x="0" y="0"/>
+          <a:chExt cx="0" cy="0"/>
+        </a:xfrm>
+      </p:grpSpPr>
+      <p:sp>
+        <p:nvSpPr>
+          <p:cNvPr id="2" name="Title 1">
+            <a:extLst>
+              <a:ext uri="{FF2B5EF4-FFF2-40B4-BE49-F238E27FC236}">
+                <a16:creationId xmlns:a16="http://schemas.microsoft.com/office/drawing/2014/main" id="{C680F13B-38D4-2B47-56F8-8F5BA854127E}"/>
+              </a:ext>
+            </a:extLst>
+          </p:cNvPr>
+          <p:cNvSpPr>
+            <a:spLocks noGrp="1"/>
+          </p:cNvSpPr>
+          <p:nvPr>
+            <p:ph type="title"/>
+          </p:nvPr>
+        </p:nvSpPr>
+        <p:spPr/>
+        <p:txBody>
+          <a:bodyPr/>
+          <a:lstStyle/>
+          <a:p>
+            <a:r>
+              <a:rPr lang="en-US" dirty="0"/>
+              <a:t>Groups</a:t>
+            </a:r>
+            <a:endParaRPr lang="en-IN" dirty="0"/>
+          </a:p>
+        </p:txBody>
+      </p:sp>
+      <p:sp>
+        <p:nvSpPr>
+          <p:cNvPr id="3" name="Content Placeholder 2">
+            <a:extLst>
+              <a:ext uri="{FF2B5EF4-FFF2-40B4-BE49-F238E27FC236}">
+                <a16:creationId xmlns:a16="http://schemas.microsoft.com/office/drawing/2014/main" id="{D986D19F-6F52-7B80-3526-354CFFB5E712}"/>
+              </a:ext>
+            </a:extLst>
+          </p:cNvPr>
+          <p:cNvSpPr>
+            <a:spLocks noGrp="1"/>
+          </p:cNvSpPr>
+          <p:nvPr>
+            <p:ph idx="1"/>
+          </p:nvPr>
+        </p:nvSpPr>
+        <p:spPr/>
+        <p:txBody>
+          <a:bodyPr/>
+          <a:lstStyle/>
+          <a:p>
+            <a:r>
+              <a:rPr lang="en-US" dirty="0"/>
+              <a:t>It helps organize users to make it easier to manage permissions.</a:t>
+            </a:r>
+          </a:p>
+          <a:p>
+            <a:r>
+              <a:rPr lang="en-US" dirty="0"/>
+              <a:t>Two Types:</a:t>
+            </a:r>
+          </a:p>
+          <a:p>
+            <a:pPr lvl="1"/>
+            <a:r>
+              <a:rPr lang="en-US" dirty="0"/>
+              <a:t>Security Group – Security-enabled and are used to assign permission.</a:t>
+            </a:r>
+          </a:p>
+          <a:p>
+            <a:pPr lvl="1"/>
+            <a:r>
+              <a:rPr lang="en-US" dirty="0"/>
+              <a:t>Distribution Group – Email applications</a:t>
+            </a:r>
+            <a:endParaRPr lang="en-IN" dirty="0"/>
+          </a:p>
+        </p:txBody>
+      </p:sp>
+      <mc:AlternateContent xmlns:mc="http://schemas.openxmlformats.org/markup-compatibility/2006">
+        <mc:Choice xmlns:p14="http://schemas.microsoft.com/office/powerpoint/2010/main" Requires="p14">
+          <p:contentPart p14:bwMode="auto" r:id="rId2">
+            <p14:nvContentPartPr>
+              <p14:cNvPr id="24" name="Ink 23">
+                <a:extLst>
+                  <a:ext uri="{FF2B5EF4-FFF2-40B4-BE49-F238E27FC236}">
+                    <a16:creationId xmlns:a16="http://schemas.microsoft.com/office/drawing/2014/main" id="{7C35B3DA-9255-B2E2-4A78-BE9ACB95B4DD}"/>
+                  </a:ext>
+                </a:extLst>
+              </p14:cNvPr>
+              <p14:cNvContentPartPr/>
+              <p14:nvPr/>
+            </p14:nvContentPartPr>
+            <p14:xfrm>
+              <a:off x="3381207" y="4143641"/>
+              <a:ext cx="1172880" cy="844560"/>
+            </p14:xfrm>
+          </p:contentPart>
+        </mc:Choice>
+        <mc:Fallback>
+          <p:pic>
+            <p:nvPicPr>
+              <p:cNvPr id="24" name="Ink 23">
+                <a:extLst>
+                  <a:ext uri="{FF2B5EF4-FFF2-40B4-BE49-F238E27FC236}">
+                    <a16:creationId xmlns:a16="http://schemas.microsoft.com/office/drawing/2014/main" id="{7C35B3DA-9255-B2E2-4A78-BE9ACB95B4DD}"/>
+                  </a:ext>
+                </a:extLst>
+              </p:cNvPr>
+              <p:cNvPicPr/>
+              <p:nvPr/>
+            </p:nvPicPr>
+            <p:blipFill>
+              <a:blip r:embed="rId3"/>
+              <a:stretch>
+                <a:fillRect/>
+              </a:stretch>
+            </p:blipFill>
+            <p:spPr>
+              <a:xfrm>
+                <a:off x="3372207" y="4134641"/>
+                <a:ext cx="1190520" cy="862200"/>
+              </a:xfrm>
+              <a:prstGeom prst="rect">
+                <a:avLst/>
+              </a:prstGeom>
+            </p:spPr>
+          </p:pic>
+        </mc:Fallback>
+      </mc:AlternateContent>
+      <mc:AlternateContent xmlns:mc="http://schemas.openxmlformats.org/markup-compatibility/2006">
+        <mc:Choice xmlns:p14="http://schemas.microsoft.com/office/powerpoint/2010/main" Requires="p14">
+          <p:contentPart p14:bwMode="auto" r:id="rId4">
+            <p14:nvContentPartPr>
+              <p14:cNvPr id="26" name="Ink 25">
+                <a:extLst>
+                  <a:ext uri="{FF2B5EF4-FFF2-40B4-BE49-F238E27FC236}">
+                    <a16:creationId xmlns:a16="http://schemas.microsoft.com/office/drawing/2014/main" id="{767E4AA4-BD0A-DA4D-D3B1-C57E78E7EF3F}"/>
+                  </a:ext>
+                </a:extLst>
+              </p14:cNvPr>
+              <p14:cNvContentPartPr/>
+              <p14:nvPr/>
+            </p14:nvContentPartPr>
+            <p14:xfrm>
+              <a:off x="7782927" y="4555841"/>
+              <a:ext cx="338760" cy="475920"/>
+            </p14:xfrm>
+          </p:contentPart>
+        </mc:Choice>
+        <mc:Fallback>
+          <p:pic>
+            <p:nvPicPr>
+              <p:cNvPr id="26" name="Ink 25">
+                <a:extLst>
+                  <a:ext uri="{FF2B5EF4-FFF2-40B4-BE49-F238E27FC236}">
+                    <a16:creationId xmlns:a16="http://schemas.microsoft.com/office/drawing/2014/main" id="{767E4AA4-BD0A-DA4D-D3B1-C57E78E7EF3F}"/>
+                  </a:ext>
+                </a:extLst>
+              </p:cNvPr>
+              <p:cNvPicPr/>
+              <p:nvPr/>
+            </p:nvPicPr>
+            <p:blipFill>
+              <a:blip r:embed="rId5"/>
+              <a:stretch>
+                <a:fillRect/>
+              </a:stretch>
+            </p:blipFill>
+            <p:spPr>
+              <a:xfrm>
+                <a:off x="7773927" y="4547201"/>
+                <a:ext cx="356400" cy="493560"/>
+              </a:xfrm>
+              <a:prstGeom prst="rect">
+                <a:avLst/>
+              </a:prstGeom>
+            </p:spPr>
+          </p:pic>
+        </mc:Fallback>
+      </mc:AlternateContent>
+      <mc:AlternateContent xmlns:mc="http://schemas.openxmlformats.org/markup-compatibility/2006">
+        <mc:Choice xmlns:p14="http://schemas.microsoft.com/office/powerpoint/2010/main" Requires="p14">
+          <p:contentPart p14:bwMode="auto" r:id="rId6">
+            <p14:nvContentPartPr>
+              <p14:cNvPr id="27" name="Ink 26">
+                <a:extLst>
+                  <a:ext uri="{FF2B5EF4-FFF2-40B4-BE49-F238E27FC236}">
+                    <a16:creationId xmlns:a16="http://schemas.microsoft.com/office/drawing/2014/main" id="{1CCEB649-DE73-75FE-3AA4-08D82EE52EA8}"/>
+                  </a:ext>
+                </a:extLst>
+              </p14:cNvPr>
+              <p14:cNvContentPartPr/>
+              <p14:nvPr/>
+            </p14:nvContentPartPr>
+            <p14:xfrm>
+              <a:off x="8166687" y="4714601"/>
+              <a:ext cx="174960" cy="144720"/>
+            </p14:xfrm>
+          </p:contentPart>
+        </mc:Choice>
+        <mc:Fallback>
+          <p:pic>
+            <p:nvPicPr>
+              <p:cNvPr id="27" name="Ink 26">
+                <a:extLst>
+                  <a:ext uri="{FF2B5EF4-FFF2-40B4-BE49-F238E27FC236}">
+                    <a16:creationId xmlns:a16="http://schemas.microsoft.com/office/drawing/2014/main" id="{1CCEB649-DE73-75FE-3AA4-08D82EE52EA8}"/>
+                  </a:ext>
+                </a:extLst>
+              </p:cNvPr>
+              <p:cNvPicPr/>
+              <p:nvPr/>
+            </p:nvPicPr>
+            <p:blipFill>
+              <a:blip r:embed="rId7"/>
+              <a:stretch>
+                <a:fillRect/>
+              </a:stretch>
+            </p:blipFill>
+            <p:spPr>
+              <a:xfrm>
+                <a:off x="8157687" y="4705601"/>
+                <a:ext cx="192600" cy="162360"/>
+              </a:xfrm>
+              <a:prstGeom prst="rect">
+                <a:avLst/>
+              </a:prstGeom>
+            </p:spPr>
+          </p:pic>
+        </mc:Fallback>
+      </mc:AlternateContent>
+      <mc:AlternateContent xmlns:mc="http://schemas.openxmlformats.org/markup-compatibility/2006">
+        <mc:Choice xmlns:p14="http://schemas.microsoft.com/office/powerpoint/2010/main" Requires="p14">
+          <p:contentPart p14:bwMode="auto" r:id="rId8">
+            <p14:nvContentPartPr>
+              <p14:cNvPr id="28" name="Ink 27">
+                <a:extLst>
+                  <a:ext uri="{FF2B5EF4-FFF2-40B4-BE49-F238E27FC236}">
+                    <a16:creationId xmlns:a16="http://schemas.microsoft.com/office/drawing/2014/main" id="{DDB642D5-0EFE-79E6-02C1-07567FBBC500}"/>
+                  </a:ext>
+                </a:extLst>
+              </p14:cNvPr>
+              <p14:cNvContentPartPr/>
+              <p14:nvPr/>
+            </p14:nvContentPartPr>
+            <p14:xfrm>
+              <a:off x="8397807" y="4628201"/>
+              <a:ext cx="108720" cy="244800"/>
+            </p14:xfrm>
+          </p:contentPart>
+        </mc:Choice>
+        <mc:Fallback>
+          <p:pic>
+            <p:nvPicPr>
+              <p:cNvPr id="28" name="Ink 27">
+                <a:extLst>
+                  <a:ext uri="{FF2B5EF4-FFF2-40B4-BE49-F238E27FC236}">
+                    <a16:creationId xmlns:a16="http://schemas.microsoft.com/office/drawing/2014/main" id="{DDB642D5-0EFE-79E6-02C1-07567FBBC500}"/>
+                  </a:ext>
+                </a:extLst>
+              </p:cNvPr>
+              <p:cNvPicPr/>
+              <p:nvPr/>
+            </p:nvPicPr>
+            <p:blipFill>
+              <a:blip r:embed="rId9"/>
+              <a:stretch>
+                <a:fillRect/>
+              </a:stretch>
+            </p:blipFill>
+            <p:spPr>
+              <a:xfrm>
+                <a:off x="8388807" y="4619561"/>
+                <a:ext cx="126360" cy="262440"/>
+              </a:xfrm>
+              <a:prstGeom prst="rect">
+                <a:avLst/>
+              </a:prstGeom>
+            </p:spPr>
+          </p:pic>
+        </mc:Fallback>
+      </mc:AlternateContent>
+      <mc:AlternateContent xmlns:mc="http://schemas.openxmlformats.org/markup-compatibility/2006">
+        <mc:Choice xmlns:p14="http://schemas.microsoft.com/office/powerpoint/2010/main" Requires="p14">
+          <p:contentPart p14:bwMode="auto" r:id="rId10">
+            <p14:nvContentPartPr>
+              <p14:cNvPr id="29" name="Ink 28">
+                <a:extLst>
+                  <a:ext uri="{FF2B5EF4-FFF2-40B4-BE49-F238E27FC236}">
+                    <a16:creationId xmlns:a16="http://schemas.microsoft.com/office/drawing/2014/main" id="{BCAE4465-8FE7-8A27-B26A-2592F3A6A209}"/>
+                  </a:ext>
+                </a:extLst>
+              </p14:cNvPr>
+              <p14:cNvContentPartPr/>
+              <p14:nvPr/>
+            </p14:nvContentPartPr>
+            <p14:xfrm>
+              <a:off x="8523807" y="4514801"/>
+              <a:ext cx="208800" cy="247320"/>
+            </p14:xfrm>
+          </p:contentPart>
+        </mc:Choice>
+        <mc:Fallback>
+          <p:pic>
+            <p:nvPicPr>
+              <p:cNvPr id="29" name="Ink 28">
+                <a:extLst>
+                  <a:ext uri="{FF2B5EF4-FFF2-40B4-BE49-F238E27FC236}">
+                    <a16:creationId xmlns:a16="http://schemas.microsoft.com/office/drawing/2014/main" id="{BCAE4465-8FE7-8A27-B26A-2592F3A6A209}"/>
+                  </a:ext>
+                </a:extLst>
+              </p:cNvPr>
+              <p:cNvPicPr/>
+              <p:nvPr/>
+            </p:nvPicPr>
+            <p:blipFill>
+              <a:blip r:embed="rId11"/>
+              <a:stretch>
+                <a:fillRect/>
+              </a:stretch>
+            </p:blipFill>
+            <p:spPr>
+              <a:xfrm>
+                <a:off x="8515167" y="4505801"/>
+                <a:ext cx="226440" cy="264960"/>
+              </a:xfrm>
+              <a:prstGeom prst="rect">
+                <a:avLst/>
+              </a:prstGeom>
+            </p:spPr>
+          </p:pic>
+        </mc:Fallback>
+      </mc:AlternateContent>
+      <mc:AlternateContent xmlns:mc="http://schemas.openxmlformats.org/markup-compatibility/2006">
+        <mc:Choice xmlns:p14="http://schemas.microsoft.com/office/powerpoint/2010/main" Requires="p14">
+          <p:contentPart p14:bwMode="auto" r:id="rId12">
+            <p14:nvContentPartPr>
+              <p14:cNvPr id="30" name="Ink 29">
+                <a:extLst>
+                  <a:ext uri="{FF2B5EF4-FFF2-40B4-BE49-F238E27FC236}">
+                    <a16:creationId xmlns:a16="http://schemas.microsoft.com/office/drawing/2014/main" id="{00843F99-C222-9A2E-ABA3-7853205C60B1}"/>
+                  </a:ext>
+                </a:extLst>
+              </p14:cNvPr>
+              <p14:cNvContentPartPr/>
+              <p14:nvPr/>
+            </p14:nvContentPartPr>
+            <p14:xfrm>
+              <a:off x="8328327" y="4883441"/>
+              <a:ext cx="350640" cy="204480"/>
+            </p14:xfrm>
+          </p:contentPart>
+        </mc:Choice>
+        <mc:Fallback>
+          <p:pic>
+            <p:nvPicPr>
+              <p:cNvPr id="30" name="Ink 29">
+                <a:extLst>
+                  <a:ext uri="{FF2B5EF4-FFF2-40B4-BE49-F238E27FC236}">
+                    <a16:creationId xmlns:a16="http://schemas.microsoft.com/office/drawing/2014/main" id="{00843F99-C222-9A2E-ABA3-7853205C60B1}"/>
+                  </a:ext>
+                </a:extLst>
+              </p:cNvPr>
+              <p:cNvPicPr/>
+              <p:nvPr/>
+            </p:nvPicPr>
+            <p:blipFill>
+              <a:blip r:embed="rId13"/>
+              <a:stretch>
+                <a:fillRect/>
+              </a:stretch>
+            </p:blipFill>
+            <p:spPr>
+              <a:xfrm>
+                <a:off x="8319687" y="4874441"/>
+                <a:ext cx="368280" cy="222120"/>
+              </a:xfrm>
+              <a:prstGeom prst="rect">
+                <a:avLst/>
+              </a:prstGeom>
+            </p:spPr>
+          </p:pic>
+        </mc:Fallback>
+      </mc:AlternateContent>
+      <mc:AlternateContent xmlns:mc="http://schemas.openxmlformats.org/markup-compatibility/2006">
+        <mc:Choice xmlns:p14="http://schemas.microsoft.com/office/powerpoint/2010/main" Requires="p14">
+          <p:contentPart p14:bwMode="auto" r:id="rId14">
+            <p14:nvContentPartPr>
+              <p14:cNvPr id="31" name="Ink 30">
+                <a:extLst>
+                  <a:ext uri="{FF2B5EF4-FFF2-40B4-BE49-F238E27FC236}">
+                    <a16:creationId xmlns:a16="http://schemas.microsoft.com/office/drawing/2014/main" id="{C11536ED-A827-EA3D-6BE0-DD273BC8A401}"/>
+                  </a:ext>
+                </a:extLst>
+              </p14:cNvPr>
+              <p14:cNvContentPartPr/>
+              <p14:nvPr/>
+            </p14:nvContentPartPr>
+            <p14:xfrm>
+              <a:off x="8329047" y="4884161"/>
+              <a:ext cx="599760" cy="286920"/>
+            </p14:xfrm>
+          </p:contentPart>
+        </mc:Choice>
+        <mc:Fallback>
+          <p:pic>
+            <p:nvPicPr>
+              <p:cNvPr id="31" name="Ink 30">
+                <a:extLst>
+                  <a:ext uri="{FF2B5EF4-FFF2-40B4-BE49-F238E27FC236}">
+                    <a16:creationId xmlns:a16="http://schemas.microsoft.com/office/drawing/2014/main" id="{C11536ED-A827-EA3D-6BE0-DD273BC8A401}"/>
+                  </a:ext>
+                </a:extLst>
+              </p:cNvPr>
+              <p:cNvPicPr/>
+              <p:nvPr/>
+            </p:nvPicPr>
+            <p:blipFill>
+              <a:blip r:embed="rId15"/>
+              <a:stretch>
+                <a:fillRect/>
+              </a:stretch>
+            </p:blipFill>
+            <p:spPr>
+              <a:xfrm>
+                <a:off x="8320407" y="4875521"/>
+                <a:ext cx="617400" cy="304560"/>
+              </a:xfrm>
+              <a:prstGeom prst="rect">
+                <a:avLst/>
+              </a:prstGeom>
+            </p:spPr>
+          </p:pic>
+        </mc:Fallback>
+      </mc:AlternateContent>
+      <mc:AlternateContent xmlns:mc="http://schemas.openxmlformats.org/markup-compatibility/2006">
+        <mc:Choice xmlns:p14="http://schemas.microsoft.com/office/powerpoint/2010/main" Requires="p14">
+          <p:contentPart p14:bwMode="auto" r:id="rId16">
+            <p14:nvContentPartPr>
+              <p14:cNvPr id="33" name="Ink 32">
+                <a:extLst>
+                  <a:ext uri="{FF2B5EF4-FFF2-40B4-BE49-F238E27FC236}">
+                    <a16:creationId xmlns:a16="http://schemas.microsoft.com/office/drawing/2014/main" id="{E38F3D85-3A86-C980-6675-B53D8A6FD776}"/>
+                  </a:ext>
+                </a:extLst>
+              </p14:cNvPr>
+              <p14:cNvContentPartPr/>
+              <p14:nvPr/>
+            </p14:nvContentPartPr>
+            <p14:xfrm>
+              <a:off x="1297167" y="4264961"/>
+              <a:ext cx="932040" cy="1049040"/>
+            </p14:xfrm>
+          </p:contentPart>
+        </mc:Choice>
+        <mc:Fallback>
+          <p:pic>
+            <p:nvPicPr>
+              <p:cNvPr id="33" name="Ink 32">
+                <a:extLst>
+                  <a:ext uri="{FF2B5EF4-FFF2-40B4-BE49-F238E27FC236}">
+                    <a16:creationId xmlns:a16="http://schemas.microsoft.com/office/drawing/2014/main" id="{E38F3D85-3A86-C980-6675-B53D8A6FD776}"/>
+                  </a:ext>
+                </a:extLst>
+              </p:cNvPr>
+              <p:cNvPicPr/>
+              <p:nvPr/>
+            </p:nvPicPr>
+            <p:blipFill>
+              <a:blip r:embed="rId17"/>
+              <a:stretch>
+                <a:fillRect/>
+              </a:stretch>
+            </p:blipFill>
+            <p:spPr>
+              <a:xfrm>
+                <a:off x="1288167" y="4255961"/>
+                <a:ext cx="949680" cy="1066680"/>
+              </a:xfrm>
+              <a:prstGeom prst="rect">
+                <a:avLst/>
+              </a:prstGeom>
+            </p:spPr>
+          </p:pic>
+        </mc:Fallback>
+      </mc:AlternateContent>
+      <mc:AlternateContent xmlns:mc="http://schemas.openxmlformats.org/markup-compatibility/2006">
+        <mc:Choice xmlns:p14="http://schemas.microsoft.com/office/powerpoint/2010/main" Requires="p14">
+          <p:contentPart p14:bwMode="auto" r:id="rId18">
+            <p14:nvContentPartPr>
+              <p14:cNvPr id="35" name="Ink 34">
+                <a:extLst>
+                  <a:ext uri="{FF2B5EF4-FFF2-40B4-BE49-F238E27FC236}">
+                    <a16:creationId xmlns:a16="http://schemas.microsoft.com/office/drawing/2014/main" id="{3C3C60A8-79D0-49E3-C4C8-FCF5D4655A4A}"/>
+                  </a:ext>
+                </a:extLst>
+              </p14:cNvPr>
+              <p14:cNvContentPartPr/>
+              <p14:nvPr/>
+            </p14:nvContentPartPr>
+            <p14:xfrm>
+              <a:off x="2138847" y="3746201"/>
+              <a:ext cx="5686200" cy="705240"/>
+            </p14:xfrm>
+          </p:contentPart>
+        </mc:Choice>
+        <mc:Fallback>
+          <p:pic>
+            <p:nvPicPr>
+              <p:cNvPr id="35" name="Ink 34">
+                <a:extLst>
+                  <a:ext uri="{FF2B5EF4-FFF2-40B4-BE49-F238E27FC236}">
+                    <a16:creationId xmlns:a16="http://schemas.microsoft.com/office/drawing/2014/main" id="{3C3C60A8-79D0-49E3-C4C8-FCF5D4655A4A}"/>
+                  </a:ext>
+                </a:extLst>
+              </p:cNvPr>
+              <p:cNvPicPr/>
+              <p:nvPr/>
+            </p:nvPicPr>
+            <p:blipFill>
+              <a:blip r:embed="rId19"/>
+              <a:stretch>
+                <a:fillRect/>
+              </a:stretch>
+            </p:blipFill>
+            <p:spPr>
+              <a:xfrm>
+                <a:off x="2130207" y="3737201"/>
+                <a:ext cx="5703840" cy="722880"/>
+              </a:xfrm>
+              <a:prstGeom prst="rect">
+                <a:avLst/>
+              </a:prstGeom>
+            </p:spPr>
+          </p:pic>
+        </mc:Fallback>
+      </mc:AlternateContent>
+      <p:grpSp>
+        <p:nvGrpSpPr>
+          <p:cNvPr id="44" name="Group 43">
+            <a:extLst>
+              <a:ext uri="{FF2B5EF4-FFF2-40B4-BE49-F238E27FC236}">
+                <a16:creationId xmlns:a16="http://schemas.microsoft.com/office/drawing/2014/main" id="{6EC1EF47-3A7E-85A7-E176-190A650C5F16}"/>
+              </a:ext>
+            </a:extLst>
+          </p:cNvPr>
+          <p:cNvGrpSpPr/>
+          <p:nvPr/>
+        </p:nvGrpSpPr>
+        <p:grpSpPr>
+          <a:xfrm>
+            <a:off x="1308327" y="4315001"/>
+            <a:ext cx="4975200" cy="1880640"/>
+            <a:chOff x="1308327" y="4315001"/>
+            <a:chExt cx="4975200" cy="1880640"/>
+          </a:xfrm>
+        </p:grpSpPr>
+        <mc:AlternateContent xmlns:mc="http://schemas.openxmlformats.org/markup-compatibility/2006">
+          <mc:Choice xmlns:p14="http://schemas.microsoft.com/office/powerpoint/2010/main" Requires="p14">
+            <p:contentPart p14:bwMode="auto" r:id="rId20">
+              <p14:nvContentPartPr>
+                <p14:cNvPr id="13" name="Ink 12">
+                  <a:extLst>
+                    <a:ext uri="{FF2B5EF4-FFF2-40B4-BE49-F238E27FC236}">
+                      <a16:creationId xmlns:a16="http://schemas.microsoft.com/office/drawing/2014/main" id="{B600254F-6171-F64D-10F5-E8A0E9535CEA}"/>
+                    </a:ext>
+                  </a:extLst>
+                </p14:cNvPr>
+                <p14:cNvContentPartPr/>
+                <p14:nvPr/>
+              </p14:nvContentPartPr>
+              <p14:xfrm>
+                <a:off x="2648607" y="4568081"/>
+                <a:ext cx="663480" cy="140760"/>
+              </p14:xfrm>
+            </p:contentPart>
+          </mc:Choice>
+          <mc:Fallback>
+            <p:pic>
+              <p:nvPicPr>
+                <p:cNvPr id="13" name="Ink 12">
+                  <a:extLst>
+                    <a:ext uri="{FF2B5EF4-FFF2-40B4-BE49-F238E27FC236}">
+                      <a16:creationId xmlns:a16="http://schemas.microsoft.com/office/drawing/2014/main" id="{B600254F-6171-F64D-10F5-E8A0E9535CEA}"/>
+                    </a:ext>
+                  </a:extLst>
+                </p:cNvPr>
+                <p:cNvPicPr/>
+                <p:nvPr/>
+              </p:nvPicPr>
+              <p:blipFill>
+                <a:blip r:embed="rId21"/>
+                <a:stretch>
+                  <a:fillRect/>
+                </a:stretch>
+              </p:blipFill>
+              <p:spPr>
+                <a:xfrm>
+                  <a:off x="2639607" y="4559441"/>
+                  <a:ext cx="681120" cy="158400"/>
+                </a:xfrm>
+                <a:prstGeom prst="rect">
+                  <a:avLst/>
+                </a:prstGeom>
+              </p:spPr>
+            </p:pic>
+          </mc:Fallback>
+        </mc:AlternateContent>
+        <mc:AlternateContent xmlns:mc="http://schemas.openxmlformats.org/markup-compatibility/2006">
+          <mc:Choice xmlns:p14="http://schemas.microsoft.com/office/powerpoint/2010/main" Requires="p14">
+            <p:contentPart p14:bwMode="auto" r:id="rId22">
+              <p14:nvContentPartPr>
+                <p14:cNvPr id="14" name="Ink 13">
+                  <a:extLst>
+                    <a:ext uri="{FF2B5EF4-FFF2-40B4-BE49-F238E27FC236}">
+                      <a16:creationId xmlns:a16="http://schemas.microsoft.com/office/drawing/2014/main" id="{78204F08-9C4F-6582-9C7A-AD868B4ED742}"/>
+                    </a:ext>
+                  </a:extLst>
+                </p14:cNvPr>
+                <p14:cNvContentPartPr/>
+                <p14:nvPr/>
+              </p14:nvContentPartPr>
+              <p14:xfrm>
+                <a:off x="3484167" y="4315001"/>
+                <a:ext cx="174960" cy="409680"/>
+              </p14:xfrm>
+            </p:contentPart>
+          </mc:Choice>
+          <mc:Fallback>
+            <p:pic>
+              <p:nvPicPr>
+                <p:cNvPr id="14" name="Ink 13">
+                  <a:extLst>
+                    <a:ext uri="{FF2B5EF4-FFF2-40B4-BE49-F238E27FC236}">
+                      <a16:creationId xmlns:a16="http://schemas.microsoft.com/office/drawing/2014/main" id="{78204F08-9C4F-6582-9C7A-AD868B4ED742}"/>
+                    </a:ext>
+                  </a:extLst>
+                </p:cNvPr>
+                <p:cNvPicPr/>
+                <p:nvPr/>
+              </p:nvPicPr>
+              <p:blipFill>
+                <a:blip r:embed="rId23"/>
+                <a:stretch>
+                  <a:fillRect/>
+                </a:stretch>
+              </p:blipFill>
+              <p:spPr>
+                <a:xfrm>
+                  <a:off x="3475167" y="4306361"/>
+                  <a:ext cx="192600" cy="427320"/>
+                </a:xfrm>
+                <a:prstGeom prst="rect">
+                  <a:avLst/>
+                </a:prstGeom>
+              </p:spPr>
+            </p:pic>
+          </mc:Fallback>
+        </mc:AlternateContent>
+        <mc:AlternateContent xmlns:mc="http://schemas.openxmlformats.org/markup-compatibility/2006">
+          <mc:Choice xmlns:p14="http://schemas.microsoft.com/office/powerpoint/2010/main" Requires="p14">
+            <p:contentPart p14:bwMode="auto" r:id="rId24">
+              <p14:nvContentPartPr>
+                <p14:cNvPr id="15" name="Ink 14">
+                  <a:extLst>
+                    <a:ext uri="{FF2B5EF4-FFF2-40B4-BE49-F238E27FC236}">
+                      <a16:creationId xmlns:a16="http://schemas.microsoft.com/office/drawing/2014/main" id="{4BDEACA2-2E4C-9FC4-CCF1-B75CDFAAFD87}"/>
+                    </a:ext>
+                  </a:extLst>
+                </p14:cNvPr>
+                <p14:cNvContentPartPr/>
+                <p14:nvPr/>
+              </p14:nvContentPartPr>
+              <p14:xfrm>
+                <a:off x="3739767" y="4371881"/>
+                <a:ext cx="262800" cy="158040"/>
+              </p14:xfrm>
+            </p:contentPart>
+          </mc:Choice>
+          <mc:Fallback>
+            <p:pic>
+              <p:nvPicPr>
+                <p:cNvPr id="15" name="Ink 14">
+                  <a:extLst>
+                    <a:ext uri="{FF2B5EF4-FFF2-40B4-BE49-F238E27FC236}">
+                      <a16:creationId xmlns:a16="http://schemas.microsoft.com/office/drawing/2014/main" id="{4BDEACA2-2E4C-9FC4-CCF1-B75CDFAAFD87}"/>
+                    </a:ext>
+                  </a:extLst>
+                </p:cNvPr>
+                <p:cNvPicPr/>
+                <p:nvPr/>
+              </p:nvPicPr>
+              <p:blipFill>
+                <a:blip r:embed="rId25"/>
+                <a:stretch>
+                  <a:fillRect/>
+                </a:stretch>
+              </p:blipFill>
+              <p:spPr>
+                <a:xfrm>
+                  <a:off x="3731127" y="4363241"/>
+                  <a:ext cx="280440" cy="175680"/>
+                </a:xfrm>
+                <a:prstGeom prst="rect">
+                  <a:avLst/>
+                </a:prstGeom>
+              </p:spPr>
+            </p:pic>
+          </mc:Fallback>
+        </mc:AlternateContent>
+        <mc:AlternateContent xmlns:mc="http://schemas.openxmlformats.org/markup-compatibility/2006">
+          <mc:Choice xmlns:p14="http://schemas.microsoft.com/office/powerpoint/2010/main" Requires="p14">
+            <p:contentPart p14:bwMode="auto" r:id="rId26">
+              <p14:nvContentPartPr>
+                <p14:cNvPr id="16" name="Ink 15">
+                  <a:extLst>
+                    <a:ext uri="{FF2B5EF4-FFF2-40B4-BE49-F238E27FC236}">
+                      <a16:creationId xmlns:a16="http://schemas.microsoft.com/office/drawing/2014/main" id="{0C26E408-5D9A-FDCD-7FB3-B6E8600AB5C4}"/>
+                    </a:ext>
+                  </a:extLst>
+                </p14:cNvPr>
+                <p14:cNvContentPartPr/>
+                <p14:nvPr/>
+              </p14:nvContentPartPr>
+              <p14:xfrm>
+                <a:off x="3698367" y="4565201"/>
+                <a:ext cx="509040" cy="380160"/>
+              </p14:xfrm>
+            </p:contentPart>
+          </mc:Choice>
+          <mc:Fallback>
+            <p:pic>
+              <p:nvPicPr>
+                <p:cNvPr id="16" name="Ink 15">
+                  <a:extLst>
+                    <a:ext uri="{FF2B5EF4-FFF2-40B4-BE49-F238E27FC236}">
+                      <a16:creationId xmlns:a16="http://schemas.microsoft.com/office/drawing/2014/main" id="{0C26E408-5D9A-FDCD-7FB3-B6E8600AB5C4}"/>
+                    </a:ext>
+                  </a:extLst>
+                </p:cNvPr>
+                <p:cNvPicPr/>
+                <p:nvPr/>
+              </p:nvPicPr>
+              <p:blipFill>
+                <a:blip r:embed="rId27"/>
+                <a:stretch>
+                  <a:fillRect/>
+                </a:stretch>
+              </p:blipFill>
+              <p:spPr>
+                <a:xfrm>
+                  <a:off x="3689727" y="4556201"/>
+                  <a:ext cx="526680" cy="397800"/>
+                </a:xfrm>
+                <a:prstGeom prst="rect">
+                  <a:avLst/>
+                </a:prstGeom>
+              </p:spPr>
+            </p:pic>
+          </mc:Fallback>
+        </mc:AlternateContent>
+        <mc:AlternateContent xmlns:mc="http://schemas.openxmlformats.org/markup-compatibility/2006">
+          <mc:Choice xmlns:p14="http://schemas.microsoft.com/office/powerpoint/2010/main" Requires="p14">
+            <p:contentPart p14:bwMode="auto" r:id="rId28">
+              <p14:nvContentPartPr>
+                <p14:cNvPr id="17" name="Ink 16">
+                  <a:extLst>
+                    <a:ext uri="{FF2B5EF4-FFF2-40B4-BE49-F238E27FC236}">
+                      <a16:creationId xmlns:a16="http://schemas.microsoft.com/office/drawing/2014/main" id="{41305354-FDEB-5FC5-7CBD-6A5234FBA6AF}"/>
+                    </a:ext>
+                  </a:extLst>
+                </p14:cNvPr>
+                <p14:cNvContentPartPr/>
+                <p14:nvPr/>
+              </p14:nvContentPartPr>
+              <p14:xfrm>
+                <a:off x="3867567" y="4641521"/>
+                <a:ext cx="447120" cy="288000"/>
+              </p14:xfrm>
+            </p:contentPart>
+          </mc:Choice>
+          <mc:Fallback>
+            <p:pic>
+              <p:nvPicPr>
+                <p:cNvPr id="17" name="Ink 16">
+                  <a:extLst>
+                    <a:ext uri="{FF2B5EF4-FFF2-40B4-BE49-F238E27FC236}">
+                      <a16:creationId xmlns:a16="http://schemas.microsoft.com/office/drawing/2014/main" id="{41305354-FDEB-5FC5-7CBD-6A5234FBA6AF}"/>
+                    </a:ext>
+                  </a:extLst>
+                </p:cNvPr>
+                <p:cNvPicPr/>
+                <p:nvPr/>
+              </p:nvPicPr>
+              <p:blipFill>
+                <a:blip r:embed="rId29"/>
+                <a:stretch>
+                  <a:fillRect/>
+                </a:stretch>
+              </p:blipFill>
+              <p:spPr>
+                <a:xfrm>
+                  <a:off x="3858567" y="4632881"/>
+                  <a:ext cx="464760" cy="305640"/>
+                </a:xfrm>
+                <a:prstGeom prst="rect">
+                  <a:avLst/>
+                </a:prstGeom>
+              </p:spPr>
+            </p:pic>
+          </mc:Fallback>
+        </mc:AlternateContent>
+        <mc:AlternateContent xmlns:mc="http://schemas.openxmlformats.org/markup-compatibility/2006">
+          <mc:Choice xmlns:p14="http://schemas.microsoft.com/office/powerpoint/2010/main" Requires="p14">
+            <p:contentPart p14:bwMode="auto" r:id="rId30">
+              <p14:nvContentPartPr>
+                <p14:cNvPr id="4" name="Ink 3">
+                  <a:extLst>
+                    <a:ext uri="{FF2B5EF4-FFF2-40B4-BE49-F238E27FC236}">
+                      <a16:creationId xmlns:a16="http://schemas.microsoft.com/office/drawing/2014/main" id="{D6FF15AA-D503-5706-5A5F-2E774752BFA5}"/>
+                    </a:ext>
+                  </a:extLst>
+                </p14:cNvPr>
+                <p14:cNvContentPartPr/>
+                <p14:nvPr/>
+              </p14:nvContentPartPr>
+              <p14:xfrm>
+                <a:off x="1597407" y="4477001"/>
+                <a:ext cx="15840" cy="357480"/>
+              </p14:xfrm>
+            </p:contentPart>
+          </mc:Choice>
+          <mc:Fallback>
+            <p:pic>
+              <p:nvPicPr>
+                <p:cNvPr id="4" name="Ink 3">
+                  <a:extLst>
+                    <a:ext uri="{FF2B5EF4-FFF2-40B4-BE49-F238E27FC236}">
+                      <a16:creationId xmlns:a16="http://schemas.microsoft.com/office/drawing/2014/main" id="{D6FF15AA-D503-5706-5A5F-2E774752BFA5}"/>
+                    </a:ext>
+                  </a:extLst>
+                </p:cNvPr>
+                <p:cNvPicPr/>
+                <p:nvPr/>
+              </p:nvPicPr>
+              <p:blipFill>
+                <a:blip r:embed="rId31"/>
+                <a:stretch>
+                  <a:fillRect/>
+                </a:stretch>
+              </p:blipFill>
+              <p:spPr>
+                <a:xfrm>
+                  <a:off x="1588407" y="4468361"/>
+                  <a:ext cx="33480" cy="375120"/>
+                </a:xfrm>
+                <a:prstGeom prst="rect">
+                  <a:avLst/>
+                </a:prstGeom>
+              </p:spPr>
+            </p:pic>
+          </mc:Fallback>
+        </mc:AlternateContent>
+        <mc:AlternateContent xmlns:mc="http://schemas.openxmlformats.org/markup-compatibility/2006">
+          <mc:Choice xmlns:p14="http://schemas.microsoft.com/office/powerpoint/2010/main" Requires="p14">
+            <p:contentPart p14:bwMode="auto" r:id="rId32">
+              <p14:nvContentPartPr>
+                <p14:cNvPr id="5" name="Ink 4">
+                  <a:extLst>
+                    <a:ext uri="{FF2B5EF4-FFF2-40B4-BE49-F238E27FC236}">
+                      <a16:creationId xmlns:a16="http://schemas.microsoft.com/office/drawing/2014/main" id="{3B0EF6EA-FD21-A05A-C777-3391D41FA2EE}"/>
+                    </a:ext>
+                  </a:extLst>
+                </p14:cNvPr>
+                <p14:cNvContentPartPr/>
+                <p14:nvPr/>
+              </p14:nvContentPartPr>
+              <p14:xfrm>
+                <a:off x="1802247" y="4513001"/>
+                <a:ext cx="228600" cy="134280"/>
+              </p14:xfrm>
+            </p:contentPart>
+          </mc:Choice>
+          <mc:Fallback>
+            <p:pic>
+              <p:nvPicPr>
+                <p:cNvPr id="5" name="Ink 4">
+                  <a:extLst>
+                    <a:ext uri="{FF2B5EF4-FFF2-40B4-BE49-F238E27FC236}">
+                      <a16:creationId xmlns:a16="http://schemas.microsoft.com/office/drawing/2014/main" id="{3B0EF6EA-FD21-A05A-C777-3391D41FA2EE}"/>
+                    </a:ext>
+                  </a:extLst>
+                </p:cNvPr>
+                <p:cNvPicPr/>
+                <p:nvPr/>
+              </p:nvPicPr>
+              <p:blipFill>
+                <a:blip r:embed="rId33"/>
+                <a:stretch>
+                  <a:fillRect/>
+                </a:stretch>
+              </p:blipFill>
+              <p:spPr>
+                <a:xfrm>
+                  <a:off x="1793247" y="4504361"/>
+                  <a:ext cx="246240" cy="151920"/>
+                </a:xfrm>
+                <a:prstGeom prst="rect">
+                  <a:avLst/>
+                </a:prstGeom>
+              </p:spPr>
+            </p:pic>
+          </mc:Fallback>
+        </mc:AlternateContent>
+        <mc:AlternateContent xmlns:mc="http://schemas.openxmlformats.org/markup-compatibility/2006">
+          <mc:Choice xmlns:p14="http://schemas.microsoft.com/office/powerpoint/2010/main" Requires="p14">
+            <p:contentPart p14:bwMode="auto" r:id="rId34">
+              <p14:nvContentPartPr>
+                <p14:cNvPr id="7" name="Ink 6">
+                  <a:extLst>
+                    <a:ext uri="{FF2B5EF4-FFF2-40B4-BE49-F238E27FC236}">
+                      <a16:creationId xmlns:a16="http://schemas.microsoft.com/office/drawing/2014/main" id="{211E439F-AC4B-353F-2EF1-73E7BAF19060}"/>
+                    </a:ext>
+                  </a:extLst>
+                </p14:cNvPr>
+                <p14:cNvContentPartPr/>
+                <p14:nvPr/>
+              </p14:nvContentPartPr>
+              <p14:xfrm>
+                <a:off x="1818087" y="4594001"/>
+                <a:ext cx="360" cy="14400"/>
+              </p14:xfrm>
+            </p:contentPart>
+          </mc:Choice>
+          <mc:Fallback>
+            <p:pic>
+              <p:nvPicPr>
+                <p:cNvPr id="7" name="Ink 6">
+                  <a:extLst>
+                    <a:ext uri="{FF2B5EF4-FFF2-40B4-BE49-F238E27FC236}">
+                      <a16:creationId xmlns:a16="http://schemas.microsoft.com/office/drawing/2014/main" id="{211E439F-AC4B-353F-2EF1-73E7BAF19060}"/>
+                    </a:ext>
+                  </a:extLst>
+                </p:cNvPr>
+                <p:cNvPicPr/>
+                <p:nvPr/>
+              </p:nvPicPr>
+              <p:blipFill>
+                <a:blip r:embed="rId35"/>
+                <a:stretch>
+                  <a:fillRect/>
+                </a:stretch>
+              </p:blipFill>
+              <p:spPr>
+                <a:xfrm>
+                  <a:off x="1809447" y="4585361"/>
+                  <a:ext cx="18000" cy="32040"/>
+                </a:xfrm>
+                <a:prstGeom prst="rect">
+                  <a:avLst/>
+                </a:prstGeom>
+              </p:spPr>
+            </p:pic>
+          </mc:Fallback>
+        </mc:AlternateContent>
+        <mc:AlternateContent xmlns:mc="http://schemas.openxmlformats.org/markup-compatibility/2006">
+          <mc:Choice xmlns:p14="http://schemas.microsoft.com/office/powerpoint/2010/main" Requires="p14">
+            <p:contentPart p14:bwMode="auto" r:id="rId36">
+              <p14:nvContentPartPr>
+                <p14:cNvPr id="8" name="Ink 7">
+                  <a:extLst>
+                    <a:ext uri="{FF2B5EF4-FFF2-40B4-BE49-F238E27FC236}">
+                      <a16:creationId xmlns:a16="http://schemas.microsoft.com/office/drawing/2014/main" id="{25C6CBC1-73DD-61D9-80C8-122E72C9A6A3}"/>
+                    </a:ext>
+                  </a:extLst>
+                </p14:cNvPr>
+                <p14:cNvContentPartPr/>
+                <p14:nvPr/>
+              </p14:nvContentPartPr>
+              <p14:xfrm>
+                <a:off x="1581567" y="4934561"/>
+                <a:ext cx="15120" cy="360"/>
+              </p14:xfrm>
+            </p:contentPart>
+          </mc:Choice>
+          <mc:Fallback>
+            <p:pic>
+              <p:nvPicPr>
+                <p:cNvPr id="8" name="Ink 7">
+                  <a:extLst>
+                    <a:ext uri="{FF2B5EF4-FFF2-40B4-BE49-F238E27FC236}">
+                      <a16:creationId xmlns:a16="http://schemas.microsoft.com/office/drawing/2014/main" id="{25C6CBC1-73DD-61D9-80C8-122E72C9A6A3}"/>
+                    </a:ext>
+                  </a:extLst>
+                </p:cNvPr>
+                <p:cNvPicPr/>
+                <p:nvPr/>
+              </p:nvPicPr>
+              <p:blipFill>
+                <a:blip r:embed="rId37"/>
+                <a:stretch>
+                  <a:fillRect/>
+                </a:stretch>
+              </p:blipFill>
+              <p:spPr>
+                <a:xfrm>
+                  <a:off x="1572567" y="4925561"/>
+                  <a:ext cx="32760" cy="18000"/>
+                </a:xfrm>
+                <a:prstGeom prst="rect">
+                  <a:avLst/>
+                </a:prstGeom>
+              </p:spPr>
+            </p:pic>
+          </mc:Fallback>
+        </mc:AlternateContent>
+        <mc:AlternateContent xmlns:mc="http://schemas.openxmlformats.org/markup-compatibility/2006">
+          <mc:Choice xmlns:p14="http://schemas.microsoft.com/office/powerpoint/2010/main" Requires="p14">
+            <p:contentPart p14:bwMode="auto" r:id="rId38">
+              <p14:nvContentPartPr>
+                <p14:cNvPr id="9" name="Ink 8">
+                  <a:extLst>
+                    <a:ext uri="{FF2B5EF4-FFF2-40B4-BE49-F238E27FC236}">
+                      <a16:creationId xmlns:a16="http://schemas.microsoft.com/office/drawing/2014/main" id="{505DEFB3-0AB7-9B02-8F4E-11458D4A3458}"/>
+                    </a:ext>
+                  </a:extLst>
+                </p14:cNvPr>
+                <p14:cNvContentPartPr/>
+                <p14:nvPr/>
+              </p14:nvContentPartPr>
+              <p14:xfrm>
+                <a:off x="1523607" y="4960481"/>
+                <a:ext cx="227520" cy="360"/>
+              </p14:xfrm>
+            </p:contentPart>
+          </mc:Choice>
+          <mc:Fallback>
+            <p:pic>
+              <p:nvPicPr>
+                <p:cNvPr id="9" name="Ink 8">
+                  <a:extLst>
+                    <a:ext uri="{FF2B5EF4-FFF2-40B4-BE49-F238E27FC236}">
+                      <a16:creationId xmlns:a16="http://schemas.microsoft.com/office/drawing/2014/main" id="{505DEFB3-0AB7-9B02-8F4E-11458D4A3458}"/>
+                    </a:ext>
+                  </a:extLst>
+                </p:cNvPr>
+                <p:cNvPicPr/>
+                <p:nvPr/>
+              </p:nvPicPr>
+              <p:blipFill>
+                <a:blip r:embed="rId39"/>
+                <a:stretch>
+                  <a:fillRect/>
+                </a:stretch>
+              </p:blipFill>
+              <p:spPr>
+                <a:xfrm>
+                  <a:off x="1514967" y="4951841"/>
+                  <a:ext cx="245160" cy="18000"/>
+                </a:xfrm>
+                <a:prstGeom prst="rect">
+                  <a:avLst/>
+                </a:prstGeom>
+              </p:spPr>
+            </p:pic>
+          </mc:Fallback>
+        </mc:AlternateContent>
+        <mc:AlternateContent xmlns:mc="http://schemas.openxmlformats.org/markup-compatibility/2006">
+          <mc:Choice xmlns:p14="http://schemas.microsoft.com/office/powerpoint/2010/main" Requires="p14">
+            <p:contentPart p14:bwMode="auto" r:id="rId40">
+              <p14:nvContentPartPr>
+                <p14:cNvPr id="10" name="Ink 9">
+                  <a:extLst>
+                    <a:ext uri="{FF2B5EF4-FFF2-40B4-BE49-F238E27FC236}">
+                      <a16:creationId xmlns:a16="http://schemas.microsoft.com/office/drawing/2014/main" id="{C5BE908A-40F8-5521-B08A-CE2FA3A113EE}"/>
+                    </a:ext>
+                  </a:extLst>
+                </p14:cNvPr>
+                <p14:cNvContentPartPr/>
+                <p14:nvPr/>
+              </p14:nvContentPartPr>
+              <p14:xfrm>
+                <a:off x="1308327" y="5160281"/>
+                <a:ext cx="761400" cy="360"/>
+              </p14:xfrm>
+            </p:contentPart>
+          </mc:Choice>
+          <mc:Fallback>
+            <p:pic>
+              <p:nvPicPr>
+                <p:cNvPr id="10" name="Ink 9">
+                  <a:extLst>
+                    <a:ext uri="{FF2B5EF4-FFF2-40B4-BE49-F238E27FC236}">
+                      <a16:creationId xmlns:a16="http://schemas.microsoft.com/office/drawing/2014/main" id="{C5BE908A-40F8-5521-B08A-CE2FA3A113EE}"/>
+                    </a:ext>
+                  </a:extLst>
+                </p:cNvPr>
+                <p:cNvPicPr/>
+                <p:nvPr/>
+              </p:nvPicPr>
+              <p:blipFill>
+                <a:blip r:embed="rId41"/>
+                <a:stretch>
+                  <a:fillRect/>
+                </a:stretch>
+              </p:blipFill>
+              <p:spPr>
+                <a:xfrm>
+                  <a:off x="1299327" y="5151641"/>
+                  <a:ext cx="779040" cy="18000"/>
+                </a:xfrm>
+                <a:prstGeom prst="rect">
+                  <a:avLst/>
+                </a:prstGeom>
+              </p:spPr>
+            </p:pic>
+          </mc:Fallback>
+        </mc:AlternateContent>
+        <mc:AlternateContent xmlns:mc="http://schemas.openxmlformats.org/markup-compatibility/2006">
+          <mc:Choice xmlns:p14="http://schemas.microsoft.com/office/powerpoint/2010/main" Requires="p14">
+            <p:contentPart p14:bwMode="auto" r:id="rId42">
+              <p14:nvContentPartPr>
+                <p14:cNvPr id="19" name="Ink 18">
+                  <a:extLst>
+                    <a:ext uri="{FF2B5EF4-FFF2-40B4-BE49-F238E27FC236}">
+                      <a16:creationId xmlns:a16="http://schemas.microsoft.com/office/drawing/2014/main" id="{43DE05B9-039F-78F0-FBD9-B44EECC2071D}"/>
+                    </a:ext>
+                  </a:extLst>
+                </p14:cNvPr>
+                <p14:cNvContentPartPr/>
+                <p14:nvPr/>
+              </p14:nvContentPartPr>
+              <p14:xfrm>
+                <a:off x="1975407" y="5401841"/>
+                <a:ext cx="3152160" cy="515160"/>
+              </p14:xfrm>
+            </p:contentPart>
+          </mc:Choice>
+          <mc:Fallback>
+            <p:pic>
+              <p:nvPicPr>
+                <p:cNvPr id="19" name="Ink 18">
+                  <a:extLst>
+                    <a:ext uri="{FF2B5EF4-FFF2-40B4-BE49-F238E27FC236}">
+                      <a16:creationId xmlns:a16="http://schemas.microsoft.com/office/drawing/2014/main" id="{43DE05B9-039F-78F0-FBD9-B44EECC2071D}"/>
+                    </a:ext>
+                  </a:extLst>
+                </p:cNvPr>
+                <p:cNvPicPr/>
+                <p:nvPr/>
+              </p:nvPicPr>
+              <p:blipFill>
+                <a:blip r:embed="rId43"/>
+                <a:stretch>
+                  <a:fillRect/>
+                </a:stretch>
+              </p:blipFill>
+              <p:spPr>
+                <a:xfrm>
+                  <a:off x="1966767" y="5393201"/>
+                  <a:ext cx="3169800" cy="532800"/>
+                </a:xfrm>
+                <a:prstGeom prst="rect">
+                  <a:avLst/>
+                </a:prstGeom>
+              </p:spPr>
+            </p:pic>
+          </mc:Fallback>
+        </mc:AlternateContent>
+        <mc:AlternateContent xmlns:mc="http://schemas.openxmlformats.org/markup-compatibility/2006">
+          <mc:Choice xmlns:p14="http://schemas.microsoft.com/office/powerpoint/2010/main" Requires="p14">
+            <p:contentPart p14:bwMode="auto" r:id="rId44">
+              <p14:nvContentPartPr>
+                <p14:cNvPr id="20" name="Ink 19">
+                  <a:extLst>
+                    <a:ext uri="{FF2B5EF4-FFF2-40B4-BE49-F238E27FC236}">
+                      <a16:creationId xmlns:a16="http://schemas.microsoft.com/office/drawing/2014/main" id="{32FDCD14-9B1C-A4B0-2311-2912BF89833C}"/>
+                    </a:ext>
+                  </a:extLst>
+                </p14:cNvPr>
+                <p14:cNvContentPartPr/>
+                <p14:nvPr/>
+              </p14:nvContentPartPr>
+              <p14:xfrm>
+                <a:off x="5050167" y="5613881"/>
+                <a:ext cx="420480" cy="412560"/>
+              </p14:xfrm>
+            </p:contentPart>
+          </mc:Choice>
+          <mc:Fallback>
+            <p:pic>
+              <p:nvPicPr>
+                <p:cNvPr id="20" name="Ink 19">
+                  <a:extLst>
+                    <a:ext uri="{FF2B5EF4-FFF2-40B4-BE49-F238E27FC236}">
+                      <a16:creationId xmlns:a16="http://schemas.microsoft.com/office/drawing/2014/main" id="{32FDCD14-9B1C-A4B0-2311-2912BF89833C}"/>
+                    </a:ext>
+                  </a:extLst>
+                </p:cNvPr>
+                <p:cNvPicPr/>
+                <p:nvPr/>
+              </p:nvPicPr>
+              <p:blipFill>
+                <a:blip r:embed="rId45"/>
+                <a:stretch>
+                  <a:fillRect/>
+                </a:stretch>
+              </p:blipFill>
+              <p:spPr>
+                <a:xfrm>
+                  <a:off x="5041167" y="5605241"/>
+                  <a:ext cx="438120" cy="430200"/>
+                </a:xfrm>
+                <a:prstGeom prst="rect">
+                  <a:avLst/>
+                </a:prstGeom>
+              </p:spPr>
+            </p:pic>
+          </mc:Fallback>
+        </mc:AlternateContent>
+        <mc:AlternateContent xmlns:mc="http://schemas.openxmlformats.org/markup-compatibility/2006">
+          <mc:Choice xmlns:p14="http://schemas.microsoft.com/office/powerpoint/2010/main" Requires="p14">
+            <p:contentPart p14:bwMode="auto" r:id="rId46">
+              <p14:nvContentPartPr>
+                <p14:cNvPr id="21" name="Ink 20">
+                  <a:extLst>
+                    <a:ext uri="{FF2B5EF4-FFF2-40B4-BE49-F238E27FC236}">
+                      <a16:creationId xmlns:a16="http://schemas.microsoft.com/office/drawing/2014/main" id="{AA2667BF-EB94-78D2-2FB7-0AE45597F4AF}"/>
+                    </a:ext>
+                  </a:extLst>
+                </p14:cNvPr>
+                <p14:cNvContentPartPr/>
+                <p14:nvPr/>
+              </p14:nvContentPartPr>
+              <p14:xfrm>
+                <a:off x="5249967" y="5957321"/>
+                <a:ext cx="408240" cy="186120"/>
+              </p14:xfrm>
+            </p:contentPart>
+          </mc:Choice>
+          <mc:Fallback>
+            <p:pic>
+              <p:nvPicPr>
+                <p:cNvPr id="21" name="Ink 20">
+                  <a:extLst>
+                    <a:ext uri="{FF2B5EF4-FFF2-40B4-BE49-F238E27FC236}">
+                      <a16:creationId xmlns:a16="http://schemas.microsoft.com/office/drawing/2014/main" id="{AA2667BF-EB94-78D2-2FB7-0AE45597F4AF}"/>
+                    </a:ext>
+                  </a:extLst>
+                </p:cNvPr>
+                <p:cNvPicPr/>
+                <p:nvPr/>
+              </p:nvPicPr>
+              <p:blipFill>
+                <a:blip r:embed="rId47"/>
+                <a:stretch>
+                  <a:fillRect/>
+                </a:stretch>
+              </p:blipFill>
+              <p:spPr>
+                <a:xfrm>
+                  <a:off x="5240967" y="5948681"/>
+                  <a:ext cx="425880" cy="203760"/>
+                </a:xfrm>
+                <a:prstGeom prst="rect">
+                  <a:avLst/>
+                </a:prstGeom>
+              </p:spPr>
+            </p:pic>
+          </mc:Fallback>
+        </mc:AlternateContent>
+        <mc:AlternateContent xmlns:mc="http://schemas.openxmlformats.org/markup-compatibility/2006">
+          <mc:Choice xmlns:p14="http://schemas.microsoft.com/office/powerpoint/2010/main" Requires="p14">
+            <p:contentPart p14:bwMode="auto" r:id="rId48">
+              <p14:nvContentPartPr>
+                <p14:cNvPr id="22" name="Ink 21">
+                  <a:extLst>
+                    <a:ext uri="{FF2B5EF4-FFF2-40B4-BE49-F238E27FC236}">
+                      <a16:creationId xmlns:a16="http://schemas.microsoft.com/office/drawing/2014/main" id="{C299AFC6-036D-60C5-5E72-84C65C2983F3}"/>
+                    </a:ext>
+                  </a:extLst>
+                </p14:cNvPr>
+                <p14:cNvContentPartPr/>
+                <p14:nvPr/>
+              </p14:nvContentPartPr>
+              <p14:xfrm>
+                <a:off x="5302527" y="6013841"/>
+                <a:ext cx="285120" cy="176760"/>
+              </p14:xfrm>
+            </p:contentPart>
+          </mc:Choice>
+          <mc:Fallback>
+            <p:pic>
+              <p:nvPicPr>
+                <p:cNvPr id="22" name="Ink 21">
+                  <a:extLst>
+                    <a:ext uri="{FF2B5EF4-FFF2-40B4-BE49-F238E27FC236}">
+                      <a16:creationId xmlns:a16="http://schemas.microsoft.com/office/drawing/2014/main" id="{C299AFC6-036D-60C5-5E72-84C65C2983F3}"/>
+                    </a:ext>
+                  </a:extLst>
+                </p:cNvPr>
+                <p:cNvPicPr/>
+                <p:nvPr/>
+              </p:nvPicPr>
+              <p:blipFill>
+                <a:blip r:embed="rId49"/>
+                <a:stretch>
+                  <a:fillRect/>
+                </a:stretch>
+              </p:blipFill>
+              <p:spPr>
+                <a:xfrm>
+                  <a:off x="5293527" y="6005201"/>
+                  <a:ext cx="302760" cy="194400"/>
+                </a:xfrm>
+                <a:prstGeom prst="rect">
+                  <a:avLst/>
+                </a:prstGeom>
+              </p:spPr>
+            </p:pic>
+          </mc:Fallback>
+        </mc:AlternateContent>
+        <mc:AlternateContent xmlns:mc="http://schemas.openxmlformats.org/markup-compatibility/2006">
+          <mc:Choice xmlns:p14="http://schemas.microsoft.com/office/powerpoint/2010/main" Requires="p14">
+            <p:contentPart p14:bwMode="auto" r:id="rId50">
+              <p14:nvContentPartPr>
+                <p14:cNvPr id="37" name="Ink 36">
+                  <a:extLst>
+                    <a:ext uri="{FF2B5EF4-FFF2-40B4-BE49-F238E27FC236}">
+                      <a16:creationId xmlns:a16="http://schemas.microsoft.com/office/drawing/2014/main" id="{73C58182-0CBF-4884-DCDE-BD36B2DDFC5F}"/>
+                    </a:ext>
+                  </a:extLst>
+                </p14:cNvPr>
+                <p14:cNvContentPartPr/>
+                <p14:nvPr/>
+              </p14:nvContentPartPr>
+              <p14:xfrm>
+                <a:off x="5302527" y="6019601"/>
+                <a:ext cx="219240" cy="128880"/>
+              </p14:xfrm>
+            </p:contentPart>
+          </mc:Choice>
+          <mc:Fallback>
+            <p:pic>
+              <p:nvPicPr>
+                <p:cNvPr id="37" name="Ink 36">
+                  <a:extLst>
+                    <a:ext uri="{FF2B5EF4-FFF2-40B4-BE49-F238E27FC236}">
+                      <a16:creationId xmlns:a16="http://schemas.microsoft.com/office/drawing/2014/main" id="{73C58182-0CBF-4884-DCDE-BD36B2DDFC5F}"/>
+                    </a:ext>
+                  </a:extLst>
+                </p:cNvPr>
+                <p:cNvPicPr/>
+                <p:nvPr/>
+              </p:nvPicPr>
+              <p:blipFill>
+                <a:blip r:embed="rId51"/>
+                <a:stretch>
+                  <a:fillRect/>
+                </a:stretch>
+              </p:blipFill>
+              <p:spPr>
+                <a:xfrm>
+                  <a:off x="5293527" y="6010961"/>
+                  <a:ext cx="236880" cy="146520"/>
+                </a:xfrm>
+                <a:prstGeom prst="rect">
+                  <a:avLst/>
+                </a:prstGeom>
+              </p:spPr>
+            </p:pic>
+          </mc:Fallback>
+        </mc:AlternateContent>
+        <mc:AlternateContent xmlns:mc="http://schemas.openxmlformats.org/markup-compatibility/2006">
+          <mc:Choice xmlns:p14="http://schemas.microsoft.com/office/powerpoint/2010/main" Requires="p14">
+            <p:contentPart p14:bwMode="auto" r:id="rId52">
+              <p14:nvContentPartPr>
+                <p14:cNvPr id="38" name="Ink 37">
+                  <a:extLst>
+                    <a:ext uri="{FF2B5EF4-FFF2-40B4-BE49-F238E27FC236}">
+                      <a16:creationId xmlns:a16="http://schemas.microsoft.com/office/drawing/2014/main" id="{5E34C4A8-638E-85B3-A01B-2CCFA175320E}"/>
+                    </a:ext>
+                  </a:extLst>
+                </p14:cNvPr>
+                <p14:cNvContentPartPr/>
+                <p14:nvPr/>
+              </p14:nvContentPartPr>
+              <p14:xfrm>
+                <a:off x="5270847" y="6041561"/>
+                <a:ext cx="339840" cy="154080"/>
+              </p14:xfrm>
+            </p:contentPart>
+          </mc:Choice>
+          <mc:Fallback>
+            <p:pic>
+              <p:nvPicPr>
+                <p:cNvPr id="38" name="Ink 37">
+                  <a:extLst>
+                    <a:ext uri="{FF2B5EF4-FFF2-40B4-BE49-F238E27FC236}">
+                      <a16:creationId xmlns:a16="http://schemas.microsoft.com/office/drawing/2014/main" id="{5E34C4A8-638E-85B3-A01B-2CCFA175320E}"/>
+                    </a:ext>
+                  </a:extLst>
+                </p:cNvPr>
+                <p:cNvPicPr/>
+                <p:nvPr/>
+              </p:nvPicPr>
+              <p:blipFill>
+                <a:blip r:embed="rId53"/>
+                <a:stretch>
+                  <a:fillRect/>
+                </a:stretch>
+              </p:blipFill>
+              <p:spPr>
+                <a:xfrm>
+                  <a:off x="5261847" y="6032921"/>
+                  <a:ext cx="357480" cy="171720"/>
+                </a:xfrm>
+                <a:prstGeom prst="rect">
+                  <a:avLst/>
+                </a:prstGeom>
+              </p:spPr>
+            </p:pic>
+          </mc:Fallback>
+        </mc:AlternateContent>
+        <mc:AlternateContent xmlns:mc="http://schemas.openxmlformats.org/markup-compatibility/2006">
+          <mc:Choice xmlns:p14="http://schemas.microsoft.com/office/powerpoint/2010/main" Requires="p14">
+            <p:contentPart p14:bwMode="auto" r:id="rId54">
+              <p14:nvContentPartPr>
+                <p14:cNvPr id="40" name="Ink 39">
+                  <a:extLst>
+                    <a:ext uri="{FF2B5EF4-FFF2-40B4-BE49-F238E27FC236}">
+                      <a16:creationId xmlns:a16="http://schemas.microsoft.com/office/drawing/2014/main" id="{0BF72C25-63CC-B5CF-7D76-C12BD4856963}"/>
+                    </a:ext>
+                  </a:extLst>
+                </p14:cNvPr>
+                <p14:cNvContentPartPr/>
+                <p14:nvPr/>
+              </p14:nvContentPartPr>
+              <p14:xfrm>
+                <a:off x="5370567" y="5259281"/>
+                <a:ext cx="178920" cy="332640"/>
+              </p14:xfrm>
+            </p:contentPart>
+          </mc:Choice>
+          <mc:Fallback>
+            <p:pic>
+              <p:nvPicPr>
+                <p:cNvPr id="40" name="Ink 39">
+                  <a:extLst>
+                    <a:ext uri="{FF2B5EF4-FFF2-40B4-BE49-F238E27FC236}">
+                      <a16:creationId xmlns:a16="http://schemas.microsoft.com/office/drawing/2014/main" id="{0BF72C25-63CC-B5CF-7D76-C12BD4856963}"/>
+                    </a:ext>
+                  </a:extLst>
+                </p:cNvPr>
+                <p:cNvPicPr/>
+                <p:nvPr/>
+              </p:nvPicPr>
+              <p:blipFill>
+                <a:blip r:embed="rId55"/>
+                <a:stretch>
+                  <a:fillRect/>
+                </a:stretch>
+              </p:blipFill>
+              <p:spPr>
+                <a:xfrm>
+                  <a:off x="5361567" y="5250281"/>
+                  <a:ext cx="196560" cy="350280"/>
+                </a:xfrm>
+                <a:prstGeom prst="rect">
+                  <a:avLst/>
+                </a:prstGeom>
+              </p:spPr>
+            </p:pic>
+          </mc:Fallback>
+        </mc:AlternateContent>
+        <mc:AlternateContent xmlns:mc="http://schemas.openxmlformats.org/markup-compatibility/2006">
+          <mc:Choice xmlns:p14="http://schemas.microsoft.com/office/powerpoint/2010/main" Requires="p14">
+            <p:contentPart p14:bwMode="auto" r:id="rId56">
+              <p14:nvContentPartPr>
+                <p14:cNvPr id="41" name="Ink 40">
+                  <a:extLst>
+                    <a:ext uri="{FF2B5EF4-FFF2-40B4-BE49-F238E27FC236}">
+                      <a16:creationId xmlns:a16="http://schemas.microsoft.com/office/drawing/2014/main" id="{E7373C6C-C05E-4531-1F7D-409CA6208031}"/>
+                    </a:ext>
+                  </a:extLst>
+                </p14:cNvPr>
+                <p14:cNvContentPartPr/>
+                <p14:nvPr/>
+              </p14:nvContentPartPr>
+              <p14:xfrm>
+                <a:off x="5680527" y="5034281"/>
+                <a:ext cx="138960" cy="195120"/>
+              </p14:xfrm>
+            </p:contentPart>
+          </mc:Choice>
+          <mc:Fallback>
+            <p:pic>
+              <p:nvPicPr>
+                <p:cNvPr id="41" name="Ink 40">
+                  <a:extLst>
+                    <a:ext uri="{FF2B5EF4-FFF2-40B4-BE49-F238E27FC236}">
+                      <a16:creationId xmlns:a16="http://schemas.microsoft.com/office/drawing/2014/main" id="{E7373C6C-C05E-4531-1F7D-409CA6208031}"/>
+                    </a:ext>
+                  </a:extLst>
+                </p:cNvPr>
+                <p:cNvPicPr/>
+                <p:nvPr/>
+              </p:nvPicPr>
+              <p:blipFill>
+                <a:blip r:embed="rId57"/>
+                <a:stretch>
+                  <a:fillRect/>
+                </a:stretch>
+              </p:blipFill>
+              <p:spPr>
+                <a:xfrm>
+                  <a:off x="5671887" y="5025281"/>
+                  <a:ext cx="156600" cy="212760"/>
+                </a:xfrm>
+                <a:prstGeom prst="rect">
+                  <a:avLst/>
+                </a:prstGeom>
+              </p:spPr>
+            </p:pic>
+          </mc:Fallback>
+        </mc:AlternateContent>
+        <mc:AlternateContent xmlns:mc="http://schemas.openxmlformats.org/markup-compatibility/2006">
+          <mc:Choice xmlns:p14="http://schemas.microsoft.com/office/powerpoint/2010/main" Requires="p14">
+            <p:contentPart p14:bwMode="auto" r:id="rId58">
+              <p14:nvContentPartPr>
+                <p14:cNvPr id="42" name="Ink 41">
+                  <a:extLst>
+                    <a:ext uri="{FF2B5EF4-FFF2-40B4-BE49-F238E27FC236}">
+                      <a16:creationId xmlns:a16="http://schemas.microsoft.com/office/drawing/2014/main" id="{AD404BBD-B2C8-499B-B9CE-3120120E5907}"/>
+                    </a:ext>
+                  </a:extLst>
+                </p14:cNvPr>
+                <p14:cNvContentPartPr/>
+                <p14:nvPr/>
+              </p14:nvContentPartPr>
+              <p14:xfrm>
+                <a:off x="5580807" y="5655281"/>
+                <a:ext cx="572760" cy="30960"/>
+              </p14:xfrm>
+            </p:contentPart>
+          </mc:Choice>
+          <mc:Fallback>
+            <p:pic>
+              <p:nvPicPr>
+                <p:cNvPr id="42" name="Ink 41">
+                  <a:extLst>
+                    <a:ext uri="{FF2B5EF4-FFF2-40B4-BE49-F238E27FC236}">
+                      <a16:creationId xmlns:a16="http://schemas.microsoft.com/office/drawing/2014/main" id="{AD404BBD-B2C8-499B-B9CE-3120120E5907}"/>
+                    </a:ext>
+                  </a:extLst>
+                </p:cNvPr>
+                <p:cNvPicPr/>
+                <p:nvPr/>
+              </p:nvPicPr>
+              <p:blipFill>
+                <a:blip r:embed="rId59"/>
+                <a:stretch>
+                  <a:fillRect/>
+                </a:stretch>
+              </p:blipFill>
+              <p:spPr>
+                <a:xfrm>
+                  <a:off x="5571807" y="5646641"/>
+                  <a:ext cx="590400" cy="48600"/>
+                </a:xfrm>
+                <a:prstGeom prst="rect">
+                  <a:avLst/>
+                </a:prstGeom>
+              </p:spPr>
+            </p:pic>
+          </mc:Fallback>
+        </mc:AlternateContent>
+        <mc:AlternateContent xmlns:mc="http://schemas.openxmlformats.org/markup-compatibility/2006">
+          <mc:Choice xmlns:p14="http://schemas.microsoft.com/office/powerpoint/2010/main" Requires="p14">
+            <p:contentPart p14:bwMode="auto" r:id="rId60">
+              <p14:nvContentPartPr>
+                <p14:cNvPr id="43" name="Ink 42">
+                  <a:extLst>
+                    <a:ext uri="{FF2B5EF4-FFF2-40B4-BE49-F238E27FC236}">
+                      <a16:creationId xmlns:a16="http://schemas.microsoft.com/office/drawing/2014/main" id="{CC5A981F-ED2A-31A3-B236-7357454EE863}"/>
+                    </a:ext>
+                  </a:extLst>
+                </p14:cNvPr>
+                <p14:cNvContentPartPr/>
+                <p14:nvPr/>
+              </p14:nvContentPartPr>
+              <p14:xfrm>
+                <a:off x="6211167" y="5564921"/>
+                <a:ext cx="72360" cy="140760"/>
+              </p14:xfrm>
+            </p:contentPart>
+          </mc:Choice>
+          <mc:Fallback>
+            <p:pic>
+              <p:nvPicPr>
+                <p:cNvPr id="43" name="Ink 42">
+                  <a:extLst>
+                    <a:ext uri="{FF2B5EF4-FFF2-40B4-BE49-F238E27FC236}">
+                      <a16:creationId xmlns:a16="http://schemas.microsoft.com/office/drawing/2014/main" id="{CC5A981F-ED2A-31A3-B236-7357454EE863}"/>
+                    </a:ext>
+                  </a:extLst>
+                </p:cNvPr>
+                <p:cNvPicPr/>
+                <p:nvPr/>
+              </p:nvPicPr>
+              <p:blipFill>
+                <a:blip r:embed="rId61"/>
+                <a:stretch>
+                  <a:fillRect/>
+                </a:stretch>
+              </p:blipFill>
+              <p:spPr>
+                <a:xfrm>
+                  <a:off x="6202527" y="5556281"/>
+                  <a:ext cx="90000" cy="158400"/>
+                </a:xfrm>
+                <a:prstGeom prst="rect">
+                  <a:avLst/>
+                </a:prstGeom>
+              </p:spPr>
+            </p:pic>
+          </mc:Fallback>
+        </mc:AlternateContent>
+      </p:grpSp>
+    </p:spTree>
+    <p:extLst>
+      <p:ext uri="{BB962C8B-B14F-4D97-AF65-F5344CB8AC3E}">
+        <p14:creationId xmlns:p14="http://schemas.microsoft.com/office/powerpoint/2010/main" val="727758888"/>
+      </p:ext>
+    </p:extLst>
+  </p:cSld>
+  <p:clrMapOvr>
+    <a:masterClrMapping/>
+  </p:clrMapOvr>
+</p:sld>
+</file>
+
+<file path=ppt/slides/slide18.xml><?xml version="1.0" encoding="utf-8"?>
+<p:sld xmlns:a="http://schemas.openxmlformats.org/drawingml/2006/main" xmlns:r="http://schemas.openxmlformats.org/officeDocument/2006/relationships" xmlns:p="http://schemas.openxmlformats.org/presentationml/2006/main">
+  <p:cSld>
+    <p:spTree>
+      <p:nvGrpSpPr>
+        <p:cNvPr id="1" name=""/>
+        <p:cNvGrpSpPr/>
+        <p:nvPr/>
+      </p:nvGrpSpPr>
+      <p:grpSpPr>
+        <a:xfrm>
+          <a:off x="0" y="0"/>
+          <a:ext cx="0" cy="0"/>
+          <a:chOff x="0" y="0"/>
+          <a:chExt cx="0" cy="0"/>
+        </a:xfrm>
+      </p:grpSpPr>
+      <p:sp>
+        <p:nvSpPr>
+          <p:cNvPr id="2" name="Title 1">
+            <a:extLst>
+              <a:ext uri="{FF2B5EF4-FFF2-40B4-BE49-F238E27FC236}">
+                <a16:creationId xmlns:a16="http://schemas.microsoft.com/office/drawing/2014/main" id="{1F4E113D-6A27-708F-F358-D2A73C7F906E}"/>
+              </a:ext>
+            </a:extLst>
+          </p:cNvPr>
+          <p:cNvSpPr>
+            <a:spLocks noGrp="1"/>
+          </p:cNvSpPr>
+          <p:nvPr>
+            <p:ph type="ctrTitle"/>
+          </p:nvPr>
+        </p:nvSpPr>
+        <p:spPr/>
+        <p:txBody>
+          <a:bodyPr/>
+          <a:lstStyle/>
+          <a:p>
+            <a:r>
+              <a:rPr lang="en-US" dirty="0"/>
+              <a:t>Role-based Access Control</a:t>
+            </a:r>
+            <a:endParaRPr lang="en-IN" dirty="0"/>
+          </a:p>
+        </p:txBody>
+      </p:sp>
+      <p:sp>
+        <p:nvSpPr>
+          <p:cNvPr id="3" name="Subtitle 2">
+            <a:extLst>
+              <a:ext uri="{FF2B5EF4-FFF2-40B4-BE49-F238E27FC236}">
+                <a16:creationId xmlns:a16="http://schemas.microsoft.com/office/drawing/2014/main" id="{51F87DBD-30BF-3B21-6A7E-11397ECA67B5}"/>
+              </a:ext>
+            </a:extLst>
+          </p:cNvPr>
+          <p:cNvSpPr>
+            <a:spLocks noGrp="1"/>
+          </p:cNvSpPr>
+          <p:nvPr>
+            <p:ph type="subTitle" idx="1"/>
+          </p:nvPr>
+        </p:nvSpPr>
+        <p:spPr/>
+        <p:txBody>
+          <a:bodyPr/>
+          <a:lstStyle/>
+          <a:p>
+            <a:endParaRPr lang="en-IN"/>
+          </a:p>
+        </p:txBody>
+      </p:sp>
+    </p:spTree>
+    <p:extLst>
+      <p:ext uri="{BB962C8B-B14F-4D97-AF65-F5344CB8AC3E}">
+        <p14:creationId xmlns:p14="http://schemas.microsoft.com/office/powerpoint/2010/main" val="2445571232"/>
+      </p:ext>
+    </p:extLst>
+  </p:cSld>
+  <p:clrMapOvr>
+    <a:masterClrMapping/>
+  </p:clrMapOvr>
+</p:sld>
+</file>
+
+<file path=ppt/slides/slide19.xml><?xml version="1.0" encoding="utf-8"?>
+<p:sld xmlns:a="http://schemas.openxmlformats.org/drawingml/2006/main" xmlns:r="http://schemas.openxmlformats.org/officeDocument/2006/relationships" xmlns:p="http://schemas.openxmlformats.org/presentationml/2006/main">
+  <p:cSld>
+    <p:spTree>
+      <p:nvGrpSpPr>
+        <p:cNvPr id="1" name=""/>
+        <p:cNvGrpSpPr/>
+        <p:nvPr/>
+      </p:nvGrpSpPr>
+      <p:grpSpPr>
+        <a:xfrm>
+          <a:off x="0" y="0"/>
+          <a:ext cx="0" cy="0"/>
+          <a:chOff x="0" y="0"/>
+          <a:chExt cx="0" cy="0"/>
+        </a:xfrm>
+      </p:grpSpPr>
+      <p:sp>
+        <p:nvSpPr>
+          <p:cNvPr id="2" name="Title 1">
+            <a:extLst>
+              <a:ext uri="{FF2B5EF4-FFF2-40B4-BE49-F238E27FC236}">
+                <a16:creationId xmlns:a16="http://schemas.microsoft.com/office/drawing/2014/main" id="{0255A688-FD2B-A20C-7CD3-D4AF0BFDAF08}"/>
+              </a:ext>
+            </a:extLst>
+          </p:cNvPr>
+          <p:cNvSpPr>
+            <a:spLocks noGrp="1"/>
+          </p:cNvSpPr>
+          <p:nvPr>
+            <p:ph type="title"/>
+          </p:nvPr>
+        </p:nvSpPr>
+        <p:spPr/>
+        <p:txBody>
+          <a:bodyPr/>
+          <a:lstStyle/>
+          <a:p>
+            <a:r>
+              <a:rPr lang="en-US" dirty="0"/>
+              <a:t>RBAC</a:t>
+            </a:r>
+            <a:endParaRPr lang="en-IN" dirty="0"/>
+          </a:p>
+        </p:txBody>
+      </p:sp>
+      <p:sp>
+        <p:nvSpPr>
+          <p:cNvPr id="3" name="Content Placeholder 2">
+            <a:extLst>
+              <a:ext uri="{FF2B5EF4-FFF2-40B4-BE49-F238E27FC236}">
+                <a16:creationId xmlns:a16="http://schemas.microsoft.com/office/drawing/2014/main" id="{0B36C364-863A-F445-E7A0-EE714BB33046}"/>
+              </a:ext>
+            </a:extLst>
+          </p:cNvPr>
+          <p:cNvSpPr>
+            <a:spLocks noGrp="1"/>
+          </p:cNvSpPr>
+          <p:nvPr>
+            <p:ph idx="1"/>
+          </p:nvPr>
+        </p:nvSpPr>
+        <p:spPr/>
+        <p:txBody>
+          <a:bodyPr/>
+          <a:lstStyle/>
+          <a:p>
+            <a:r>
+              <a:rPr lang="en-US" dirty="0"/>
+              <a:t>Capability for you to grant appropriate access to Azure AD users, groups and services.</a:t>
+            </a:r>
+            <a:endParaRPr lang="en-IN" dirty="0"/>
+          </a:p>
+        </p:txBody>
+      </p:sp>
+    </p:spTree>
+    <p:extLst>
+      <p:ext uri="{BB962C8B-B14F-4D97-AF65-F5344CB8AC3E}">
+        <p14:creationId xmlns:p14="http://schemas.microsoft.com/office/powerpoint/2010/main" val="2521259959"/>
+      </p:ext>
+    </p:extLst>
+  </p:cSld>
+  <p:clrMapOvr>
+    <a:masterClrMapping/>
+  </p:clrMapOvr>
+</p:sld>
+</file>
+
 <file path=ppt/slides/slide2.xml><?xml version="1.0" encoding="utf-8"?>
 <p:sld xmlns:a="http://schemas.openxmlformats.org/drawingml/2006/main" xmlns:r="http://schemas.openxmlformats.org/officeDocument/2006/relationships" xmlns:p="http://schemas.openxmlformats.org/presentationml/2006/main">
   <p:cSld>
@@ -4368,6 +7222,1559 @@
     <p:extLst>
       <p:ext uri="{BB962C8B-B14F-4D97-AF65-F5344CB8AC3E}">
         <p14:creationId xmlns:p14="http://schemas.microsoft.com/office/powerpoint/2010/main" val="2502346759"/>
+      </p:ext>
+    </p:extLst>
+  </p:cSld>
+  <p:clrMapOvr>
+    <a:masterClrMapping/>
+  </p:clrMapOvr>
+</p:sld>
+</file>
+
+<file path=ppt/slides/slide20.xml><?xml version="1.0" encoding="utf-8"?>
+<p:sld xmlns:a="http://schemas.openxmlformats.org/drawingml/2006/main" xmlns:r="http://schemas.openxmlformats.org/officeDocument/2006/relationships" xmlns:p="http://schemas.openxmlformats.org/presentationml/2006/main">
+  <p:cSld>
+    <p:spTree>
+      <p:nvGrpSpPr>
+        <p:cNvPr id="1" name=""/>
+        <p:cNvGrpSpPr/>
+        <p:nvPr/>
+      </p:nvGrpSpPr>
+      <p:grpSpPr>
+        <a:xfrm>
+          <a:off x="0" y="0"/>
+          <a:ext cx="0" cy="0"/>
+          <a:chOff x="0" y="0"/>
+          <a:chExt cx="0" cy="0"/>
+        </a:xfrm>
+      </p:grpSpPr>
+      <p:sp>
+        <p:nvSpPr>
+          <p:cNvPr id="2" name="Title 1">
+            <a:extLst>
+              <a:ext uri="{FF2B5EF4-FFF2-40B4-BE49-F238E27FC236}">
+                <a16:creationId xmlns:a16="http://schemas.microsoft.com/office/drawing/2014/main" id="{BAAF02E0-1D30-6215-223F-20391D805ABB}"/>
+              </a:ext>
+            </a:extLst>
+          </p:cNvPr>
+          <p:cNvSpPr>
+            <a:spLocks noGrp="1"/>
+          </p:cNvSpPr>
+          <p:nvPr>
+            <p:ph type="title"/>
+          </p:nvPr>
+        </p:nvSpPr>
+        <p:spPr/>
+        <p:txBody>
+          <a:bodyPr/>
+          <a:lstStyle/>
+          <a:p>
+            <a:r>
+              <a:rPr lang="en-US" dirty="0"/>
+              <a:t>RBAC</a:t>
+            </a:r>
+            <a:endParaRPr lang="en-IN" dirty="0"/>
+          </a:p>
+        </p:txBody>
+      </p:sp>
+      <p:pic>
+        <p:nvPicPr>
+          <p:cNvPr id="1026" name="Picture 2" descr="Azure Role Based Access Control | Mai Ali's Technical Blog">
+            <a:extLst>
+              <a:ext uri="{FF2B5EF4-FFF2-40B4-BE49-F238E27FC236}">
+                <a16:creationId xmlns:a16="http://schemas.microsoft.com/office/drawing/2014/main" id="{6363123F-FB50-0AFF-FAE4-C6498BFFAB2A}"/>
+              </a:ext>
+            </a:extLst>
+          </p:cNvPr>
+          <p:cNvPicPr>
+            <a:picLocks noGrp="1" noChangeAspect="1" noChangeArrowheads="1"/>
+          </p:cNvPicPr>
+          <p:nvPr>
+            <p:ph idx="1"/>
+          </p:nvPr>
+        </p:nvPicPr>
+        <p:blipFill>
+          <a:blip r:embed="rId2">
+            <a:extLst>
+              <a:ext uri="{28A0092B-C50C-407E-A947-70E740481C1C}">
+                <a14:useLocalDpi xmlns:a14="http://schemas.microsoft.com/office/drawing/2010/main" val="0"/>
+              </a:ext>
+            </a:extLst>
+          </a:blip>
+          <a:srcRect/>
+          <a:stretch>
+            <a:fillRect/>
+          </a:stretch>
+        </p:blipFill>
+        <p:spPr bwMode="auto">
+          <a:xfrm>
+            <a:off x="791857" y="2067051"/>
+            <a:ext cx="10539413" cy="3797721"/>
+          </a:xfrm>
+          <a:prstGeom prst="rect">
+            <a:avLst/>
+          </a:prstGeom>
+          <a:noFill/>
+          <a:extLst>
+            <a:ext uri="{909E8E84-426E-40DD-AFC4-6F175D3DCCD1}">
+              <a14:hiddenFill xmlns:a14="http://schemas.microsoft.com/office/drawing/2010/main">
+                <a:solidFill>
+                  <a:srgbClr val="FFFFFF"/>
+                </a:solidFill>
+              </a14:hiddenFill>
+            </a:ext>
+          </a:extLst>
+        </p:spPr>
+      </p:pic>
+    </p:spTree>
+    <p:extLst>
+      <p:ext uri="{BB962C8B-B14F-4D97-AF65-F5344CB8AC3E}">
+        <p14:creationId xmlns:p14="http://schemas.microsoft.com/office/powerpoint/2010/main" val="3865778400"/>
+      </p:ext>
+    </p:extLst>
+  </p:cSld>
+  <p:clrMapOvr>
+    <a:masterClrMapping/>
+  </p:clrMapOvr>
+</p:sld>
+</file>
+
+<file path=ppt/slides/slide21.xml><?xml version="1.0" encoding="utf-8"?>
+<p:sld xmlns:a="http://schemas.openxmlformats.org/drawingml/2006/main" xmlns:r="http://schemas.openxmlformats.org/officeDocument/2006/relationships" xmlns:p="http://schemas.openxmlformats.org/presentationml/2006/main">
+  <p:cSld>
+    <p:spTree>
+      <p:nvGrpSpPr>
+        <p:cNvPr id="1" name=""/>
+        <p:cNvGrpSpPr/>
+        <p:nvPr/>
+      </p:nvGrpSpPr>
+      <p:grpSpPr>
+        <a:xfrm>
+          <a:off x="0" y="0"/>
+          <a:ext cx="0" cy="0"/>
+          <a:chOff x="0" y="0"/>
+          <a:chExt cx="0" cy="0"/>
+        </a:xfrm>
+      </p:grpSpPr>
+      <p:sp>
+        <p:nvSpPr>
+          <p:cNvPr id="2" name="Title 1">
+            <a:extLst>
+              <a:ext uri="{FF2B5EF4-FFF2-40B4-BE49-F238E27FC236}">
+                <a16:creationId xmlns:a16="http://schemas.microsoft.com/office/drawing/2014/main" id="{5CACFB4A-AF07-8FD8-61BD-4FBA076A1B30}"/>
+              </a:ext>
+            </a:extLst>
+          </p:cNvPr>
+          <p:cNvSpPr>
+            <a:spLocks noGrp="1"/>
+          </p:cNvSpPr>
+          <p:nvPr>
+            <p:ph type="title"/>
+          </p:nvPr>
+        </p:nvSpPr>
+        <p:spPr/>
+        <p:txBody>
+          <a:bodyPr/>
+          <a:lstStyle/>
+          <a:p>
+            <a:r>
+              <a:rPr lang="en-US" dirty="0"/>
+              <a:t>RBAC Roles</a:t>
+            </a:r>
+            <a:endParaRPr lang="en-IN" dirty="0"/>
+          </a:p>
+        </p:txBody>
+      </p:sp>
+      <p:sp>
+        <p:nvSpPr>
+          <p:cNvPr id="3" name="Content Placeholder 2">
+            <a:extLst>
+              <a:ext uri="{FF2B5EF4-FFF2-40B4-BE49-F238E27FC236}">
+                <a16:creationId xmlns:a16="http://schemas.microsoft.com/office/drawing/2014/main" id="{BD23A4E2-6D78-FF8F-592B-E8DE233617DA}"/>
+              </a:ext>
+            </a:extLst>
+          </p:cNvPr>
+          <p:cNvSpPr>
+            <a:spLocks noGrp="1"/>
+          </p:cNvSpPr>
+          <p:nvPr>
+            <p:ph idx="1"/>
+          </p:nvPr>
+        </p:nvSpPr>
+        <p:spPr/>
+        <p:txBody>
+          <a:bodyPr/>
+          <a:lstStyle/>
+          <a:p>
+            <a:r>
+              <a:rPr lang="en-US" dirty="0"/>
+              <a:t>Owner – Owner can manage everything, including access</a:t>
+            </a:r>
+          </a:p>
+          <a:p>
+            <a:r>
+              <a:rPr lang="en-US" dirty="0"/>
+              <a:t>Contributor – Manage everything except access</a:t>
+            </a:r>
+          </a:p>
+          <a:p>
+            <a:r>
+              <a:rPr lang="en-US" dirty="0"/>
+              <a:t>Reader – View everything but cannot make changes</a:t>
+            </a:r>
+            <a:endParaRPr lang="en-IN" dirty="0"/>
+          </a:p>
+        </p:txBody>
+      </p:sp>
+    </p:spTree>
+    <p:extLst>
+      <p:ext uri="{BB962C8B-B14F-4D97-AF65-F5344CB8AC3E}">
+        <p14:creationId xmlns:p14="http://schemas.microsoft.com/office/powerpoint/2010/main" val="382181436"/>
+      </p:ext>
+    </p:extLst>
+  </p:cSld>
+  <p:clrMapOvr>
+    <a:masterClrMapping/>
+  </p:clrMapOvr>
+</p:sld>
+</file>
+
+<file path=ppt/slides/slide22.xml><?xml version="1.0" encoding="utf-8"?>
+<p:sld xmlns:a="http://schemas.openxmlformats.org/drawingml/2006/main" xmlns:r="http://schemas.openxmlformats.org/officeDocument/2006/relationships" xmlns:p="http://schemas.openxmlformats.org/presentationml/2006/main">
+  <p:cSld>
+    <p:spTree>
+      <p:nvGrpSpPr>
+        <p:cNvPr id="1" name=""/>
+        <p:cNvGrpSpPr/>
+        <p:nvPr/>
+      </p:nvGrpSpPr>
+      <p:grpSpPr>
+        <a:xfrm>
+          <a:off x="0" y="0"/>
+          <a:ext cx="0" cy="0"/>
+          <a:chOff x="0" y="0"/>
+          <a:chExt cx="0" cy="0"/>
+        </a:xfrm>
+      </p:grpSpPr>
+      <p:sp>
+        <p:nvSpPr>
+          <p:cNvPr id="2" name="Oval 1">
+            <a:extLst>
+              <a:ext uri="{FF2B5EF4-FFF2-40B4-BE49-F238E27FC236}">
+                <a16:creationId xmlns:a16="http://schemas.microsoft.com/office/drawing/2014/main" id="{9E947E5E-1F72-13E8-1EDB-8E717853A5F2}"/>
+              </a:ext>
+            </a:extLst>
+          </p:cNvPr>
+          <p:cNvSpPr/>
+          <p:nvPr/>
+        </p:nvSpPr>
+        <p:spPr>
+          <a:xfrm>
+            <a:off x="1902888" y="2701159"/>
+            <a:ext cx="1833540" cy="1707931"/>
+          </a:xfrm>
+          <a:prstGeom prst="ellipse">
+            <a:avLst/>
+          </a:prstGeom>
+        </p:spPr>
+        <p:style>
+          <a:lnRef idx="2">
+            <a:schemeClr val="accent1">
+              <a:shade val="50000"/>
+            </a:schemeClr>
+          </a:lnRef>
+          <a:fillRef idx="1">
+            <a:schemeClr val="accent1"/>
+          </a:fillRef>
+          <a:effectRef idx="0">
+            <a:schemeClr val="accent1"/>
+          </a:effectRef>
+          <a:fontRef idx="minor">
+            <a:schemeClr val="lt1"/>
+          </a:fontRef>
+        </p:style>
+        <p:txBody>
+          <a:bodyPr rtlCol="0" anchor="ctr"/>
+          <a:lstStyle/>
+          <a:p>
+            <a:pPr algn="ctr"/>
+            <a:r>
+              <a:rPr lang="en-US" sz="1600" dirty="0"/>
+              <a:t>Subscription</a:t>
+            </a:r>
+            <a:endParaRPr lang="en-IN" sz="1600" dirty="0"/>
+          </a:p>
+        </p:txBody>
+      </p:sp>
+      <p:sp>
+        <p:nvSpPr>
+          <p:cNvPr id="3" name="Oval 2">
+            <a:extLst>
+              <a:ext uri="{FF2B5EF4-FFF2-40B4-BE49-F238E27FC236}">
+                <a16:creationId xmlns:a16="http://schemas.microsoft.com/office/drawing/2014/main" id="{FAF260AF-9BDB-17EB-8A19-02B64E1FD56C}"/>
+              </a:ext>
+            </a:extLst>
+          </p:cNvPr>
+          <p:cNvSpPr/>
+          <p:nvPr/>
+        </p:nvSpPr>
+        <p:spPr>
+          <a:xfrm>
+            <a:off x="4183117" y="709450"/>
+            <a:ext cx="1177159" cy="1161392"/>
+          </a:xfrm>
+          <a:prstGeom prst="ellipse">
+            <a:avLst/>
+          </a:prstGeom>
+        </p:spPr>
+        <p:style>
+          <a:lnRef idx="2">
+            <a:schemeClr val="accent1">
+              <a:shade val="50000"/>
+            </a:schemeClr>
+          </a:lnRef>
+          <a:fillRef idx="1">
+            <a:schemeClr val="accent1"/>
+          </a:fillRef>
+          <a:effectRef idx="0">
+            <a:schemeClr val="accent1"/>
+          </a:effectRef>
+          <a:fontRef idx="minor">
+            <a:schemeClr val="lt1"/>
+          </a:fontRef>
+        </p:style>
+        <p:txBody>
+          <a:bodyPr rtlCol="0" anchor="ctr"/>
+          <a:lstStyle/>
+          <a:p>
+            <a:pPr algn="ctr"/>
+            <a:r>
+              <a:rPr lang="en-US" dirty="0"/>
+              <a:t>RG</a:t>
+            </a:r>
+            <a:endParaRPr lang="en-IN" dirty="0"/>
+          </a:p>
+        </p:txBody>
+      </p:sp>
+      <p:sp>
+        <p:nvSpPr>
+          <p:cNvPr id="4" name="Oval 3">
+            <a:extLst>
+              <a:ext uri="{FF2B5EF4-FFF2-40B4-BE49-F238E27FC236}">
+                <a16:creationId xmlns:a16="http://schemas.microsoft.com/office/drawing/2014/main" id="{AE575996-2B5A-C735-410F-A5644FA415FE}"/>
+              </a:ext>
+            </a:extLst>
+          </p:cNvPr>
+          <p:cNvSpPr/>
+          <p:nvPr/>
+        </p:nvSpPr>
+        <p:spPr>
+          <a:xfrm>
+            <a:off x="4225158" y="2543505"/>
+            <a:ext cx="1177159" cy="1161392"/>
+          </a:xfrm>
+          <a:prstGeom prst="ellipse">
+            <a:avLst/>
+          </a:prstGeom>
+        </p:spPr>
+        <p:style>
+          <a:lnRef idx="2">
+            <a:schemeClr val="accent1">
+              <a:shade val="50000"/>
+            </a:schemeClr>
+          </a:lnRef>
+          <a:fillRef idx="1">
+            <a:schemeClr val="accent1"/>
+          </a:fillRef>
+          <a:effectRef idx="0">
+            <a:schemeClr val="accent1"/>
+          </a:effectRef>
+          <a:fontRef idx="minor">
+            <a:schemeClr val="lt1"/>
+          </a:fontRef>
+        </p:style>
+        <p:txBody>
+          <a:bodyPr rtlCol="0" anchor="ctr"/>
+          <a:lstStyle/>
+          <a:p>
+            <a:pPr algn="ctr"/>
+            <a:r>
+              <a:rPr lang="en-US" dirty="0"/>
+              <a:t>RG</a:t>
+            </a:r>
+            <a:endParaRPr lang="en-IN" dirty="0"/>
+          </a:p>
+        </p:txBody>
+      </p:sp>
+      <p:sp>
+        <p:nvSpPr>
+          <p:cNvPr id="5" name="Oval 4">
+            <a:extLst>
+              <a:ext uri="{FF2B5EF4-FFF2-40B4-BE49-F238E27FC236}">
+                <a16:creationId xmlns:a16="http://schemas.microsoft.com/office/drawing/2014/main" id="{62FD24EF-E0C3-467E-16A2-8CA8F90C836F}"/>
+              </a:ext>
+            </a:extLst>
+          </p:cNvPr>
+          <p:cNvSpPr/>
+          <p:nvPr/>
+        </p:nvSpPr>
+        <p:spPr>
+          <a:xfrm>
+            <a:off x="4293476" y="4535215"/>
+            <a:ext cx="1177159" cy="1161392"/>
+          </a:xfrm>
+          <a:prstGeom prst="ellipse">
+            <a:avLst/>
+          </a:prstGeom>
+        </p:spPr>
+        <p:style>
+          <a:lnRef idx="2">
+            <a:schemeClr val="accent1">
+              <a:shade val="50000"/>
+            </a:schemeClr>
+          </a:lnRef>
+          <a:fillRef idx="1">
+            <a:schemeClr val="accent1"/>
+          </a:fillRef>
+          <a:effectRef idx="0">
+            <a:schemeClr val="accent1"/>
+          </a:effectRef>
+          <a:fontRef idx="minor">
+            <a:schemeClr val="lt1"/>
+          </a:fontRef>
+        </p:style>
+        <p:txBody>
+          <a:bodyPr rtlCol="0" anchor="ctr"/>
+          <a:lstStyle/>
+          <a:p>
+            <a:pPr algn="ctr"/>
+            <a:r>
+              <a:rPr lang="en-US" dirty="0"/>
+              <a:t>RG</a:t>
+            </a:r>
+            <a:endParaRPr lang="en-IN" dirty="0"/>
+          </a:p>
+        </p:txBody>
+      </p:sp>
+      <p:sp>
+        <p:nvSpPr>
+          <p:cNvPr id="6" name="Oval 5">
+            <a:extLst>
+              <a:ext uri="{FF2B5EF4-FFF2-40B4-BE49-F238E27FC236}">
+                <a16:creationId xmlns:a16="http://schemas.microsoft.com/office/drawing/2014/main" id="{431C9CCA-85FE-105A-462B-219112D809C5}"/>
+              </a:ext>
+            </a:extLst>
+          </p:cNvPr>
+          <p:cNvSpPr/>
+          <p:nvPr/>
+        </p:nvSpPr>
+        <p:spPr>
+          <a:xfrm>
+            <a:off x="6374525" y="241739"/>
+            <a:ext cx="409904" cy="373116"/>
+          </a:xfrm>
+          <a:prstGeom prst="ellipse">
+            <a:avLst/>
+          </a:prstGeom>
+        </p:spPr>
+        <p:style>
+          <a:lnRef idx="2">
+            <a:schemeClr val="accent1">
+              <a:shade val="50000"/>
+            </a:schemeClr>
+          </a:lnRef>
+          <a:fillRef idx="1">
+            <a:schemeClr val="accent1"/>
+          </a:fillRef>
+          <a:effectRef idx="0">
+            <a:schemeClr val="accent1"/>
+          </a:effectRef>
+          <a:fontRef idx="minor">
+            <a:schemeClr val="lt1"/>
+          </a:fontRef>
+        </p:style>
+        <p:txBody>
+          <a:bodyPr rtlCol="0" anchor="ctr"/>
+          <a:lstStyle/>
+          <a:p>
+            <a:pPr algn="ctr"/>
+            <a:r>
+              <a:rPr lang="en-US" dirty="0"/>
+              <a:t>R</a:t>
+            </a:r>
+            <a:endParaRPr lang="en-IN" dirty="0"/>
+          </a:p>
+        </p:txBody>
+      </p:sp>
+      <p:sp>
+        <p:nvSpPr>
+          <p:cNvPr id="7" name="Oval 6">
+            <a:extLst>
+              <a:ext uri="{FF2B5EF4-FFF2-40B4-BE49-F238E27FC236}">
+                <a16:creationId xmlns:a16="http://schemas.microsoft.com/office/drawing/2014/main" id="{405F37AC-6028-85B0-14C7-C2F612150307}"/>
+              </a:ext>
+            </a:extLst>
+          </p:cNvPr>
+          <p:cNvSpPr/>
+          <p:nvPr/>
+        </p:nvSpPr>
+        <p:spPr>
+          <a:xfrm>
+            <a:off x="6374525" y="830318"/>
+            <a:ext cx="409904" cy="373116"/>
+          </a:xfrm>
+          <a:prstGeom prst="ellipse">
+            <a:avLst/>
+          </a:prstGeom>
+        </p:spPr>
+        <p:style>
+          <a:lnRef idx="2">
+            <a:schemeClr val="accent1">
+              <a:shade val="50000"/>
+            </a:schemeClr>
+          </a:lnRef>
+          <a:fillRef idx="1">
+            <a:schemeClr val="accent1"/>
+          </a:fillRef>
+          <a:effectRef idx="0">
+            <a:schemeClr val="accent1"/>
+          </a:effectRef>
+          <a:fontRef idx="minor">
+            <a:schemeClr val="lt1"/>
+          </a:fontRef>
+        </p:style>
+        <p:txBody>
+          <a:bodyPr rtlCol="0" anchor="ctr"/>
+          <a:lstStyle/>
+          <a:p>
+            <a:pPr algn="ctr"/>
+            <a:r>
+              <a:rPr lang="en-US" dirty="0"/>
+              <a:t>R</a:t>
+            </a:r>
+            <a:endParaRPr lang="en-IN" dirty="0"/>
+          </a:p>
+        </p:txBody>
+      </p:sp>
+      <p:sp>
+        <p:nvSpPr>
+          <p:cNvPr id="8" name="Oval 7">
+            <a:extLst>
+              <a:ext uri="{FF2B5EF4-FFF2-40B4-BE49-F238E27FC236}">
+                <a16:creationId xmlns:a16="http://schemas.microsoft.com/office/drawing/2014/main" id="{61B10669-D896-909B-33ED-DE6DAB186B06}"/>
+              </a:ext>
+            </a:extLst>
+          </p:cNvPr>
+          <p:cNvSpPr/>
+          <p:nvPr/>
+        </p:nvSpPr>
+        <p:spPr>
+          <a:xfrm>
+            <a:off x="6374525" y="1497726"/>
+            <a:ext cx="409904" cy="373116"/>
+          </a:xfrm>
+          <a:prstGeom prst="ellipse">
+            <a:avLst/>
+          </a:prstGeom>
+        </p:spPr>
+        <p:style>
+          <a:lnRef idx="2">
+            <a:schemeClr val="accent1">
+              <a:shade val="50000"/>
+            </a:schemeClr>
+          </a:lnRef>
+          <a:fillRef idx="1">
+            <a:schemeClr val="accent1"/>
+          </a:fillRef>
+          <a:effectRef idx="0">
+            <a:schemeClr val="accent1"/>
+          </a:effectRef>
+          <a:fontRef idx="minor">
+            <a:schemeClr val="lt1"/>
+          </a:fontRef>
+        </p:style>
+        <p:txBody>
+          <a:bodyPr rtlCol="0" anchor="ctr"/>
+          <a:lstStyle/>
+          <a:p>
+            <a:pPr algn="ctr"/>
+            <a:r>
+              <a:rPr lang="en-US" dirty="0"/>
+              <a:t>R</a:t>
+            </a:r>
+            <a:endParaRPr lang="en-IN" dirty="0"/>
+          </a:p>
+        </p:txBody>
+      </p:sp>
+      <p:sp>
+        <p:nvSpPr>
+          <p:cNvPr id="9" name="Oval 8">
+            <a:extLst>
+              <a:ext uri="{FF2B5EF4-FFF2-40B4-BE49-F238E27FC236}">
+                <a16:creationId xmlns:a16="http://schemas.microsoft.com/office/drawing/2014/main" id="{C633B3EE-89DD-486C-58C8-801EDCFB54C9}"/>
+              </a:ext>
+            </a:extLst>
+          </p:cNvPr>
+          <p:cNvSpPr/>
+          <p:nvPr/>
+        </p:nvSpPr>
+        <p:spPr>
+          <a:xfrm>
+            <a:off x="6416566" y="2543505"/>
+            <a:ext cx="409904" cy="373116"/>
+          </a:xfrm>
+          <a:prstGeom prst="ellipse">
+            <a:avLst/>
+          </a:prstGeom>
+        </p:spPr>
+        <p:style>
+          <a:lnRef idx="2">
+            <a:schemeClr val="accent1">
+              <a:shade val="50000"/>
+            </a:schemeClr>
+          </a:lnRef>
+          <a:fillRef idx="1">
+            <a:schemeClr val="accent1"/>
+          </a:fillRef>
+          <a:effectRef idx="0">
+            <a:schemeClr val="accent1"/>
+          </a:effectRef>
+          <a:fontRef idx="minor">
+            <a:schemeClr val="lt1"/>
+          </a:fontRef>
+        </p:style>
+        <p:txBody>
+          <a:bodyPr rtlCol="0" anchor="ctr"/>
+          <a:lstStyle/>
+          <a:p>
+            <a:pPr algn="ctr"/>
+            <a:r>
+              <a:rPr lang="en-US" dirty="0"/>
+              <a:t>R</a:t>
+            </a:r>
+            <a:endParaRPr lang="en-IN" dirty="0"/>
+          </a:p>
+        </p:txBody>
+      </p:sp>
+      <p:sp>
+        <p:nvSpPr>
+          <p:cNvPr id="10" name="Oval 9">
+            <a:extLst>
+              <a:ext uri="{FF2B5EF4-FFF2-40B4-BE49-F238E27FC236}">
+                <a16:creationId xmlns:a16="http://schemas.microsoft.com/office/drawing/2014/main" id="{3F59F4B8-5EDF-5936-C4F8-FB5C03A84249}"/>
+              </a:ext>
+            </a:extLst>
+          </p:cNvPr>
+          <p:cNvSpPr/>
+          <p:nvPr/>
+        </p:nvSpPr>
+        <p:spPr>
+          <a:xfrm>
+            <a:off x="6416566" y="3132084"/>
+            <a:ext cx="409904" cy="373116"/>
+          </a:xfrm>
+          <a:prstGeom prst="ellipse">
+            <a:avLst/>
+          </a:prstGeom>
+        </p:spPr>
+        <p:style>
+          <a:lnRef idx="2">
+            <a:schemeClr val="accent1">
+              <a:shade val="50000"/>
+            </a:schemeClr>
+          </a:lnRef>
+          <a:fillRef idx="1">
+            <a:schemeClr val="accent1"/>
+          </a:fillRef>
+          <a:effectRef idx="0">
+            <a:schemeClr val="accent1"/>
+          </a:effectRef>
+          <a:fontRef idx="minor">
+            <a:schemeClr val="lt1"/>
+          </a:fontRef>
+        </p:style>
+        <p:txBody>
+          <a:bodyPr rtlCol="0" anchor="ctr"/>
+          <a:lstStyle/>
+          <a:p>
+            <a:pPr algn="ctr"/>
+            <a:r>
+              <a:rPr lang="en-US" dirty="0"/>
+              <a:t>R</a:t>
+            </a:r>
+            <a:endParaRPr lang="en-IN" dirty="0"/>
+          </a:p>
+        </p:txBody>
+      </p:sp>
+      <p:sp>
+        <p:nvSpPr>
+          <p:cNvPr id="13" name="Oval 12">
+            <a:extLst>
+              <a:ext uri="{FF2B5EF4-FFF2-40B4-BE49-F238E27FC236}">
+                <a16:creationId xmlns:a16="http://schemas.microsoft.com/office/drawing/2014/main" id="{2FCB1BEE-2F0B-7CF8-7BFC-E8FC6F2937DF}"/>
+              </a:ext>
+            </a:extLst>
+          </p:cNvPr>
+          <p:cNvSpPr/>
+          <p:nvPr/>
+        </p:nvSpPr>
+        <p:spPr>
+          <a:xfrm>
+            <a:off x="6395546" y="4658713"/>
+            <a:ext cx="409904" cy="373116"/>
+          </a:xfrm>
+          <a:prstGeom prst="ellipse">
+            <a:avLst/>
+          </a:prstGeom>
+        </p:spPr>
+        <p:style>
+          <a:lnRef idx="2">
+            <a:schemeClr val="accent1">
+              <a:shade val="50000"/>
+            </a:schemeClr>
+          </a:lnRef>
+          <a:fillRef idx="1">
+            <a:schemeClr val="accent1"/>
+          </a:fillRef>
+          <a:effectRef idx="0">
+            <a:schemeClr val="accent1"/>
+          </a:effectRef>
+          <a:fontRef idx="minor">
+            <a:schemeClr val="lt1"/>
+          </a:fontRef>
+        </p:style>
+        <p:txBody>
+          <a:bodyPr rtlCol="0" anchor="ctr"/>
+          <a:lstStyle/>
+          <a:p>
+            <a:pPr algn="ctr"/>
+            <a:r>
+              <a:rPr lang="en-US" dirty="0"/>
+              <a:t>R</a:t>
+            </a:r>
+            <a:endParaRPr lang="en-IN" dirty="0"/>
+          </a:p>
+        </p:txBody>
+      </p:sp>
+      <p:sp>
+        <p:nvSpPr>
+          <p:cNvPr id="14" name="Oval 13">
+            <a:extLst>
+              <a:ext uri="{FF2B5EF4-FFF2-40B4-BE49-F238E27FC236}">
+                <a16:creationId xmlns:a16="http://schemas.microsoft.com/office/drawing/2014/main" id="{FB20E1DF-914B-B7B4-AD21-AB761C9C42D9}"/>
+              </a:ext>
+            </a:extLst>
+          </p:cNvPr>
+          <p:cNvSpPr/>
+          <p:nvPr/>
+        </p:nvSpPr>
+        <p:spPr>
+          <a:xfrm>
+            <a:off x="6395546" y="5247292"/>
+            <a:ext cx="409904" cy="373116"/>
+          </a:xfrm>
+          <a:prstGeom prst="ellipse">
+            <a:avLst/>
+          </a:prstGeom>
+        </p:spPr>
+        <p:style>
+          <a:lnRef idx="2">
+            <a:schemeClr val="accent1">
+              <a:shade val="50000"/>
+            </a:schemeClr>
+          </a:lnRef>
+          <a:fillRef idx="1">
+            <a:schemeClr val="accent1"/>
+          </a:fillRef>
+          <a:effectRef idx="0">
+            <a:schemeClr val="accent1"/>
+          </a:effectRef>
+          <a:fontRef idx="minor">
+            <a:schemeClr val="lt1"/>
+          </a:fontRef>
+        </p:style>
+        <p:txBody>
+          <a:bodyPr rtlCol="0" anchor="ctr"/>
+          <a:lstStyle/>
+          <a:p>
+            <a:pPr algn="ctr"/>
+            <a:r>
+              <a:rPr lang="en-US" dirty="0"/>
+              <a:t>R</a:t>
+            </a:r>
+            <a:endParaRPr lang="en-IN" dirty="0"/>
+          </a:p>
+        </p:txBody>
+      </p:sp>
+      <p:cxnSp>
+        <p:nvCxnSpPr>
+          <p:cNvPr id="16" name="Straight Arrow Connector 15">
+            <a:extLst>
+              <a:ext uri="{FF2B5EF4-FFF2-40B4-BE49-F238E27FC236}">
+                <a16:creationId xmlns:a16="http://schemas.microsoft.com/office/drawing/2014/main" id="{4B1ECA24-924F-AD9B-B2C7-1D48A11E0902}"/>
+              </a:ext>
+            </a:extLst>
+          </p:cNvPr>
+          <p:cNvCxnSpPr>
+            <a:cxnSpLocks/>
+            <a:stCxn id="2" idx="7"/>
+            <a:endCxn id="3" idx="3"/>
+          </p:cNvCxnSpPr>
+          <p:nvPr/>
+        </p:nvCxnSpPr>
+        <p:spPr>
+          <a:xfrm flipV="1">
+            <a:off x="3467912" y="1700760"/>
+            <a:ext cx="887596" cy="1250520"/>
+          </a:xfrm>
+          <a:prstGeom prst="straightConnector1">
+            <a:avLst/>
+          </a:prstGeom>
+          <a:ln>
+            <a:tailEnd type="triangle"/>
+          </a:ln>
+        </p:spPr>
+        <p:style>
+          <a:lnRef idx="1">
+            <a:schemeClr val="accent1"/>
+          </a:lnRef>
+          <a:fillRef idx="0">
+            <a:schemeClr val="accent1"/>
+          </a:fillRef>
+          <a:effectRef idx="0">
+            <a:schemeClr val="accent1"/>
+          </a:effectRef>
+          <a:fontRef idx="minor">
+            <a:schemeClr val="tx1"/>
+          </a:fontRef>
+        </p:style>
+      </p:cxnSp>
+      <p:cxnSp>
+        <p:nvCxnSpPr>
+          <p:cNvPr id="17" name="Straight Arrow Connector 16">
+            <a:extLst>
+              <a:ext uri="{FF2B5EF4-FFF2-40B4-BE49-F238E27FC236}">
+                <a16:creationId xmlns:a16="http://schemas.microsoft.com/office/drawing/2014/main" id="{809AF442-1DE8-78BA-66AF-FFD792AB5CB8}"/>
+              </a:ext>
+            </a:extLst>
+          </p:cNvPr>
+          <p:cNvCxnSpPr>
+            <a:cxnSpLocks/>
+            <a:endCxn id="4" idx="2"/>
+          </p:cNvCxnSpPr>
+          <p:nvPr/>
+        </p:nvCxnSpPr>
+        <p:spPr>
+          <a:xfrm flipV="1">
+            <a:off x="3686761" y="3124201"/>
+            <a:ext cx="538397" cy="211076"/>
+          </a:xfrm>
+          <a:prstGeom prst="straightConnector1">
+            <a:avLst/>
+          </a:prstGeom>
+          <a:ln>
+            <a:tailEnd type="triangle"/>
+          </a:ln>
+        </p:spPr>
+        <p:style>
+          <a:lnRef idx="1">
+            <a:schemeClr val="accent1"/>
+          </a:lnRef>
+          <a:fillRef idx="0">
+            <a:schemeClr val="accent1"/>
+          </a:fillRef>
+          <a:effectRef idx="0">
+            <a:schemeClr val="accent1"/>
+          </a:effectRef>
+          <a:fontRef idx="minor">
+            <a:schemeClr val="tx1"/>
+          </a:fontRef>
+        </p:style>
+      </p:cxnSp>
+      <p:cxnSp>
+        <p:nvCxnSpPr>
+          <p:cNvPr id="18" name="Straight Arrow Connector 17">
+            <a:extLst>
+              <a:ext uri="{FF2B5EF4-FFF2-40B4-BE49-F238E27FC236}">
+                <a16:creationId xmlns:a16="http://schemas.microsoft.com/office/drawing/2014/main" id="{CFBAD364-79AD-7857-F08C-1FB7E3FC7154}"/>
+              </a:ext>
+            </a:extLst>
+          </p:cNvPr>
+          <p:cNvCxnSpPr>
+            <a:cxnSpLocks/>
+            <a:endCxn id="5" idx="2"/>
+          </p:cNvCxnSpPr>
+          <p:nvPr/>
+        </p:nvCxnSpPr>
+        <p:spPr>
+          <a:xfrm>
+            <a:off x="3080047" y="4309756"/>
+            <a:ext cx="1213429" cy="806155"/>
+          </a:xfrm>
+          <a:prstGeom prst="straightConnector1">
+            <a:avLst/>
+          </a:prstGeom>
+          <a:ln>
+            <a:tailEnd type="triangle"/>
+          </a:ln>
+        </p:spPr>
+        <p:style>
+          <a:lnRef idx="1">
+            <a:schemeClr val="accent1"/>
+          </a:lnRef>
+          <a:fillRef idx="0">
+            <a:schemeClr val="accent1"/>
+          </a:fillRef>
+          <a:effectRef idx="0">
+            <a:schemeClr val="accent1"/>
+          </a:effectRef>
+          <a:fontRef idx="minor">
+            <a:schemeClr val="tx1"/>
+          </a:fontRef>
+        </p:style>
+      </p:cxnSp>
+      <p:cxnSp>
+        <p:nvCxnSpPr>
+          <p:cNvPr id="21" name="Straight Arrow Connector 20">
+            <a:extLst>
+              <a:ext uri="{FF2B5EF4-FFF2-40B4-BE49-F238E27FC236}">
+                <a16:creationId xmlns:a16="http://schemas.microsoft.com/office/drawing/2014/main" id="{F2FBBDC0-E432-A2D9-88F5-BABA40A65275}"/>
+              </a:ext>
+            </a:extLst>
+          </p:cNvPr>
+          <p:cNvCxnSpPr>
+            <a:cxnSpLocks/>
+            <a:endCxn id="6" idx="2"/>
+          </p:cNvCxnSpPr>
+          <p:nvPr/>
+        </p:nvCxnSpPr>
+        <p:spPr>
+          <a:xfrm flipV="1">
+            <a:off x="5009743" y="428297"/>
+            <a:ext cx="1364782" cy="705933"/>
+          </a:xfrm>
+          <a:prstGeom prst="straightConnector1">
+            <a:avLst/>
+          </a:prstGeom>
+          <a:ln>
+            <a:tailEnd type="triangle"/>
+          </a:ln>
+        </p:spPr>
+        <p:style>
+          <a:lnRef idx="1">
+            <a:schemeClr val="accent1"/>
+          </a:lnRef>
+          <a:fillRef idx="0">
+            <a:schemeClr val="accent1"/>
+          </a:fillRef>
+          <a:effectRef idx="0">
+            <a:schemeClr val="accent1"/>
+          </a:effectRef>
+          <a:fontRef idx="minor">
+            <a:schemeClr val="tx1"/>
+          </a:fontRef>
+        </p:style>
+      </p:cxnSp>
+      <p:cxnSp>
+        <p:nvCxnSpPr>
+          <p:cNvPr id="23" name="Straight Arrow Connector 22">
+            <a:extLst>
+              <a:ext uri="{FF2B5EF4-FFF2-40B4-BE49-F238E27FC236}">
+                <a16:creationId xmlns:a16="http://schemas.microsoft.com/office/drawing/2014/main" id="{B915B80B-D919-D138-E0E4-8CF1120CC681}"/>
+              </a:ext>
+            </a:extLst>
+          </p:cNvPr>
+          <p:cNvCxnSpPr>
+            <a:cxnSpLocks/>
+            <a:endCxn id="7" idx="2"/>
+          </p:cNvCxnSpPr>
+          <p:nvPr/>
+        </p:nvCxnSpPr>
+        <p:spPr>
+          <a:xfrm flipV="1">
+            <a:off x="5162143" y="1016876"/>
+            <a:ext cx="1212382" cy="269754"/>
+          </a:xfrm>
+          <a:prstGeom prst="straightConnector1">
+            <a:avLst/>
+          </a:prstGeom>
+          <a:ln>
+            <a:tailEnd type="triangle"/>
+          </a:ln>
+        </p:spPr>
+        <p:style>
+          <a:lnRef idx="1">
+            <a:schemeClr val="accent1"/>
+          </a:lnRef>
+          <a:fillRef idx="0">
+            <a:schemeClr val="accent1"/>
+          </a:fillRef>
+          <a:effectRef idx="0">
+            <a:schemeClr val="accent1"/>
+          </a:effectRef>
+          <a:fontRef idx="minor">
+            <a:schemeClr val="tx1"/>
+          </a:fontRef>
+        </p:style>
+      </p:cxnSp>
+      <p:cxnSp>
+        <p:nvCxnSpPr>
+          <p:cNvPr id="25" name="Straight Arrow Connector 24">
+            <a:extLst>
+              <a:ext uri="{FF2B5EF4-FFF2-40B4-BE49-F238E27FC236}">
+                <a16:creationId xmlns:a16="http://schemas.microsoft.com/office/drawing/2014/main" id="{74C5C4C3-5B56-EA1B-3E07-AC3187BF46F9}"/>
+              </a:ext>
+            </a:extLst>
+          </p:cNvPr>
+          <p:cNvCxnSpPr>
+            <a:cxnSpLocks/>
+            <a:endCxn id="8" idx="2"/>
+          </p:cNvCxnSpPr>
+          <p:nvPr/>
+        </p:nvCxnSpPr>
+        <p:spPr>
+          <a:xfrm>
+            <a:off x="5314543" y="1439030"/>
+            <a:ext cx="1059982" cy="245254"/>
+          </a:xfrm>
+          <a:prstGeom prst="straightConnector1">
+            <a:avLst/>
+          </a:prstGeom>
+          <a:ln>
+            <a:tailEnd type="triangle"/>
+          </a:ln>
+        </p:spPr>
+        <p:style>
+          <a:lnRef idx="1">
+            <a:schemeClr val="accent1"/>
+          </a:lnRef>
+          <a:fillRef idx="0">
+            <a:schemeClr val="accent1"/>
+          </a:fillRef>
+          <a:effectRef idx="0">
+            <a:schemeClr val="accent1"/>
+          </a:effectRef>
+          <a:fontRef idx="minor">
+            <a:schemeClr val="tx1"/>
+          </a:fontRef>
+        </p:style>
+      </p:cxnSp>
+      <p:cxnSp>
+        <p:nvCxnSpPr>
+          <p:cNvPr id="27" name="Straight Arrow Connector 26">
+            <a:extLst>
+              <a:ext uri="{FF2B5EF4-FFF2-40B4-BE49-F238E27FC236}">
+                <a16:creationId xmlns:a16="http://schemas.microsoft.com/office/drawing/2014/main" id="{49BD06F1-988F-2E01-43D0-72794DDF94E1}"/>
+              </a:ext>
+            </a:extLst>
+          </p:cNvPr>
+          <p:cNvCxnSpPr>
+            <a:cxnSpLocks/>
+            <a:endCxn id="9" idx="2"/>
+          </p:cNvCxnSpPr>
+          <p:nvPr/>
+        </p:nvCxnSpPr>
+        <p:spPr>
+          <a:xfrm>
+            <a:off x="5126955" y="2724365"/>
+            <a:ext cx="1289611" cy="5698"/>
+          </a:xfrm>
+          <a:prstGeom prst="straightConnector1">
+            <a:avLst/>
+          </a:prstGeom>
+          <a:ln>
+            <a:tailEnd type="triangle"/>
+          </a:ln>
+        </p:spPr>
+        <p:style>
+          <a:lnRef idx="1">
+            <a:schemeClr val="accent1"/>
+          </a:lnRef>
+          <a:fillRef idx="0">
+            <a:schemeClr val="accent1"/>
+          </a:fillRef>
+          <a:effectRef idx="0">
+            <a:schemeClr val="accent1"/>
+          </a:effectRef>
+          <a:fontRef idx="minor">
+            <a:schemeClr val="tx1"/>
+          </a:fontRef>
+        </p:style>
+      </p:cxnSp>
+      <p:cxnSp>
+        <p:nvCxnSpPr>
+          <p:cNvPr id="29" name="Straight Arrow Connector 28">
+            <a:extLst>
+              <a:ext uri="{FF2B5EF4-FFF2-40B4-BE49-F238E27FC236}">
+                <a16:creationId xmlns:a16="http://schemas.microsoft.com/office/drawing/2014/main" id="{1FE24A21-EBD0-FAC0-99C8-F4FE6E506B4F}"/>
+              </a:ext>
+            </a:extLst>
+          </p:cNvPr>
+          <p:cNvCxnSpPr>
+            <a:cxnSpLocks/>
+            <a:endCxn id="10" idx="2"/>
+          </p:cNvCxnSpPr>
+          <p:nvPr/>
+        </p:nvCxnSpPr>
+        <p:spPr>
+          <a:xfrm>
+            <a:off x="5157670" y="3136382"/>
+            <a:ext cx="1258896" cy="182260"/>
+          </a:xfrm>
+          <a:prstGeom prst="straightConnector1">
+            <a:avLst/>
+          </a:prstGeom>
+          <a:ln>
+            <a:tailEnd type="triangle"/>
+          </a:ln>
+        </p:spPr>
+        <p:style>
+          <a:lnRef idx="1">
+            <a:schemeClr val="accent1"/>
+          </a:lnRef>
+          <a:fillRef idx="0">
+            <a:schemeClr val="accent1"/>
+          </a:fillRef>
+          <a:effectRef idx="0">
+            <a:schemeClr val="accent1"/>
+          </a:effectRef>
+          <a:fontRef idx="minor">
+            <a:schemeClr val="tx1"/>
+          </a:fontRef>
+        </p:style>
+      </p:cxnSp>
+      <p:cxnSp>
+        <p:nvCxnSpPr>
+          <p:cNvPr id="32" name="Straight Arrow Connector 31">
+            <a:extLst>
+              <a:ext uri="{FF2B5EF4-FFF2-40B4-BE49-F238E27FC236}">
+                <a16:creationId xmlns:a16="http://schemas.microsoft.com/office/drawing/2014/main" id="{E0F63DF0-4AA6-6BE8-B2E3-FE3630D6DC51}"/>
+              </a:ext>
+            </a:extLst>
+          </p:cNvPr>
+          <p:cNvCxnSpPr>
+            <a:cxnSpLocks/>
+            <a:endCxn id="13" idx="2"/>
+          </p:cNvCxnSpPr>
+          <p:nvPr/>
+        </p:nvCxnSpPr>
+        <p:spPr>
+          <a:xfrm flipV="1">
+            <a:off x="5238343" y="4845271"/>
+            <a:ext cx="1157203" cy="37192"/>
+          </a:xfrm>
+          <a:prstGeom prst="straightConnector1">
+            <a:avLst/>
+          </a:prstGeom>
+          <a:ln>
+            <a:tailEnd type="triangle"/>
+          </a:ln>
+        </p:spPr>
+        <p:style>
+          <a:lnRef idx="1">
+            <a:schemeClr val="accent1"/>
+          </a:lnRef>
+          <a:fillRef idx="0">
+            <a:schemeClr val="accent1"/>
+          </a:fillRef>
+          <a:effectRef idx="0">
+            <a:schemeClr val="accent1"/>
+          </a:effectRef>
+          <a:fontRef idx="minor">
+            <a:schemeClr val="tx1"/>
+          </a:fontRef>
+        </p:style>
+      </p:cxnSp>
+      <p:cxnSp>
+        <p:nvCxnSpPr>
+          <p:cNvPr id="34" name="Straight Arrow Connector 33">
+            <a:extLst>
+              <a:ext uri="{FF2B5EF4-FFF2-40B4-BE49-F238E27FC236}">
+                <a16:creationId xmlns:a16="http://schemas.microsoft.com/office/drawing/2014/main" id="{B00E6343-2F49-F41B-34AA-0486A2594FC8}"/>
+              </a:ext>
+            </a:extLst>
+          </p:cNvPr>
+          <p:cNvCxnSpPr>
+            <a:cxnSpLocks/>
+            <a:endCxn id="14" idx="2"/>
+          </p:cNvCxnSpPr>
+          <p:nvPr/>
+        </p:nvCxnSpPr>
+        <p:spPr>
+          <a:xfrm>
+            <a:off x="5390743" y="5034863"/>
+            <a:ext cx="1004803" cy="398987"/>
+          </a:xfrm>
+          <a:prstGeom prst="straightConnector1">
+            <a:avLst/>
+          </a:prstGeom>
+          <a:ln>
+            <a:tailEnd type="triangle"/>
+          </a:ln>
+        </p:spPr>
+        <p:style>
+          <a:lnRef idx="1">
+            <a:schemeClr val="accent1"/>
+          </a:lnRef>
+          <a:fillRef idx="0">
+            <a:schemeClr val="accent1"/>
+          </a:fillRef>
+          <a:effectRef idx="0">
+            <a:schemeClr val="accent1"/>
+          </a:effectRef>
+          <a:fontRef idx="minor">
+            <a:schemeClr val="tx1"/>
+          </a:fontRef>
+        </p:style>
+      </p:cxnSp>
+      <p:sp>
+        <p:nvSpPr>
+          <p:cNvPr id="36" name="TextBox 35">
+            <a:extLst>
+              <a:ext uri="{FF2B5EF4-FFF2-40B4-BE49-F238E27FC236}">
+                <a16:creationId xmlns:a16="http://schemas.microsoft.com/office/drawing/2014/main" id="{418A0E32-0F47-27B2-672F-8E0DEE4B190E}"/>
+              </a:ext>
+            </a:extLst>
+          </p:cNvPr>
+          <p:cNvSpPr txBox="1"/>
+          <p:nvPr/>
+        </p:nvSpPr>
+        <p:spPr>
+          <a:xfrm>
+            <a:off x="2405953" y="2270234"/>
+            <a:ext cx="624723" cy="369332"/>
+          </a:xfrm>
+          <a:prstGeom prst="rect">
+            <a:avLst/>
+          </a:prstGeom>
+          <a:noFill/>
+        </p:spPr>
+        <p:txBody>
+          <a:bodyPr wrap="none" rtlCol="0">
+            <a:spAutoFit/>
+          </a:bodyPr>
+          <a:lstStyle/>
+          <a:p>
+            <a:r>
+              <a:rPr lang="en-US" dirty="0"/>
+              <a:t>Evan</a:t>
+            </a:r>
+            <a:endParaRPr lang="en-IN" dirty="0"/>
+          </a:p>
+        </p:txBody>
+      </p:sp>
+      <p:sp>
+        <p:nvSpPr>
+          <p:cNvPr id="37" name="TextBox 36">
+            <a:extLst>
+              <a:ext uri="{FF2B5EF4-FFF2-40B4-BE49-F238E27FC236}">
+                <a16:creationId xmlns:a16="http://schemas.microsoft.com/office/drawing/2014/main" id="{9B28EE5B-71EC-CB9F-E29A-200DD5035166}"/>
+              </a:ext>
+            </a:extLst>
+          </p:cNvPr>
+          <p:cNvSpPr txBox="1"/>
+          <p:nvPr/>
+        </p:nvSpPr>
+        <p:spPr>
+          <a:xfrm>
+            <a:off x="4325006" y="371492"/>
+            <a:ext cx="878510" cy="369332"/>
+          </a:xfrm>
+          <a:prstGeom prst="rect">
+            <a:avLst/>
+          </a:prstGeom>
+          <a:noFill/>
+        </p:spPr>
+        <p:txBody>
+          <a:bodyPr wrap="none" rtlCol="0">
+            <a:spAutoFit/>
+          </a:bodyPr>
+          <a:lstStyle/>
+          <a:p>
+            <a:r>
+              <a:rPr lang="en-US" dirty="0" err="1"/>
+              <a:t>Supriya</a:t>
+            </a:r>
+            <a:endParaRPr lang="en-IN" dirty="0"/>
+          </a:p>
+        </p:txBody>
+      </p:sp>
+      <p:sp>
+        <p:nvSpPr>
+          <p:cNvPr id="38" name="TextBox 37">
+            <a:extLst>
+              <a:ext uri="{FF2B5EF4-FFF2-40B4-BE49-F238E27FC236}">
+                <a16:creationId xmlns:a16="http://schemas.microsoft.com/office/drawing/2014/main" id="{115A362A-3DAD-0B6A-D71B-42A1818D999A}"/>
+              </a:ext>
+            </a:extLst>
+          </p:cNvPr>
+          <p:cNvSpPr txBox="1"/>
+          <p:nvPr/>
+        </p:nvSpPr>
+        <p:spPr>
+          <a:xfrm>
+            <a:off x="4404983" y="2188402"/>
+            <a:ext cx="596638" cy="369332"/>
+          </a:xfrm>
+          <a:prstGeom prst="rect">
+            <a:avLst/>
+          </a:prstGeom>
+          <a:noFill/>
+        </p:spPr>
+        <p:txBody>
+          <a:bodyPr wrap="none" rtlCol="0">
+            <a:spAutoFit/>
+          </a:bodyPr>
+          <a:lstStyle/>
+          <a:p>
+            <a:r>
+              <a:rPr lang="en-US" dirty="0"/>
+              <a:t>Sujit</a:t>
+            </a:r>
+            <a:endParaRPr lang="en-IN" dirty="0"/>
+          </a:p>
+        </p:txBody>
+      </p:sp>
+      <p:sp>
+        <p:nvSpPr>
+          <p:cNvPr id="39" name="TextBox 38">
+            <a:extLst>
+              <a:ext uri="{FF2B5EF4-FFF2-40B4-BE49-F238E27FC236}">
+                <a16:creationId xmlns:a16="http://schemas.microsoft.com/office/drawing/2014/main" id="{3F761E07-613F-56B2-3307-BB2095C99A41}"/>
+              </a:ext>
+            </a:extLst>
+          </p:cNvPr>
+          <p:cNvSpPr txBox="1"/>
+          <p:nvPr/>
+        </p:nvSpPr>
+        <p:spPr>
+          <a:xfrm>
+            <a:off x="4481766" y="4169808"/>
+            <a:ext cx="631904" cy="369332"/>
+          </a:xfrm>
+          <a:prstGeom prst="rect">
+            <a:avLst/>
+          </a:prstGeom>
+          <a:noFill/>
+        </p:spPr>
+        <p:txBody>
+          <a:bodyPr wrap="none" rtlCol="0">
+            <a:spAutoFit/>
+          </a:bodyPr>
+          <a:lstStyle/>
+          <a:p>
+            <a:r>
+              <a:rPr lang="en-US" dirty="0"/>
+              <a:t>Amit</a:t>
+            </a:r>
+            <a:endParaRPr lang="en-IN" dirty="0"/>
+          </a:p>
+        </p:txBody>
+      </p:sp>
+      <p:sp>
+        <p:nvSpPr>
+          <p:cNvPr id="40" name="TextBox 39">
+            <a:extLst>
+              <a:ext uri="{FF2B5EF4-FFF2-40B4-BE49-F238E27FC236}">
+                <a16:creationId xmlns:a16="http://schemas.microsoft.com/office/drawing/2014/main" id="{F7EF3A2B-D27F-843F-F18C-D991E507A666}"/>
+              </a:ext>
+            </a:extLst>
+          </p:cNvPr>
+          <p:cNvSpPr txBox="1"/>
+          <p:nvPr/>
+        </p:nvSpPr>
+        <p:spPr>
+          <a:xfrm>
+            <a:off x="6743310" y="796582"/>
+            <a:ext cx="841897" cy="369332"/>
+          </a:xfrm>
+          <a:prstGeom prst="rect">
+            <a:avLst/>
+          </a:prstGeom>
+          <a:noFill/>
+        </p:spPr>
+        <p:txBody>
+          <a:bodyPr wrap="none" rtlCol="0">
+            <a:spAutoFit/>
+          </a:bodyPr>
+          <a:lstStyle/>
+          <a:p>
+            <a:r>
+              <a:rPr lang="en-US" dirty="0" err="1"/>
+              <a:t>Akshay</a:t>
+            </a:r>
+            <a:endParaRPr lang="en-IN" dirty="0"/>
+          </a:p>
+        </p:txBody>
+      </p:sp>
+      <p:sp>
+        <p:nvSpPr>
+          <p:cNvPr id="41" name="TextBox 40">
+            <a:extLst>
+              <a:ext uri="{FF2B5EF4-FFF2-40B4-BE49-F238E27FC236}">
+                <a16:creationId xmlns:a16="http://schemas.microsoft.com/office/drawing/2014/main" id="{A8BB583F-D93F-EE37-9C0F-0ACFEF7709FA}"/>
+              </a:ext>
+            </a:extLst>
+          </p:cNvPr>
+          <p:cNvSpPr txBox="1"/>
+          <p:nvPr/>
+        </p:nvSpPr>
+        <p:spPr>
+          <a:xfrm>
+            <a:off x="6906220" y="2516493"/>
+            <a:ext cx="705514" cy="369332"/>
+          </a:xfrm>
+          <a:prstGeom prst="rect">
+            <a:avLst/>
+          </a:prstGeom>
+          <a:noFill/>
+        </p:spPr>
+        <p:txBody>
+          <a:bodyPr wrap="none" rtlCol="0">
+            <a:spAutoFit/>
+          </a:bodyPr>
+          <a:lstStyle/>
+          <a:p>
+            <a:r>
+              <a:rPr lang="en-US" dirty="0" err="1"/>
+              <a:t>Parial</a:t>
+            </a:r>
+            <a:endParaRPr lang="en-IN" dirty="0"/>
+          </a:p>
+        </p:txBody>
+      </p:sp>
+      <p:sp>
+        <p:nvSpPr>
+          <p:cNvPr id="43" name="Oval 42">
+            <a:extLst>
+              <a:ext uri="{FF2B5EF4-FFF2-40B4-BE49-F238E27FC236}">
+                <a16:creationId xmlns:a16="http://schemas.microsoft.com/office/drawing/2014/main" id="{DE8F950E-B577-F7C2-A498-B4AE802A72D1}"/>
+              </a:ext>
+            </a:extLst>
+          </p:cNvPr>
+          <p:cNvSpPr/>
+          <p:nvPr/>
+        </p:nvSpPr>
+        <p:spPr>
+          <a:xfrm>
+            <a:off x="2341179" y="413243"/>
+            <a:ext cx="1177159" cy="1161392"/>
+          </a:xfrm>
+          <a:prstGeom prst="ellipse">
+            <a:avLst/>
+          </a:prstGeom>
+        </p:spPr>
+        <p:style>
+          <a:lnRef idx="2">
+            <a:schemeClr val="accent1">
+              <a:shade val="50000"/>
+            </a:schemeClr>
+          </a:lnRef>
+          <a:fillRef idx="1">
+            <a:schemeClr val="accent1"/>
+          </a:fillRef>
+          <a:effectRef idx="0">
+            <a:schemeClr val="accent1"/>
+          </a:effectRef>
+          <a:fontRef idx="minor">
+            <a:schemeClr val="lt1"/>
+          </a:fontRef>
+        </p:style>
+        <p:txBody>
+          <a:bodyPr rtlCol="0" anchor="ctr"/>
+          <a:lstStyle/>
+          <a:p>
+            <a:pPr algn="ctr"/>
+            <a:r>
+              <a:rPr lang="en-US" dirty="0"/>
+              <a:t>RG</a:t>
+            </a:r>
+            <a:endParaRPr lang="en-IN" dirty="0"/>
+          </a:p>
+        </p:txBody>
+      </p:sp>
+      <p:cxnSp>
+        <p:nvCxnSpPr>
+          <p:cNvPr id="44" name="Straight Arrow Connector 43">
+            <a:extLst>
+              <a:ext uri="{FF2B5EF4-FFF2-40B4-BE49-F238E27FC236}">
+                <a16:creationId xmlns:a16="http://schemas.microsoft.com/office/drawing/2014/main" id="{54FC9BAA-784B-065B-FABB-659FD6D99147}"/>
+              </a:ext>
+            </a:extLst>
+          </p:cNvPr>
+          <p:cNvCxnSpPr>
+            <a:cxnSpLocks/>
+            <a:endCxn id="43" idx="4"/>
+          </p:cNvCxnSpPr>
+          <p:nvPr/>
+        </p:nvCxnSpPr>
+        <p:spPr>
+          <a:xfrm flipV="1">
+            <a:off x="2508041" y="1574635"/>
+            <a:ext cx="421718" cy="1430623"/>
+          </a:xfrm>
+          <a:prstGeom prst="straightConnector1">
+            <a:avLst/>
+          </a:prstGeom>
+          <a:ln>
+            <a:tailEnd type="triangle"/>
+          </a:ln>
+        </p:spPr>
+        <p:style>
+          <a:lnRef idx="1">
+            <a:schemeClr val="accent1"/>
+          </a:lnRef>
+          <a:fillRef idx="0">
+            <a:schemeClr val="accent1"/>
+          </a:fillRef>
+          <a:effectRef idx="0">
+            <a:schemeClr val="accent1"/>
+          </a:effectRef>
+          <a:fontRef idx="minor">
+            <a:schemeClr val="tx1"/>
+          </a:fontRef>
+        </p:style>
+      </p:cxnSp>
+      <p:sp>
+        <p:nvSpPr>
+          <p:cNvPr id="48" name="TextBox 47">
+            <a:extLst>
+              <a:ext uri="{FF2B5EF4-FFF2-40B4-BE49-F238E27FC236}">
+                <a16:creationId xmlns:a16="http://schemas.microsoft.com/office/drawing/2014/main" id="{1F110132-1348-60E0-B5CF-CFEDB5CC47F3}"/>
+              </a:ext>
+            </a:extLst>
+          </p:cNvPr>
+          <p:cNvSpPr txBox="1"/>
+          <p:nvPr/>
+        </p:nvSpPr>
+        <p:spPr>
+          <a:xfrm>
+            <a:off x="2490503" y="60858"/>
+            <a:ext cx="878510" cy="369332"/>
+          </a:xfrm>
+          <a:prstGeom prst="rect">
+            <a:avLst/>
+          </a:prstGeom>
+          <a:noFill/>
+        </p:spPr>
+        <p:txBody>
+          <a:bodyPr wrap="none" rtlCol="0">
+            <a:spAutoFit/>
+          </a:bodyPr>
+          <a:lstStyle/>
+          <a:p>
+            <a:r>
+              <a:rPr lang="en-US" dirty="0" err="1"/>
+              <a:t>Supriya</a:t>
+            </a:r>
+            <a:endParaRPr lang="en-IN" dirty="0"/>
+          </a:p>
+        </p:txBody>
+      </p:sp>
+    </p:spTree>
+    <p:extLst>
+      <p:ext uri="{BB962C8B-B14F-4D97-AF65-F5344CB8AC3E}">
+        <p14:creationId xmlns:p14="http://schemas.microsoft.com/office/powerpoint/2010/main" val="2409340821"/>
       </p:ext>
     </p:extLst>
   </p:cSld>
